--- a/papers/DRCPA/docs/PerfTest - Implementation.pptx
+++ b/papers/DRCPA/docs/PerfTest - Implementation.pptx
@@ -1,11 +1,11 @@
 
 <file path=ppt/presentation.xml><?xml version="1.0" encoding="utf-8"?>
-<p:presentation xmlns:a="http://schemas.openxmlformats.org/drawingml/2006/main" xmlns:r="http://schemas.openxmlformats.org/officeDocument/2006/relationships" xmlns:p="http://schemas.openxmlformats.org/presentationml/2006/main" saveSubsetFonts="1">
+<p:presentation xmlns:a="http://schemas.openxmlformats.org/drawingml/2006/main" xmlns:r="http://schemas.openxmlformats.org/officeDocument/2006/relationships" xmlns:mc="http://schemas.openxmlformats.org/markup-compatibility/2006" xmlns:mv="urn:schemas-microsoft-com:mac:vml" xmlns:p="http://schemas.openxmlformats.org/presentationml/2006/main" mc:Ignorable="mv" mc:PreserveAttributes="mv:*" saveSubsetFonts="1">
   <p:sldMasterIdLst>
     <p:sldMasterId id="2147483648" r:id="rId1"/>
   </p:sldMasterIdLst>
   <p:notesMasterIdLst>
-    <p:notesMasterId r:id="rId7"/>
+    <p:notesMasterId r:id="rId9"/>
   </p:notesMasterIdLst>
   <p:sldIdLst>
     <p:sldId id="256" r:id="rId2"/>
@@ -13,6 +13,8 @@
     <p:sldId id="349" r:id="rId4"/>
     <p:sldId id="350" r:id="rId5"/>
     <p:sldId id="268" r:id="rId6"/>
+    <p:sldId id="351" r:id="rId7"/>
+    <p:sldId id="352" r:id="rId8"/>
   </p:sldIdLst>
   <p:sldSz cx="9144000" cy="6858000" type="screen4x3"/>
   <p:notesSz cx="6858000" cy="9144000"/>
@@ -115,7 +117,7 @@
 </file>
 
 <file path=ppt/notesMasters/notesMaster1.xml><?xml version="1.0" encoding="utf-8"?>
-<p:notesMaster xmlns:a="http://schemas.openxmlformats.org/drawingml/2006/main" xmlns:r="http://schemas.openxmlformats.org/officeDocument/2006/relationships" xmlns:p="http://schemas.openxmlformats.org/presentationml/2006/main">
+<p:notesMaster xmlns:a="http://schemas.openxmlformats.org/drawingml/2006/main" xmlns:r="http://schemas.openxmlformats.org/officeDocument/2006/relationships" xmlns:mc="http://schemas.openxmlformats.org/markup-compatibility/2006" xmlns:mv="urn:schemas-microsoft-com:mac:vml" xmlns:p="http://schemas.openxmlformats.org/presentationml/2006/main" mc:Ignorable="mv" mc:PreserveAttributes="mv:*">
   <p:cSld>
     <p:bg>
       <p:bgRef idx="1001">
@@ -197,7 +199,7 @@
             <a:fld id="{23B74013-A8FD-4950-914A-947FD22947D7}" type="datetimeFigureOut">
               <a:rPr lang="en-US" smtClean="0"/>
               <a:pPr/>
-              <a:t>9/13/2009</a:t>
+              <a:t>9/22/09</a:t>
             </a:fld>
             <a:endParaRPr lang="en-US"/>
           </a:p>
@@ -464,7 +466,7 @@
 </file>
 
 <file path=ppt/slideLayouts/slideLayout1.xml><?xml version="1.0" encoding="utf-8"?>
-<p:sldLayout xmlns:a="http://schemas.openxmlformats.org/drawingml/2006/main" xmlns:r="http://schemas.openxmlformats.org/officeDocument/2006/relationships" xmlns:p="http://schemas.openxmlformats.org/presentationml/2006/main" type="title" preserve="1">
+<p:sldLayout xmlns:a="http://schemas.openxmlformats.org/drawingml/2006/main" xmlns:r="http://schemas.openxmlformats.org/officeDocument/2006/relationships" xmlns:mc="http://schemas.openxmlformats.org/markup-compatibility/2006" xmlns:mv="urn:schemas-microsoft-com:mac:vml" xmlns:p="http://schemas.openxmlformats.org/presentationml/2006/main" mc:Ignorable="mv" mc:PreserveAttributes="mv:*" type="title" preserve="1">
   <p:cSld name="Title Slide">
     <p:bg>
       <p:bgRef idx="1002">
@@ -650,7 +652,7 @@
             <a:fld id="{C60591B3-B4ED-4C31-8AEF-63EEC6A32F51}" type="datetimeFigureOut">
               <a:rPr lang="en-US" smtClean="0"/>
               <a:pPr/>
-              <a:t>9/13/2009</a:t>
+              <a:t>9/22/09</a:t>
             </a:fld>
             <a:endParaRPr lang="en-US"/>
           </a:p>
@@ -708,7 +710,7 @@
 </file>
 
 <file path=ppt/slideLayouts/slideLayout10.xml><?xml version="1.0" encoding="utf-8"?>
-<p:sldLayout xmlns:a="http://schemas.openxmlformats.org/drawingml/2006/main" xmlns:r="http://schemas.openxmlformats.org/officeDocument/2006/relationships" xmlns:p="http://schemas.openxmlformats.org/presentationml/2006/main" type="vertTx" preserve="1">
+<p:sldLayout xmlns:a="http://schemas.openxmlformats.org/drawingml/2006/main" xmlns:r="http://schemas.openxmlformats.org/officeDocument/2006/relationships" xmlns:mc="http://schemas.openxmlformats.org/markup-compatibility/2006" xmlns:mv="urn:schemas-microsoft-com:mac:vml" xmlns:p="http://schemas.openxmlformats.org/presentationml/2006/main" mc:Ignorable="mv" mc:PreserveAttributes="mv:*" type="vertTx" preserve="1">
   <p:cSld name="Title and Vertical Text">
     <p:spTree>
       <p:nvGrpSpPr>
@@ -817,7 +819,7 @@
             <a:fld id="{C60591B3-B4ED-4C31-8AEF-63EEC6A32F51}" type="datetimeFigureOut">
               <a:rPr lang="en-US" smtClean="0"/>
               <a:pPr/>
-              <a:t>9/13/2009</a:t>
+              <a:t>9/22/09</a:t>
             </a:fld>
             <a:endParaRPr lang="en-US"/>
           </a:p>
@@ -875,7 +877,7 @@
 </file>
 
 <file path=ppt/slideLayouts/slideLayout11.xml><?xml version="1.0" encoding="utf-8"?>
-<p:sldLayout xmlns:a="http://schemas.openxmlformats.org/drawingml/2006/main" xmlns:r="http://schemas.openxmlformats.org/officeDocument/2006/relationships" xmlns:p="http://schemas.openxmlformats.org/presentationml/2006/main" type="vertTitleAndTx" preserve="1">
+<p:sldLayout xmlns:a="http://schemas.openxmlformats.org/drawingml/2006/main" xmlns:r="http://schemas.openxmlformats.org/officeDocument/2006/relationships" xmlns:mc="http://schemas.openxmlformats.org/markup-compatibility/2006" xmlns:mv="urn:schemas-microsoft-com:mac:vml" xmlns:p="http://schemas.openxmlformats.org/presentationml/2006/main" mc:Ignorable="mv" mc:PreserveAttributes="mv:*" type="vertTitleAndTx" preserve="1">
   <p:cSld name="Vertical Title and Text">
     <p:spTree>
       <p:nvGrpSpPr>
@@ -994,7 +996,7 @@
             <a:fld id="{C60591B3-B4ED-4C31-8AEF-63EEC6A32F51}" type="datetimeFigureOut">
               <a:rPr lang="en-US" smtClean="0"/>
               <a:pPr/>
-              <a:t>9/13/2009</a:t>
+              <a:t>9/22/09</a:t>
             </a:fld>
             <a:endParaRPr lang="en-US"/>
           </a:p>
@@ -1052,7 +1054,7 @@
 </file>
 
 <file path=ppt/slideLayouts/slideLayout2.xml><?xml version="1.0" encoding="utf-8"?>
-<p:sldLayout xmlns:a="http://schemas.openxmlformats.org/drawingml/2006/main" xmlns:r="http://schemas.openxmlformats.org/officeDocument/2006/relationships" xmlns:p="http://schemas.openxmlformats.org/presentationml/2006/main" type="obj" preserve="1">
+<p:sldLayout xmlns:a="http://schemas.openxmlformats.org/drawingml/2006/main" xmlns:r="http://schemas.openxmlformats.org/officeDocument/2006/relationships" xmlns:mc="http://schemas.openxmlformats.org/markup-compatibility/2006" xmlns:mv="urn:schemas-microsoft-com:mac:vml" xmlns:p="http://schemas.openxmlformats.org/presentationml/2006/main" mc:Ignorable="mv" mc:PreserveAttributes="mv:*" type="obj" preserve="1">
   <p:cSld name="Title and Content">
     <p:spTree>
       <p:nvGrpSpPr>
@@ -1161,7 +1163,7 @@
             <a:fld id="{C60591B3-B4ED-4C31-8AEF-63EEC6A32F51}" type="datetimeFigureOut">
               <a:rPr lang="en-US" smtClean="0"/>
               <a:pPr/>
-              <a:t>9/13/2009</a:t>
+              <a:t>9/22/09</a:t>
             </a:fld>
             <a:endParaRPr lang="en-US"/>
           </a:p>
@@ -1219,7 +1221,7 @@
 </file>
 
 <file path=ppt/slideLayouts/slideLayout3.xml><?xml version="1.0" encoding="utf-8"?>
-<p:sldLayout xmlns:a="http://schemas.openxmlformats.org/drawingml/2006/main" xmlns:r="http://schemas.openxmlformats.org/officeDocument/2006/relationships" xmlns:p="http://schemas.openxmlformats.org/presentationml/2006/main" type="secHead" preserve="1">
+<p:sldLayout xmlns:a="http://schemas.openxmlformats.org/drawingml/2006/main" xmlns:r="http://schemas.openxmlformats.org/officeDocument/2006/relationships" xmlns:mc="http://schemas.openxmlformats.org/markup-compatibility/2006" xmlns:mv="urn:schemas-microsoft-com:mac:vml" xmlns:p="http://schemas.openxmlformats.org/presentationml/2006/main" mc:Ignorable="mv" mc:PreserveAttributes="mv:*" type="secHead" preserve="1">
   <p:cSld name="Section Header">
     <p:bg>
       <p:bgRef idx="1002">
@@ -1409,7 +1411,7 @@
             <a:fld id="{C60591B3-B4ED-4C31-8AEF-63EEC6A32F51}" type="datetimeFigureOut">
               <a:rPr lang="en-US" smtClean="0"/>
               <a:pPr/>
-              <a:t>9/13/2009</a:t>
+              <a:t>9/22/09</a:t>
             </a:fld>
             <a:endParaRPr lang="en-US"/>
           </a:p>
@@ -1467,7 +1469,7 @@
 </file>
 
 <file path=ppt/slideLayouts/slideLayout4.xml><?xml version="1.0" encoding="utf-8"?>
-<p:sldLayout xmlns:a="http://schemas.openxmlformats.org/drawingml/2006/main" xmlns:r="http://schemas.openxmlformats.org/officeDocument/2006/relationships" xmlns:p="http://schemas.openxmlformats.org/presentationml/2006/main" type="twoObj" preserve="1">
+<p:sldLayout xmlns:a="http://schemas.openxmlformats.org/drawingml/2006/main" xmlns:r="http://schemas.openxmlformats.org/officeDocument/2006/relationships" xmlns:mc="http://schemas.openxmlformats.org/markup-compatibility/2006" xmlns:mv="urn:schemas-microsoft-com:mac:vml" xmlns:p="http://schemas.openxmlformats.org/presentationml/2006/main" mc:Ignorable="mv" mc:PreserveAttributes="mv:*" type="twoObj" preserve="1">
   <p:cSld name="Two Content">
     <p:spTree>
       <p:nvGrpSpPr>
@@ -1694,7 +1696,7 @@
             <a:fld id="{C60591B3-B4ED-4C31-8AEF-63EEC6A32F51}" type="datetimeFigureOut">
               <a:rPr lang="en-US" smtClean="0"/>
               <a:pPr/>
-              <a:t>9/13/2009</a:t>
+              <a:t>9/22/09</a:t>
             </a:fld>
             <a:endParaRPr lang="en-US"/>
           </a:p>
@@ -1752,7 +1754,7 @@
 </file>
 
 <file path=ppt/slideLayouts/slideLayout5.xml><?xml version="1.0" encoding="utf-8"?>
-<p:sldLayout xmlns:a="http://schemas.openxmlformats.org/drawingml/2006/main" xmlns:r="http://schemas.openxmlformats.org/officeDocument/2006/relationships" xmlns:p="http://schemas.openxmlformats.org/presentationml/2006/main" type="twoTxTwoObj" preserve="1">
+<p:sldLayout xmlns:a="http://schemas.openxmlformats.org/drawingml/2006/main" xmlns:r="http://schemas.openxmlformats.org/officeDocument/2006/relationships" xmlns:mc="http://schemas.openxmlformats.org/markup-compatibility/2006" xmlns:mv="urn:schemas-microsoft-com:mac:vml" xmlns:p="http://schemas.openxmlformats.org/presentationml/2006/main" mc:Ignorable="mv" mc:PreserveAttributes="mv:*" type="twoTxTwoObj" preserve="1">
   <p:cSld name="Comparison">
     <p:spTree>
       <p:nvGrpSpPr>
@@ -2113,7 +2115,7 @@
             <a:fld id="{C60591B3-B4ED-4C31-8AEF-63EEC6A32F51}" type="datetimeFigureOut">
               <a:rPr lang="en-US" smtClean="0"/>
               <a:pPr/>
-              <a:t>9/13/2009</a:t>
+              <a:t>9/22/09</a:t>
             </a:fld>
             <a:endParaRPr lang="en-US"/>
           </a:p>
@@ -2171,7 +2173,7 @@
 </file>
 
 <file path=ppt/slideLayouts/slideLayout6.xml><?xml version="1.0" encoding="utf-8"?>
-<p:sldLayout xmlns:a="http://schemas.openxmlformats.org/drawingml/2006/main" xmlns:r="http://schemas.openxmlformats.org/officeDocument/2006/relationships" xmlns:p="http://schemas.openxmlformats.org/presentationml/2006/main" type="titleOnly" preserve="1">
+<p:sldLayout xmlns:a="http://schemas.openxmlformats.org/drawingml/2006/main" xmlns:r="http://schemas.openxmlformats.org/officeDocument/2006/relationships" xmlns:mc="http://schemas.openxmlformats.org/markup-compatibility/2006" xmlns:mv="urn:schemas-microsoft-com:mac:vml" xmlns:p="http://schemas.openxmlformats.org/presentationml/2006/main" mc:Ignorable="mv" mc:PreserveAttributes="mv:*" type="titleOnly" preserve="1">
   <p:cSld name="Title Only">
     <p:spTree>
       <p:nvGrpSpPr>
@@ -2228,7 +2230,7 @@
             <a:fld id="{C60591B3-B4ED-4C31-8AEF-63EEC6A32F51}" type="datetimeFigureOut">
               <a:rPr lang="en-US" smtClean="0"/>
               <a:pPr/>
-              <a:t>9/13/2009</a:t>
+              <a:t>9/22/09</a:t>
             </a:fld>
             <a:endParaRPr lang="en-US"/>
           </a:p>
@@ -2286,7 +2288,7 @@
 </file>
 
 <file path=ppt/slideLayouts/slideLayout7.xml><?xml version="1.0" encoding="utf-8"?>
-<p:sldLayout xmlns:a="http://schemas.openxmlformats.org/drawingml/2006/main" xmlns:r="http://schemas.openxmlformats.org/officeDocument/2006/relationships" xmlns:p="http://schemas.openxmlformats.org/presentationml/2006/main" type="blank" preserve="1">
+<p:sldLayout xmlns:a="http://schemas.openxmlformats.org/drawingml/2006/main" xmlns:r="http://schemas.openxmlformats.org/officeDocument/2006/relationships" xmlns:mc="http://schemas.openxmlformats.org/markup-compatibility/2006" xmlns:mv="urn:schemas-microsoft-com:mac:vml" xmlns:p="http://schemas.openxmlformats.org/presentationml/2006/main" mc:Ignorable="mv" mc:PreserveAttributes="mv:*" type="blank" preserve="1">
   <p:cSld name="Blank">
     <p:spTree>
       <p:nvGrpSpPr>
@@ -2320,7 +2322,7 @@
             <a:fld id="{C60591B3-B4ED-4C31-8AEF-63EEC6A32F51}" type="datetimeFigureOut">
               <a:rPr lang="en-US" smtClean="0"/>
               <a:pPr/>
-              <a:t>9/13/2009</a:t>
+              <a:t>9/22/09</a:t>
             </a:fld>
             <a:endParaRPr lang="en-US"/>
           </a:p>
@@ -2378,7 +2380,7 @@
 </file>
 
 <file path=ppt/slideLayouts/slideLayout8.xml><?xml version="1.0" encoding="utf-8"?>
-<p:sldLayout xmlns:a="http://schemas.openxmlformats.org/drawingml/2006/main" xmlns:r="http://schemas.openxmlformats.org/officeDocument/2006/relationships" xmlns:p="http://schemas.openxmlformats.org/presentationml/2006/main" type="objTx" preserve="1">
+<p:sldLayout xmlns:a="http://schemas.openxmlformats.org/drawingml/2006/main" xmlns:r="http://schemas.openxmlformats.org/officeDocument/2006/relationships" xmlns:mc="http://schemas.openxmlformats.org/markup-compatibility/2006" xmlns:mv="urn:schemas-microsoft-com:mac:vml" xmlns:p="http://schemas.openxmlformats.org/presentationml/2006/main" mc:Ignorable="mv" mc:PreserveAttributes="mv:*" type="objTx" preserve="1">
   <p:cSld name="Content with Caption">
     <p:spTree>
       <p:nvGrpSpPr>
@@ -2594,7 +2596,7 @@
             <a:fld id="{C60591B3-B4ED-4C31-8AEF-63EEC6A32F51}" type="datetimeFigureOut">
               <a:rPr lang="en-US" smtClean="0"/>
               <a:pPr/>
-              <a:t>9/13/2009</a:t>
+              <a:t>9/22/09</a:t>
             </a:fld>
             <a:endParaRPr lang="en-US"/>
           </a:p>
@@ -2652,7 +2654,7 @@
 </file>
 
 <file path=ppt/slideLayouts/slideLayout9.xml><?xml version="1.0" encoding="utf-8"?>
-<p:sldLayout xmlns:a="http://schemas.openxmlformats.org/drawingml/2006/main" xmlns:r="http://schemas.openxmlformats.org/officeDocument/2006/relationships" xmlns:p="http://schemas.openxmlformats.org/presentationml/2006/main" type="picTx" preserve="1">
+<p:sldLayout xmlns:a="http://schemas.openxmlformats.org/drawingml/2006/main" xmlns:r="http://schemas.openxmlformats.org/officeDocument/2006/relationships" xmlns:mc="http://schemas.openxmlformats.org/markup-compatibility/2006" xmlns:mv="urn:schemas-microsoft-com:mac:vml" xmlns:p="http://schemas.openxmlformats.org/presentationml/2006/main" mc:Ignorable="mv" mc:PreserveAttributes="mv:*" type="picTx" preserve="1">
   <p:cSld name="Picture with Caption">
     <p:spTree>
       <p:nvGrpSpPr>
@@ -2844,7 +2846,7 @@
             <a:fld id="{C60591B3-B4ED-4C31-8AEF-63EEC6A32F51}" type="datetimeFigureOut">
               <a:rPr lang="en-US" smtClean="0"/>
               <a:pPr/>
-              <a:t>9/13/2009</a:t>
+              <a:t>9/22/09</a:t>
             </a:fld>
             <a:endParaRPr lang="en-US"/>
           </a:p>
@@ -2902,7 +2904,7 @@
 </file>
 
 <file path=ppt/slideMasters/slideMaster1.xml><?xml version="1.0" encoding="utf-8"?>
-<p:sldMaster xmlns:a="http://schemas.openxmlformats.org/drawingml/2006/main" xmlns:r="http://schemas.openxmlformats.org/officeDocument/2006/relationships" xmlns:p="http://schemas.openxmlformats.org/presentationml/2006/main">
+<p:sldMaster xmlns:a="http://schemas.openxmlformats.org/drawingml/2006/main" xmlns:r="http://schemas.openxmlformats.org/officeDocument/2006/relationships" xmlns:mc="http://schemas.openxmlformats.org/markup-compatibility/2006" xmlns:mv="urn:schemas-microsoft-com:mac:vml" xmlns:p="http://schemas.openxmlformats.org/presentationml/2006/main" mc:Ignorable="mv" mc:PreserveAttributes="mv:*">
   <p:cSld>
     <p:bg>
       <p:bgRef idx="1001">
@@ -3054,7 +3056,7 @@
             <a:fld id="{C60591B3-B4ED-4C31-8AEF-63EEC6A32F51}" type="datetimeFigureOut">
               <a:rPr lang="en-US" smtClean="0"/>
               <a:pPr/>
-              <a:t>9/13/2009</a:t>
+              <a:t>9/22/09</a:t>
             </a:fld>
             <a:endParaRPr lang="en-US"/>
           </a:p>
@@ -3409,7 +3411,7 @@
 </file>
 
 <file path=ppt/slides/slide1.xml><?xml version="1.0" encoding="utf-8"?>
-<p:sld xmlns:a="http://schemas.openxmlformats.org/drawingml/2006/main" xmlns:r="http://schemas.openxmlformats.org/officeDocument/2006/relationships" xmlns:p="http://schemas.openxmlformats.org/presentationml/2006/main">
+<p:sld xmlns:a="http://schemas.openxmlformats.org/drawingml/2006/main" xmlns:r="http://schemas.openxmlformats.org/officeDocument/2006/relationships" xmlns:mc="http://schemas.openxmlformats.org/markup-compatibility/2006" xmlns:mv="urn:schemas-microsoft-com:mac:vml" xmlns:p="http://schemas.openxmlformats.org/presentationml/2006/main" mc:Ignorable="mv" mc:PreserveAttributes="mv:*">
   <p:cSld>
     <p:spTree>
       <p:nvGrpSpPr>
@@ -3548,11 +3550,11 @@
           <a:p>
             <a:r>
               <a:rPr lang="en-US" dirty="0" smtClean="0"/>
-              <a:t>Last Updated: Sep. </a:t>
+              <a:t>Last Updated: Sep.</a:t>
             </a:r>
             <a:r>
               <a:rPr lang="en-US" dirty="0" smtClean="0"/>
-              <a:t>13, </a:t>
+              <a:t> 22, </a:t>
             </a:r>
             <a:r>
               <a:rPr lang="en-US" dirty="0" smtClean="0"/>
@@ -3571,7 +3573,7 @@
 </file>
 
 <file path=ppt/slides/slide2.xml><?xml version="1.0" encoding="utf-8"?>
-<p:sld xmlns:a="http://schemas.openxmlformats.org/drawingml/2006/main" xmlns:r="http://schemas.openxmlformats.org/officeDocument/2006/relationships" xmlns:p="http://schemas.openxmlformats.org/presentationml/2006/main">
+<p:sld xmlns:a="http://schemas.openxmlformats.org/drawingml/2006/main" xmlns:r="http://schemas.openxmlformats.org/officeDocument/2006/relationships" xmlns:mc="http://schemas.openxmlformats.org/markup-compatibility/2006" xmlns:mv="urn:schemas-microsoft-com:mac:vml" xmlns:p="http://schemas.openxmlformats.org/presentationml/2006/main" mc:Ignorable="mv" mc:PreserveAttributes="mv:*">
   <p:cSld>
     <p:spTree>
       <p:nvGrpSpPr>
@@ -3642,7 +3644,7 @@
 </file>
 
 <file path=ppt/slides/slide3.xml><?xml version="1.0" encoding="utf-8"?>
-<p:sld xmlns:a="http://schemas.openxmlformats.org/drawingml/2006/main" xmlns:r="http://schemas.openxmlformats.org/officeDocument/2006/relationships" xmlns:p="http://schemas.openxmlformats.org/presentationml/2006/main">
+<p:sld xmlns:a="http://schemas.openxmlformats.org/drawingml/2006/main" xmlns:r="http://schemas.openxmlformats.org/officeDocument/2006/relationships" xmlns:mc="http://schemas.openxmlformats.org/markup-compatibility/2006" xmlns:mv="urn:schemas-microsoft-com:mac:vml" xmlns:p="http://schemas.openxmlformats.org/presentationml/2006/main" mc:Ignorable="mv" mc:PreserveAttributes="mv:*">
   <p:cSld>
     <p:spTree>
       <p:nvGrpSpPr>
@@ -3796,21 +3798,7 @@
                 <a:latin typeface="Courier New" pitchFamily="49" charset="0"/>
                 <a:cs typeface="Courier New" pitchFamily="49" charset="0"/>
               </a:rPr>
-              <a:t>.</a:t>
-            </a:r>
-            <a:r>
-              <a:rPr lang="en-US" sz="2000" dirty="0" smtClean="0">
-                <a:latin typeface="Courier New" pitchFamily="49" charset="0"/>
-                <a:cs typeface="Courier New" pitchFamily="49" charset="0"/>
-              </a:rPr>
-              <a:t> </a:t>
-            </a:r>
-            <a:r>
-              <a:rPr lang="en-US" sz="2000" dirty="0" smtClean="0">
-                <a:latin typeface="Courier New" pitchFamily="49" charset="0"/>
-                <a:cs typeface="Courier New" pitchFamily="49" charset="0"/>
-              </a:rPr>
-              <a:t>ImportTracePage1 </a:t>
+              <a:t>. ImportTracePage1 </a:t>
             </a:r>
             <a:r>
               <a:rPr lang="en-US" sz="2000" dirty="0" smtClean="0">
@@ -3838,7 +3826,7 @@
 </file>
 
 <file path=ppt/slides/slide4.xml><?xml version="1.0" encoding="utf-8"?>
-<p:sld xmlns:a="http://schemas.openxmlformats.org/drawingml/2006/main" xmlns:r="http://schemas.openxmlformats.org/officeDocument/2006/relationships" xmlns:p="http://schemas.openxmlformats.org/presentationml/2006/main">
+<p:sld xmlns:a="http://schemas.openxmlformats.org/drawingml/2006/main" xmlns:r="http://schemas.openxmlformats.org/officeDocument/2006/relationships" xmlns:mc="http://schemas.openxmlformats.org/markup-compatibility/2006" xmlns:mv="urn:schemas-microsoft-com:mac:vml" xmlns:p="http://schemas.openxmlformats.org/presentationml/2006/main" mc:Ignorable="mv" mc:PreserveAttributes="mv:*">
   <p:cSld>
     <p:spTree>
       <p:nvGrpSpPr>
@@ -4078,7 +4066,7 @@
 </file>
 
 <file path=ppt/slides/slide5.xml><?xml version="1.0" encoding="utf-8"?>
-<p:sld xmlns:a="http://schemas.openxmlformats.org/drawingml/2006/main" xmlns:r="http://schemas.openxmlformats.org/officeDocument/2006/relationships" xmlns:p="http://schemas.openxmlformats.org/presentationml/2006/main">
+<p:sld xmlns:a="http://schemas.openxmlformats.org/drawingml/2006/main" xmlns:r="http://schemas.openxmlformats.org/officeDocument/2006/relationships" xmlns:mc="http://schemas.openxmlformats.org/markup-compatibility/2006" xmlns:mv="urn:schemas-microsoft-com:mac:vml" xmlns:p="http://schemas.openxmlformats.org/presentationml/2006/main" mc:Ignorable="mv" mc:PreserveAttributes="mv:*">
   <p:cSld>
     <p:spTree>
       <p:nvGrpSpPr>
@@ -4166,6 +4154,244 @@
               <a:t>tptp</a:t>
             </a:r>
             <a:endParaRPr lang="en-US" sz="2000" dirty="0"/>
+          </a:p>
+        </p:txBody>
+      </p:sp>
+    </p:spTree>
+  </p:cSld>
+  <p:clrMapOvr>
+    <a:masterClrMapping/>
+  </p:clrMapOvr>
+</p:sld>
+</file>
+
+<file path=ppt/slides/slide6.xml><?xml version="1.0" encoding="utf-8"?>
+<p:sld xmlns:a="http://schemas.openxmlformats.org/drawingml/2006/main" xmlns:r="http://schemas.openxmlformats.org/officeDocument/2006/relationships" xmlns:mc="http://schemas.openxmlformats.org/markup-compatibility/2006" xmlns:mv="urn:schemas-microsoft-com:mac:vml" xmlns:p="http://schemas.openxmlformats.org/presentationml/2006/main" mc:Ignorable="mv" mc:PreserveAttributes="mv:*">
+  <p:cSld>
+    <p:spTree>
+      <p:nvGrpSpPr>
+        <p:cNvPr id="1" name=""/>
+        <p:cNvGrpSpPr/>
+        <p:nvPr/>
+      </p:nvGrpSpPr>
+      <p:grpSpPr>
+        <a:xfrm>
+          <a:off x="0" y="0"/>
+          <a:ext cx="0" cy="0"/>
+          <a:chOff x="0" y="0"/>
+          <a:chExt cx="0" cy="0"/>
+        </a:xfrm>
+      </p:grpSpPr>
+      <p:sp>
+        <p:nvSpPr>
+          <p:cNvPr id="4" name="Title 3"/>
+          <p:cNvSpPr>
+            <a:spLocks noGrp="1"/>
+          </p:cNvSpPr>
+          <p:nvPr>
+            <p:ph type="title"/>
+          </p:nvPr>
+        </p:nvSpPr>
+        <p:spPr/>
+        <p:txBody>
+          <a:bodyPr/>
+          <a:lstStyle/>
+          <a:p>
+            <a:r>
+              <a:rPr lang="en-US" smtClean="0"/>
+              <a:t>Comparing </a:t>
+            </a:r>
+            <a:r>
+              <a:rPr lang="en-US" dirty="0" smtClean="0"/>
+              <a:t>Trace data from RPT and TPTP</a:t>
+            </a:r>
+            <a:endParaRPr lang="en-US" dirty="0"/>
+          </a:p>
+        </p:txBody>
+      </p:sp>
+      <p:sp>
+        <p:nvSpPr>
+          <p:cNvPr id="5" name="Text Placeholder 4"/>
+          <p:cNvSpPr>
+            <a:spLocks noGrp="1"/>
+          </p:cNvSpPr>
+          <p:nvPr>
+            <p:ph type="body" idx="1"/>
+          </p:nvPr>
+        </p:nvSpPr>
+        <p:spPr/>
+        <p:txBody>
+          <a:bodyPr/>
+          <a:lstStyle/>
+          <a:p>
+            <a:endParaRPr lang="en-US"/>
+          </a:p>
+        </p:txBody>
+      </p:sp>
+    </p:spTree>
+  </p:cSld>
+  <p:clrMapOvr>
+    <a:masterClrMapping/>
+  </p:clrMapOvr>
+</p:sld>
+</file>
+
+<file path=ppt/slides/slide7.xml><?xml version="1.0" encoding="utf-8"?>
+<p:sld xmlns:a="http://schemas.openxmlformats.org/drawingml/2006/main" xmlns:r="http://schemas.openxmlformats.org/officeDocument/2006/relationships" xmlns:mc="http://schemas.openxmlformats.org/markup-compatibility/2006" xmlns:mv="urn:schemas-microsoft-com:mac:vml" xmlns:p="http://schemas.openxmlformats.org/presentationml/2006/main" mc:Ignorable="mv" mc:PreserveAttributes="mv:*">
+  <p:cSld>
+    <p:spTree>
+      <p:nvGrpSpPr>
+        <p:cNvPr id="1" name=""/>
+        <p:cNvGrpSpPr/>
+        <p:nvPr/>
+      </p:nvGrpSpPr>
+      <p:grpSpPr>
+        <a:xfrm>
+          <a:off x="0" y="0"/>
+          <a:ext cx="0" cy="0"/>
+          <a:chOff x="0" y="0"/>
+          <a:chExt cx="0" cy="0"/>
+        </a:xfrm>
+      </p:grpSpPr>
+      <p:sp>
+        <p:nvSpPr>
+          <p:cNvPr id="2" name="Title 1"/>
+          <p:cNvSpPr>
+            <a:spLocks noGrp="1"/>
+          </p:cNvSpPr>
+          <p:nvPr>
+            <p:ph type="title"/>
+          </p:nvPr>
+        </p:nvSpPr>
+        <p:spPr/>
+        <p:txBody>
+          <a:bodyPr/>
+          <a:lstStyle/>
+          <a:p>
+            <a:endParaRPr lang="en-US"/>
+          </a:p>
+        </p:txBody>
+      </p:sp>
+      <p:sp>
+        <p:nvSpPr>
+          <p:cNvPr id="3" name="Content Placeholder 2"/>
+          <p:cNvSpPr>
+            <a:spLocks noGrp="1"/>
+          </p:cNvSpPr>
+          <p:nvPr>
+            <p:ph idx="1"/>
+          </p:nvPr>
+        </p:nvSpPr>
+        <p:spPr/>
+        <p:txBody>
+          <a:bodyPr>
+            <a:normAutofit fontScale="70000" lnSpcReduction="20000"/>
+          </a:bodyPr>
+          <a:lstStyle/>
+          <a:p>
+            <a:pPr marL="514350" indent="-514350">
+              <a:buFont typeface="+mj-lt"/>
+              <a:buAutoNum type="arabicPeriod"/>
+            </a:pPr>
+            <a:r>
+              <a:rPr lang="en-US" dirty="0" smtClean="0"/>
+              <a:t>Start the Plant web application (AppSrv02, 9083, 9063)</a:t>
+            </a:r>
+          </a:p>
+          <a:p>
+            <a:pPr marL="514350" indent="-514350">
+              <a:buFont typeface="+mj-lt"/>
+              <a:buAutoNum type="arabicPeriod"/>
+            </a:pPr>
+            <a:r>
+              <a:rPr lang="en-US" dirty="0" smtClean="0"/>
+              <a:t>Setup the environment for RPT profiling </a:t>
+            </a:r>
+          </a:p>
+          <a:p>
+            <a:pPr marL="514350" indent="-514350">
+              <a:buFont typeface="+mj-lt"/>
+              <a:buAutoNum type="arabicPeriod"/>
+            </a:pPr>
+            <a:r>
+              <a:rPr lang="en-US" dirty="0" smtClean="0"/>
+              <a:t>Create a performance test suite for the Plant web application.</a:t>
+            </a:r>
+          </a:p>
+          <a:p>
+            <a:pPr marL="514350" indent="-514350">
+              <a:buFont typeface="+mj-lt"/>
+              <a:buAutoNum type="arabicPeriod"/>
+            </a:pPr>
+            <a:r>
+              <a:rPr lang="en-US" dirty="0" smtClean="0"/>
+              <a:t>Run the performance test suite by RPT while collecting profiling data by RPT. The profiling data is stored in a local </a:t>
+            </a:r>
+            <a:r>
+              <a:rPr lang="en-US" dirty="0" err="1" smtClean="0"/>
+              <a:t>trcxml</a:t>
+            </a:r>
+            <a:r>
+              <a:rPr lang="en-US" dirty="0" smtClean="0"/>
+              <a:t> file (t1_rpt.trcxml)</a:t>
+            </a:r>
+          </a:p>
+          <a:p>
+            <a:pPr marL="514350" indent="-514350">
+              <a:buFont typeface="+mj-lt"/>
+              <a:buAutoNum type="arabicPeriod"/>
+            </a:pPr>
+            <a:r>
+              <a:rPr lang="en-US" dirty="0" smtClean="0"/>
+              <a:t>Restart the Plant web application (after </a:t>
+            </a:r>
+            <a:r>
+              <a:rPr lang="en-US" dirty="0" err="1" smtClean="0"/>
+              <a:t>uninstrumentation</a:t>
+            </a:r>
+            <a:r>
+              <a:rPr lang="en-US" dirty="0" smtClean="0"/>
+              <a:t>)</a:t>
+            </a:r>
+          </a:p>
+          <a:p>
+            <a:pPr marL="514350" indent="-514350">
+              <a:buFont typeface="+mj-lt"/>
+              <a:buAutoNum type="arabicPeriod"/>
+            </a:pPr>
+            <a:r>
+              <a:rPr lang="en-US" dirty="0" smtClean="0"/>
+              <a:t>Setup the environment for TPTP profiling </a:t>
+            </a:r>
+          </a:p>
+          <a:p>
+            <a:pPr marL="514350" indent="-514350">
+              <a:buFont typeface="+mj-lt"/>
+              <a:buAutoNum type="arabicPeriod"/>
+            </a:pPr>
+            <a:r>
+              <a:rPr lang="en-US" dirty="0" smtClean="0"/>
+              <a:t>Run the performance test suite by RPT while collecting profiling data by TPTP. The profiling data is stored in a local </a:t>
+            </a:r>
+            <a:r>
+              <a:rPr lang="en-US" dirty="0" err="1" smtClean="0"/>
+              <a:t>trcxml</a:t>
+            </a:r>
+            <a:r>
+              <a:rPr lang="en-US" dirty="0" smtClean="0"/>
+              <a:t> file (t1_tptp.trcxml)</a:t>
+            </a:r>
+          </a:p>
+          <a:p>
+            <a:pPr marL="514350" indent="-514350">
+              <a:buFont typeface="+mj-lt"/>
+              <a:buAutoNum type="arabicPeriod"/>
+            </a:pPr>
+            <a:r>
+              <a:rPr lang="en-US" dirty="0" smtClean="0"/>
+              <a:t>Compare t1_rpt.trcxml and t1_tptp.trcxml to figure out the difference.</a:t>
+            </a:r>
+            <a:endParaRPr lang="en-US" dirty="0"/>
           </a:p>
         </p:txBody>
       </p:sp>

--- a/papers/DRCPA/docs/PerfTest - Implementation.pptx
+++ b/papers/DRCPA/docs/PerfTest - Implementation.pptx
@@ -1,6 +1,6 @@
 
 <file path=ppt/presentation.xml><?xml version="1.0" encoding="utf-8"?>
-<p:presentation xmlns:a="http://schemas.openxmlformats.org/drawingml/2006/main" xmlns:r="http://schemas.openxmlformats.org/officeDocument/2006/relationships" xmlns:mc="http://schemas.openxmlformats.org/markup-compatibility/2006" xmlns:mv="urn:schemas-microsoft-com:mac:vml" xmlns:p="http://schemas.openxmlformats.org/presentationml/2006/main" mc:Ignorable="mv" mc:PreserveAttributes="mv:*" saveSubsetFonts="1">
+<p:presentation xmlns:a="http://schemas.openxmlformats.org/drawingml/2006/main" xmlns:r="http://schemas.openxmlformats.org/officeDocument/2006/relationships" xmlns:p="http://schemas.openxmlformats.org/presentationml/2006/main" saveSubsetFonts="1">
   <p:sldMasterIdLst>
     <p:sldMasterId id="2147483648" r:id="rId1"/>
   </p:sldMasterIdLst>
@@ -117,7 +117,7 @@
 </file>
 
 <file path=ppt/notesMasters/notesMaster1.xml><?xml version="1.0" encoding="utf-8"?>
-<p:notesMaster xmlns:a="http://schemas.openxmlformats.org/drawingml/2006/main" xmlns:r="http://schemas.openxmlformats.org/officeDocument/2006/relationships" xmlns:mc="http://schemas.openxmlformats.org/markup-compatibility/2006" xmlns:mv="urn:schemas-microsoft-com:mac:vml" xmlns:p="http://schemas.openxmlformats.org/presentationml/2006/main" mc:Ignorable="mv" mc:PreserveAttributes="mv:*">
+<p:notesMaster xmlns:a="http://schemas.openxmlformats.org/drawingml/2006/main" xmlns:r="http://schemas.openxmlformats.org/officeDocument/2006/relationships" xmlns:p="http://schemas.openxmlformats.org/presentationml/2006/main">
   <p:cSld>
     <p:bg>
       <p:bgRef idx="1001">
@@ -199,7 +199,7 @@
             <a:fld id="{23B74013-A8FD-4950-914A-947FD22947D7}" type="datetimeFigureOut">
               <a:rPr lang="en-US" smtClean="0"/>
               <a:pPr/>
-              <a:t>9/22/09</a:t>
+              <a:t>9/24/2009</a:t>
             </a:fld>
             <a:endParaRPr lang="en-US"/>
           </a:p>
@@ -466,7 +466,7 @@
 </file>
 
 <file path=ppt/slideLayouts/slideLayout1.xml><?xml version="1.0" encoding="utf-8"?>
-<p:sldLayout xmlns:a="http://schemas.openxmlformats.org/drawingml/2006/main" xmlns:r="http://schemas.openxmlformats.org/officeDocument/2006/relationships" xmlns:mc="http://schemas.openxmlformats.org/markup-compatibility/2006" xmlns:mv="urn:schemas-microsoft-com:mac:vml" xmlns:p="http://schemas.openxmlformats.org/presentationml/2006/main" mc:Ignorable="mv" mc:PreserveAttributes="mv:*" type="title" preserve="1">
+<p:sldLayout xmlns:a="http://schemas.openxmlformats.org/drawingml/2006/main" xmlns:r="http://schemas.openxmlformats.org/officeDocument/2006/relationships" xmlns:p="http://schemas.openxmlformats.org/presentationml/2006/main" type="title" preserve="1">
   <p:cSld name="Title Slide">
     <p:bg>
       <p:bgRef idx="1002">
@@ -652,7 +652,7 @@
             <a:fld id="{C60591B3-B4ED-4C31-8AEF-63EEC6A32F51}" type="datetimeFigureOut">
               <a:rPr lang="en-US" smtClean="0"/>
               <a:pPr/>
-              <a:t>9/22/09</a:t>
+              <a:t>9/24/2009</a:t>
             </a:fld>
             <a:endParaRPr lang="en-US"/>
           </a:p>
@@ -710,7 +710,7 @@
 </file>
 
 <file path=ppt/slideLayouts/slideLayout10.xml><?xml version="1.0" encoding="utf-8"?>
-<p:sldLayout xmlns:a="http://schemas.openxmlformats.org/drawingml/2006/main" xmlns:r="http://schemas.openxmlformats.org/officeDocument/2006/relationships" xmlns:mc="http://schemas.openxmlformats.org/markup-compatibility/2006" xmlns:mv="urn:schemas-microsoft-com:mac:vml" xmlns:p="http://schemas.openxmlformats.org/presentationml/2006/main" mc:Ignorable="mv" mc:PreserveAttributes="mv:*" type="vertTx" preserve="1">
+<p:sldLayout xmlns:a="http://schemas.openxmlformats.org/drawingml/2006/main" xmlns:r="http://schemas.openxmlformats.org/officeDocument/2006/relationships" xmlns:p="http://schemas.openxmlformats.org/presentationml/2006/main" type="vertTx" preserve="1">
   <p:cSld name="Title and Vertical Text">
     <p:spTree>
       <p:nvGrpSpPr>
@@ -819,7 +819,7 @@
             <a:fld id="{C60591B3-B4ED-4C31-8AEF-63EEC6A32F51}" type="datetimeFigureOut">
               <a:rPr lang="en-US" smtClean="0"/>
               <a:pPr/>
-              <a:t>9/22/09</a:t>
+              <a:t>9/24/2009</a:t>
             </a:fld>
             <a:endParaRPr lang="en-US"/>
           </a:p>
@@ -877,7 +877,7 @@
 </file>
 
 <file path=ppt/slideLayouts/slideLayout11.xml><?xml version="1.0" encoding="utf-8"?>
-<p:sldLayout xmlns:a="http://schemas.openxmlformats.org/drawingml/2006/main" xmlns:r="http://schemas.openxmlformats.org/officeDocument/2006/relationships" xmlns:mc="http://schemas.openxmlformats.org/markup-compatibility/2006" xmlns:mv="urn:schemas-microsoft-com:mac:vml" xmlns:p="http://schemas.openxmlformats.org/presentationml/2006/main" mc:Ignorable="mv" mc:PreserveAttributes="mv:*" type="vertTitleAndTx" preserve="1">
+<p:sldLayout xmlns:a="http://schemas.openxmlformats.org/drawingml/2006/main" xmlns:r="http://schemas.openxmlformats.org/officeDocument/2006/relationships" xmlns:p="http://schemas.openxmlformats.org/presentationml/2006/main" type="vertTitleAndTx" preserve="1">
   <p:cSld name="Vertical Title and Text">
     <p:spTree>
       <p:nvGrpSpPr>
@@ -996,7 +996,7 @@
             <a:fld id="{C60591B3-B4ED-4C31-8AEF-63EEC6A32F51}" type="datetimeFigureOut">
               <a:rPr lang="en-US" smtClean="0"/>
               <a:pPr/>
-              <a:t>9/22/09</a:t>
+              <a:t>9/24/2009</a:t>
             </a:fld>
             <a:endParaRPr lang="en-US"/>
           </a:p>
@@ -1054,7 +1054,7 @@
 </file>
 
 <file path=ppt/slideLayouts/slideLayout2.xml><?xml version="1.0" encoding="utf-8"?>
-<p:sldLayout xmlns:a="http://schemas.openxmlformats.org/drawingml/2006/main" xmlns:r="http://schemas.openxmlformats.org/officeDocument/2006/relationships" xmlns:mc="http://schemas.openxmlformats.org/markup-compatibility/2006" xmlns:mv="urn:schemas-microsoft-com:mac:vml" xmlns:p="http://schemas.openxmlformats.org/presentationml/2006/main" mc:Ignorable="mv" mc:PreserveAttributes="mv:*" type="obj" preserve="1">
+<p:sldLayout xmlns:a="http://schemas.openxmlformats.org/drawingml/2006/main" xmlns:r="http://schemas.openxmlformats.org/officeDocument/2006/relationships" xmlns:p="http://schemas.openxmlformats.org/presentationml/2006/main" type="obj" preserve="1">
   <p:cSld name="Title and Content">
     <p:spTree>
       <p:nvGrpSpPr>
@@ -1163,7 +1163,7 @@
             <a:fld id="{C60591B3-B4ED-4C31-8AEF-63EEC6A32F51}" type="datetimeFigureOut">
               <a:rPr lang="en-US" smtClean="0"/>
               <a:pPr/>
-              <a:t>9/22/09</a:t>
+              <a:t>9/24/2009</a:t>
             </a:fld>
             <a:endParaRPr lang="en-US"/>
           </a:p>
@@ -1221,7 +1221,7 @@
 </file>
 
 <file path=ppt/slideLayouts/slideLayout3.xml><?xml version="1.0" encoding="utf-8"?>
-<p:sldLayout xmlns:a="http://schemas.openxmlformats.org/drawingml/2006/main" xmlns:r="http://schemas.openxmlformats.org/officeDocument/2006/relationships" xmlns:mc="http://schemas.openxmlformats.org/markup-compatibility/2006" xmlns:mv="urn:schemas-microsoft-com:mac:vml" xmlns:p="http://schemas.openxmlformats.org/presentationml/2006/main" mc:Ignorable="mv" mc:PreserveAttributes="mv:*" type="secHead" preserve="1">
+<p:sldLayout xmlns:a="http://schemas.openxmlformats.org/drawingml/2006/main" xmlns:r="http://schemas.openxmlformats.org/officeDocument/2006/relationships" xmlns:p="http://schemas.openxmlformats.org/presentationml/2006/main" type="secHead" preserve="1">
   <p:cSld name="Section Header">
     <p:bg>
       <p:bgRef idx="1002">
@@ -1411,7 +1411,7 @@
             <a:fld id="{C60591B3-B4ED-4C31-8AEF-63EEC6A32F51}" type="datetimeFigureOut">
               <a:rPr lang="en-US" smtClean="0"/>
               <a:pPr/>
-              <a:t>9/22/09</a:t>
+              <a:t>9/24/2009</a:t>
             </a:fld>
             <a:endParaRPr lang="en-US"/>
           </a:p>
@@ -1469,7 +1469,7 @@
 </file>
 
 <file path=ppt/slideLayouts/slideLayout4.xml><?xml version="1.0" encoding="utf-8"?>
-<p:sldLayout xmlns:a="http://schemas.openxmlformats.org/drawingml/2006/main" xmlns:r="http://schemas.openxmlformats.org/officeDocument/2006/relationships" xmlns:mc="http://schemas.openxmlformats.org/markup-compatibility/2006" xmlns:mv="urn:schemas-microsoft-com:mac:vml" xmlns:p="http://schemas.openxmlformats.org/presentationml/2006/main" mc:Ignorable="mv" mc:PreserveAttributes="mv:*" type="twoObj" preserve="1">
+<p:sldLayout xmlns:a="http://schemas.openxmlformats.org/drawingml/2006/main" xmlns:r="http://schemas.openxmlformats.org/officeDocument/2006/relationships" xmlns:p="http://schemas.openxmlformats.org/presentationml/2006/main" type="twoObj" preserve="1">
   <p:cSld name="Two Content">
     <p:spTree>
       <p:nvGrpSpPr>
@@ -1696,7 +1696,7 @@
             <a:fld id="{C60591B3-B4ED-4C31-8AEF-63EEC6A32F51}" type="datetimeFigureOut">
               <a:rPr lang="en-US" smtClean="0"/>
               <a:pPr/>
-              <a:t>9/22/09</a:t>
+              <a:t>9/24/2009</a:t>
             </a:fld>
             <a:endParaRPr lang="en-US"/>
           </a:p>
@@ -1754,7 +1754,7 @@
 </file>
 
 <file path=ppt/slideLayouts/slideLayout5.xml><?xml version="1.0" encoding="utf-8"?>
-<p:sldLayout xmlns:a="http://schemas.openxmlformats.org/drawingml/2006/main" xmlns:r="http://schemas.openxmlformats.org/officeDocument/2006/relationships" xmlns:mc="http://schemas.openxmlformats.org/markup-compatibility/2006" xmlns:mv="urn:schemas-microsoft-com:mac:vml" xmlns:p="http://schemas.openxmlformats.org/presentationml/2006/main" mc:Ignorable="mv" mc:PreserveAttributes="mv:*" type="twoTxTwoObj" preserve="1">
+<p:sldLayout xmlns:a="http://schemas.openxmlformats.org/drawingml/2006/main" xmlns:r="http://schemas.openxmlformats.org/officeDocument/2006/relationships" xmlns:p="http://schemas.openxmlformats.org/presentationml/2006/main" type="twoTxTwoObj" preserve="1">
   <p:cSld name="Comparison">
     <p:spTree>
       <p:nvGrpSpPr>
@@ -2115,7 +2115,7 @@
             <a:fld id="{C60591B3-B4ED-4C31-8AEF-63EEC6A32F51}" type="datetimeFigureOut">
               <a:rPr lang="en-US" smtClean="0"/>
               <a:pPr/>
-              <a:t>9/22/09</a:t>
+              <a:t>9/24/2009</a:t>
             </a:fld>
             <a:endParaRPr lang="en-US"/>
           </a:p>
@@ -2173,7 +2173,7 @@
 </file>
 
 <file path=ppt/slideLayouts/slideLayout6.xml><?xml version="1.0" encoding="utf-8"?>
-<p:sldLayout xmlns:a="http://schemas.openxmlformats.org/drawingml/2006/main" xmlns:r="http://schemas.openxmlformats.org/officeDocument/2006/relationships" xmlns:mc="http://schemas.openxmlformats.org/markup-compatibility/2006" xmlns:mv="urn:schemas-microsoft-com:mac:vml" xmlns:p="http://schemas.openxmlformats.org/presentationml/2006/main" mc:Ignorable="mv" mc:PreserveAttributes="mv:*" type="titleOnly" preserve="1">
+<p:sldLayout xmlns:a="http://schemas.openxmlformats.org/drawingml/2006/main" xmlns:r="http://schemas.openxmlformats.org/officeDocument/2006/relationships" xmlns:p="http://schemas.openxmlformats.org/presentationml/2006/main" type="titleOnly" preserve="1">
   <p:cSld name="Title Only">
     <p:spTree>
       <p:nvGrpSpPr>
@@ -2230,7 +2230,7 @@
             <a:fld id="{C60591B3-B4ED-4C31-8AEF-63EEC6A32F51}" type="datetimeFigureOut">
               <a:rPr lang="en-US" smtClean="0"/>
               <a:pPr/>
-              <a:t>9/22/09</a:t>
+              <a:t>9/24/2009</a:t>
             </a:fld>
             <a:endParaRPr lang="en-US"/>
           </a:p>
@@ -2288,7 +2288,7 @@
 </file>
 
 <file path=ppt/slideLayouts/slideLayout7.xml><?xml version="1.0" encoding="utf-8"?>
-<p:sldLayout xmlns:a="http://schemas.openxmlformats.org/drawingml/2006/main" xmlns:r="http://schemas.openxmlformats.org/officeDocument/2006/relationships" xmlns:mc="http://schemas.openxmlformats.org/markup-compatibility/2006" xmlns:mv="urn:schemas-microsoft-com:mac:vml" xmlns:p="http://schemas.openxmlformats.org/presentationml/2006/main" mc:Ignorable="mv" mc:PreserveAttributes="mv:*" type="blank" preserve="1">
+<p:sldLayout xmlns:a="http://schemas.openxmlformats.org/drawingml/2006/main" xmlns:r="http://schemas.openxmlformats.org/officeDocument/2006/relationships" xmlns:p="http://schemas.openxmlformats.org/presentationml/2006/main" type="blank" preserve="1">
   <p:cSld name="Blank">
     <p:spTree>
       <p:nvGrpSpPr>
@@ -2322,7 +2322,7 @@
             <a:fld id="{C60591B3-B4ED-4C31-8AEF-63EEC6A32F51}" type="datetimeFigureOut">
               <a:rPr lang="en-US" smtClean="0"/>
               <a:pPr/>
-              <a:t>9/22/09</a:t>
+              <a:t>9/24/2009</a:t>
             </a:fld>
             <a:endParaRPr lang="en-US"/>
           </a:p>
@@ -2380,7 +2380,7 @@
 </file>
 
 <file path=ppt/slideLayouts/slideLayout8.xml><?xml version="1.0" encoding="utf-8"?>
-<p:sldLayout xmlns:a="http://schemas.openxmlformats.org/drawingml/2006/main" xmlns:r="http://schemas.openxmlformats.org/officeDocument/2006/relationships" xmlns:mc="http://schemas.openxmlformats.org/markup-compatibility/2006" xmlns:mv="urn:schemas-microsoft-com:mac:vml" xmlns:p="http://schemas.openxmlformats.org/presentationml/2006/main" mc:Ignorable="mv" mc:PreserveAttributes="mv:*" type="objTx" preserve="1">
+<p:sldLayout xmlns:a="http://schemas.openxmlformats.org/drawingml/2006/main" xmlns:r="http://schemas.openxmlformats.org/officeDocument/2006/relationships" xmlns:p="http://schemas.openxmlformats.org/presentationml/2006/main" type="objTx" preserve="1">
   <p:cSld name="Content with Caption">
     <p:spTree>
       <p:nvGrpSpPr>
@@ -2596,7 +2596,7 @@
             <a:fld id="{C60591B3-B4ED-4C31-8AEF-63EEC6A32F51}" type="datetimeFigureOut">
               <a:rPr lang="en-US" smtClean="0"/>
               <a:pPr/>
-              <a:t>9/22/09</a:t>
+              <a:t>9/24/2009</a:t>
             </a:fld>
             <a:endParaRPr lang="en-US"/>
           </a:p>
@@ -2654,7 +2654,7 @@
 </file>
 
 <file path=ppt/slideLayouts/slideLayout9.xml><?xml version="1.0" encoding="utf-8"?>
-<p:sldLayout xmlns:a="http://schemas.openxmlformats.org/drawingml/2006/main" xmlns:r="http://schemas.openxmlformats.org/officeDocument/2006/relationships" xmlns:mc="http://schemas.openxmlformats.org/markup-compatibility/2006" xmlns:mv="urn:schemas-microsoft-com:mac:vml" xmlns:p="http://schemas.openxmlformats.org/presentationml/2006/main" mc:Ignorable="mv" mc:PreserveAttributes="mv:*" type="picTx" preserve="1">
+<p:sldLayout xmlns:a="http://schemas.openxmlformats.org/drawingml/2006/main" xmlns:r="http://schemas.openxmlformats.org/officeDocument/2006/relationships" xmlns:p="http://schemas.openxmlformats.org/presentationml/2006/main" type="picTx" preserve="1">
   <p:cSld name="Picture with Caption">
     <p:spTree>
       <p:nvGrpSpPr>
@@ -2846,7 +2846,7 @@
             <a:fld id="{C60591B3-B4ED-4C31-8AEF-63EEC6A32F51}" type="datetimeFigureOut">
               <a:rPr lang="en-US" smtClean="0"/>
               <a:pPr/>
-              <a:t>9/22/09</a:t>
+              <a:t>9/24/2009</a:t>
             </a:fld>
             <a:endParaRPr lang="en-US"/>
           </a:p>
@@ -2904,7 +2904,7 @@
 </file>
 
 <file path=ppt/slideMasters/slideMaster1.xml><?xml version="1.0" encoding="utf-8"?>
-<p:sldMaster xmlns:a="http://schemas.openxmlformats.org/drawingml/2006/main" xmlns:r="http://schemas.openxmlformats.org/officeDocument/2006/relationships" xmlns:mc="http://schemas.openxmlformats.org/markup-compatibility/2006" xmlns:mv="urn:schemas-microsoft-com:mac:vml" xmlns:p="http://schemas.openxmlformats.org/presentationml/2006/main" mc:Ignorable="mv" mc:PreserveAttributes="mv:*">
+<p:sldMaster xmlns:a="http://schemas.openxmlformats.org/drawingml/2006/main" xmlns:r="http://schemas.openxmlformats.org/officeDocument/2006/relationships" xmlns:p="http://schemas.openxmlformats.org/presentationml/2006/main">
   <p:cSld>
     <p:bg>
       <p:bgRef idx="1001">
@@ -3056,7 +3056,7 @@
             <a:fld id="{C60591B3-B4ED-4C31-8AEF-63EEC6A32F51}" type="datetimeFigureOut">
               <a:rPr lang="en-US" smtClean="0"/>
               <a:pPr/>
-              <a:t>9/22/09</a:t>
+              <a:t>9/24/2009</a:t>
             </a:fld>
             <a:endParaRPr lang="en-US"/>
           </a:p>
@@ -3411,7 +3411,7 @@
 </file>
 
 <file path=ppt/slides/slide1.xml><?xml version="1.0" encoding="utf-8"?>
-<p:sld xmlns:a="http://schemas.openxmlformats.org/drawingml/2006/main" xmlns:r="http://schemas.openxmlformats.org/officeDocument/2006/relationships" xmlns:mc="http://schemas.openxmlformats.org/markup-compatibility/2006" xmlns:mv="urn:schemas-microsoft-com:mac:vml" xmlns:p="http://schemas.openxmlformats.org/presentationml/2006/main" mc:Ignorable="mv" mc:PreserveAttributes="mv:*">
+<p:sld xmlns:a="http://schemas.openxmlformats.org/drawingml/2006/main" xmlns:r="http://schemas.openxmlformats.org/officeDocument/2006/relationships" xmlns:p="http://schemas.openxmlformats.org/presentationml/2006/main">
   <p:cSld>
     <p:spTree>
       <p:nvGrpSpPr>
@@ -3550,16 +3550,12 @@
           <a:p>
             <a:r>
               <a:rPr lang="en-US" dirty="0" smtClean="0"/>
-              <a:t>Last Updated: Sep.</a:t>
-            </a:r>
-            <a:r>
-              <a:rPr lang="en-US" dirty="0" smtClean="0"/>
-              <a:t> 22, </a:t>
-            </a:r>
-            <a:r>
-              <a:rPr lang="en-US" dirty="0" smtClean="0"/>
-              <a:t>2009</a:t>
-            </a:r>
+              <a:t>Last Updated: </a:t>
+            </a:r>
+            <a:fld id="{EF74E5B8-5EBF-4590-9750-B797EEFF6E32}" type="datetime1">
+              <a:rPr lang="en-US" smtClean="0"/>
+              <a:t>9/24/2009</a:t>
+            </a:fld>
             <a:endParaRPr lang="en-US" dirty="0"/>
           </a:p>
         </p:txBody>
@@ -3573,7 +3569,7 @@
 </file>
 
 <file path=ppt/slides/slide2.xml><?xml version="1.0" encoding="utf-8"?>
-<p:sld xmlns:a="http://schemas.openxmlformats.org/drawingml/2006/main" xmlns:r="http://schemas.openxmlformats.org/officeDocument/2006/relationships" xmlns:mc="http://schemas.openxmlformats.org/markup-compatibility/2006" xmlns:mv="urn:schemas-microsoft-com:mac:vml" xmlns:p="http://schemas.openxmlformats.org/presentationml/2006/main" mc:Ignorable="mv" mc:PreserveAttributes="mv:*">
+<p:sld xmlns:a="http://schemas.openxmlformats.org/drawingml/2006/main" xmlns:r="http://schemas.openxmlformats.org/officeDocument/2006/relationships" xmlns:p="http://schemas.openxmlformats.org/presentationml/2006/main">
   <p:cSld>
     <p:spTree>
       <p:nvGrpSpPr>
@@ -3644,7 +3640,7 @@
 </file>
 
 <file path=ppt/slides/slide3.xml><?xml version="1.0" encoding="utf-8"?>
-<p:sld xmlns:a="http://schemas.openxmlformats.org/drawingml/2006/main" xmlns:r="http://schemas.openxmlformats.org/officeDocument/2006/relationships" xmlns:mc="http://schemas.openxmlformats.org/markup-compatibility/2006" xmlns:mv="urn:schemas-microsoft-com:mac:vml" xmlns:p="http://schemas.openxmlformats.org/presentationml/2006/main" mc:Ignorable="mv" mc:PreserveAttributes="mv:*">
+<p:sld xmlns:a="http://schemas.openxmlformats.org/drawingml/2006/main" xmlns:r="http://schemas.openxmlformats.org/officeDocument/2006/relationships" xmlns:p="http://schemas.openxmlformats.org/presentationml/2006/main">
   <p:cSld>
     <p:spTree>
       <p:nvGrpSpPr>
@@ -3826,7 +3822,7 @@
 </file>
 
 <file path=ppt/slides/slide4.xml><?xml version="1.0" encoding="utf-8"?>
-<p:sld xmlns:a="http://schemas.openxmlformats.org/drawingml/2006/main" xmlns:r="http://schemas.openxmlformats.org/officeDocument/2006/relationships" xmlns:mc="http://schemas.openxmlformats.org/markup-compatibility/2006" xmlns:mv="urn:schemas-microsoft-com:mac:vml" xmlns:p="http://schemas.openxmlformats.org/presentationml/2006/main" mc:Ignorable="mv" mc:PreserveAttributes="mv:*">
+<p:sld xmlns:a="http://schemas.openxmlformats.org/drawingml/2006/main" xmlns:r="http://schemas.openxmlformats.org/officeDocument/2006/relationships" xmlns:p="http://schemas.openxmlformats.org/presentationml/2006/main">
   <p:cSld>
     <p:spTree>
       <p:nvGrpSpPr>
@@ -4066,7 +4062,7 @@
 </file>
 
 <file path=ppt/slides/slide5.xml><?xml version="1.0" encoding="utf-8"?>
-<p:sld xmlns:a="http://schemas.openxmlformats.org/drawingml/2006/main" xmlns:r="http://schemas.openxmlformats.org/officeDocument/2006/relationships" xmlns:mc="http://schemas.openxmlformats.org/markup-compatibility/2006" xmlns:mv="urn:schemas-microsoft-com:mac:vml" xmlns:p="http://schemas.openxmlformats.org/presentationml/2006/main" mc:Ignorable="mv" mc:PreserveAttributes="mv:*">
+<p:sld xmlns:a="http://schemas.openxmlformats.org/drawingml/2006/main" xmlns:r="http://schemas.openxmlformats.org/officeDocument/2006/relationships" xmlns:p="http://schemas.openxmlformats.org/presentationml/2006/main">
   <p:cSld>
     <p:spTree>
       <p:nvGrpSpPr>
@@ -4166,7 +4162,7 @@
 </file>
 
 <file path=ppt/slides/slide6.xml><?xml version="1.0" encoding="utf-8"?>
-<p:sld xmlns:a="http://schemas.openxmlformats.org/drawingml/2006/main" xmlns:r="http://schemas.openxmlformats.org/officeDocument/2006/relationships" xmlns:mc="http://schemas.openxmlformats.org/markup-compatibility/2006" xmlns:mv="urn:schemas-microsoft-com:mac:vml" xmlns:p="http://schemas.openxmlformats.org/presentationml/2006/main" mc:Ignorable="mv" mc:PreserveAttributes="mv:*">
+<p:sld xmlns:a="http://schemas.openxmlformats.org/drawingml/2006/main" xmlns:r="http://schemas.openxmlformats.org/officeDocument/2006/relationships" xmlns:p="http://schemas.openxmlformats.org/presentationml/2006/main">
   <p:cSld>
     <p:spTree>
       <p:nvGrpSpPr>
@@ -4237,7 +4233,7 @@
 </file>
 
 <file path=ppt/slides/slide7.xml><?xml version="1.0" encoding="utf-8"?>
-<p:sld xmlns:a="http://schemas.openxmlformats.org/drawingml/2006/main" xmlns:r="http://schemas.openxmlformats.org/officeDocument/2006/relationships" xmlns:mc="http://schemas.openxmlformats.org/markup-compatibility/2006" xmlns:mv="urn:schemas-microsoft-com:mac:vml" xmlns:p="http://schemas.openxmlformats.org/presentationml/2006/main" mc:Ignorable="mv" mc:PreserveAttributes="mv:*">
+<p:sld xmlns:a="http://schemas.openxmlformats.org/drawingml/2006/main" xmlns:r="http://schemas.openxmlformats.org/officeDocument/2006/relationships" xmlns:p="http://schemas.openxmlformats.org/presentationml/2006/main">
   <p:cSld>
     <p:spTree>
       <p:nvGrpSpPr>

--- a/papers/DRCPA/docs/PerfTest - Implementation.pptx
+++ b/papers/DRCPA/docs/PerfTest - Implementation.pptx
@@ -5,7 +5,7 @@
     <p:sldMasterId id="2147483648" r:id="rId1"/>
   </p:sldMasterIdLst>
   <p:notesMasterIdLst>
-    <p:notesMasterId r:id="rId9"/>
+    <p:notesMasterId r:id="rId10"/>
   </p:notesMasterIdLst>
   <p:sldIdLst>
     <p:sldId id="256" r:id="rId2"/>
@@ -13,8 +13,9 @@
     <p:sldId id="349" r:id="rId4"/>
     <p:sldId id="350" r:id="rId5"/>
     <p:sldId id="268" r:id="rId6"/>
-    <p:sldId id="351" r:id="rId7"/>
-    <p:sldId id="352" r:id="rId8"/>
+    <p:sldId id="353" r:id="rId7"/>
+    <p:sldId id="351" r:id="rId8"/>
+    <p:sldId id="352" r:id="rId9"/>
   </p:sldIdLst>
   <p:sldSz cx="9144000" cy="6858000" type="screen4x3"/>
   <p:notesSz cx="6858000" cy="9144000"/>
@@ -199,7 +200,7 @@
             <a:fld id="{23B74013-A8FD-4950-914A-947FD22947D7}" type="datetimeFigureOut">
               <a:rPr lang="en-US" smtClean="0"/>
               <a:pPr/>
-              <a:t>9/24/2009</a:t>
+              <a:t>10/2/2009</a:t>
             </a:fld>
             <a:endParaRPr lang="en-US"/>
           </a:p>
@@ -652,7 +653,7 @@
             <a:fld id="{C60591B3-B4ED-4C31-8AEF-63EEC6A32F51}" type="datetimeFigureOut">
               <a:rPr lang="en-US" smtClean="0"/>
               <a:pPr/>
-              <a:t>9/24/2009</a:t>
+              <a:t>10/2/2009</a:t>
             </a:fld>
             <a:endParaRPr lang="en-US"/>
           </a:p>
@@ -819,7 +820,7 @@
             <a:fld id="{C60591B3-B4ED-4C31-8AEF-63EEC6A32F51}" type="datetimeFigureOut">
               <a:rPr lang="en-US" smtClean="0"/>
               <a:pPr/>
-              <a:t>9/24/2009</a:t>
+              <a:t>10/2/2009</a:t>
             </a:fld>
             <a:endParaRPr lang="en-US"/>
           </a:p>
@@ -996,7 +997,7 @@
             <a:fld id="{C60591B3-B4ED-4C31-8AEF-63EEC6A32F51}" type="datetimeFigureOut">
               <a:rPr lang="en-US" smtClean="0"/>
               <a:pPr/>
-              <a:t>9/24/2009</a:t>
+              <a:t>10/2/2009</a:t>
             </a:fld>
             <a:endParaRPr lang="en-US"/>
           </a:p>
@@ -1163,7 +1164,7 @@
             <a:fld id="{C60591B3-B4ED-4C31-8AEF-63EEC6A32F51}" type="datetimeFigureOut">
               <a:rPr lang="en-US" smtClean="0"/>
               <a:pPr/>
-              <a:t>9/24/2009</a:t>
+              <a:t>10/2/2009</a:t>
             </a:fld>
             <a:endParaRPr lang="en-US"/>
           </a:p>
@@ -1411,7 +1412,7 @@
             <a:fld id="{C60591B3-B4ED-4C31-8AEF-63EEC6A32F51}" type="datetimeFigureOut">
               <a:rPr lang="en-US" smtClean="0"/>
               <a:pPr/>
-              <a:t>9/24/2009</a:t>
+              <a:t>10/2/2009</a:t>
             </a:fld>
             <a:endParaRPr lang="en-US"/>
           </a:p>
@@ -1696,7 +1697,7 @@
             <a:fld id="{C60591B3-B4ED-4C31-8AEF-63EEC6A32F51}" type="datetimeFigureOut">
               <a:rPr lang="en-US" smtClean="0"/>
               <a:pPr/>
-              <a:t>9/24/2009</a:t>
+              <a:t>10/2/2009</a:t>
             </a:fld>
             <a:endParaRPr lang="en-US"/>
           </a:p>
@@ -2115,7 +2116,7 @@
             <a:fld id="{C60591B3-B4ED-4C31-8AEF-63EEC6A32F51}" type="datetimeFigureOut">
               <a:rPr lang="en-US" smtClean="0"/>
               <a:pPr/>
-              <a:t>9/24/2009</a:t>
+              <a:t>10/2/2009</a:t>
             </a:fld>
             <a:endParaRPr lang="en-US"/>
           </a:p>
@@ -2230,7 +2231,7 @@
             <a:fld id="{C60591B3-B4ED-4C31-8AEF-63EEC6A32F51}" type="datetimeFigureOut">
               <a:rPr lang="en-US" smtClean="0"/>
               <a:pPr/>
-              <a:t>9/24/2009</a:t>
+              <a:t>10/2/2009</a:t>
             </a:fld>
             <a:endParaRPr lang="en-US"/>
           </a:p>
@@ -2322,7 +2323,7 @@
             <a:fld id="{C60591B3-B4ED-4C31-8AEF-63EEC6A32F51}" type="datetimeFigureOut">
               <a:rPr lang="en-US" smtClean="0"/>
               <a:pPr/>
-              <a:t>9/24/2009</a:t>
+              <a:t>10/2/2009</a:t>
             </a:fld>
             <a:endParaRPr lang="en-US"/>
           </a:p>
@@ -2596,7 +2597,7 @@
             <a:fld id="{C60591B3-B4ED-4C31-8AEF-63EEC6A32F51}" type="datetimeFigureOut">
               <a:rPr lang="en-US" smtClean="0"/>
               <a:pPr/>
-              <a:t>9/24/2009</a:t>
+              <a:t>10/2/2009</a:t>
             </a:fld>
             <a:endParaRPr lang="en-US"/>
           </a:p>
@@ -2846,7 +2847,7 @@
             <a:fld id="{C60591B3-B4ED-4C31-8AEF-63EEC6A32F51}" type="datetimeFigureOut">
               <a:rPr lang="en-US" smtClean="0"/>
               <a:pPr/>
-              <a:t>9/24/2009</a:t>
+              <a:t>10/2/2009</a:t>
             </a:fld>
             <a:endParaRPr lang="en-US"/>
           </a:p>
@@ -3056,7 +3057,7 @@
             <a:fld id="{C60591B3-B4ED-4C31-8AEF-63EEC6A32F51}" type="datetimeFigureOut">
               <a:rPr lang="en-US" smtClean="0"/>
               <a:pPr/>
-              <a:t>9/24/2009</a:t>
+              <a:t>10/2/2009</a:t>
             </a:fld>
             <a:endParaRPr lang="en-US"/>
           </a:p>
@@ -3554,7 +3555,8 @@
             </a:r>
             <a:fld id="{EF74E5B8-5EBF-4590-9750-B797EEFF6E32}" type="datetime1">
               <a:rPr lang="en-US" smtClean="0"/>
-              <a:t>9/24/2009</a:t>
+              <a:pPr/>
+              <a:t>10/2/2009</a:t>
             </a:fld>
             <a:endParaRPr lang="en-US" dirty="0"/>
           </a:p>
@@ -4180,7 +4182,7 @@
       </p:grpSpPr>
       <p:sp>
         <p:nvSpPr>
-          <p:cNvPr id="4" name="Title 3"/>
+          <p:cNvPr id="2" name="Title 1"/>
           <p:cNvSpPr>
             <a:spLocks noGrp="1"/>
           </p:cNvSpPr>
@@ -4193,37 +4195,61 @@
           <a:bodyPr/>
           <a:lstStyle/>
           <a:p>
-            <a:r>
-              <a:rPr lang="en-US" smtClean="0"/>
-              <a:t>Comparing </a:t>
-            </a:r>
-            <a:r>
-              <a:rPr lang="en-US" dirty="0" smtClean="0"/>
-              <a:t>Trace data from RPT and TPTP</a:t>
-            </a:r>
-            <a:endParaRPr lang="en-US" dirty="0"/>
-          </a:p>
-        </p:txBody>
-      </p:sp>
-      <p:sp>
-        <p:nvSpPr>
-          <p:cNvPr id="5" name="Text Placeholder 4"/>
-          <p:cNvSpPr>
-            <a:spLocks noGrp="1"/>
-          </p:cNvSpPr>
-          <p:nvPr>
-            <p:ph type="body" idx="1"/>
-          </p:nvPr>
-        </p:nvSpPr>
-        <p:spPr/>
-        <p:txBody>
-          <a:bodyPr/>
-          <a:lstStyle/>
-          <a:p>
-            <a:endParaRPr lang="en-US"/>
-          </a:p>
-        </p:txBody>
-      </p:sp>
+            <a:endParaRPr lang="en-US"/>
+          </a:p>
+        </p:txBody>
+      </p:sp>
+      <p:sp>
+        <p:nvSpPr>
+          <p:cNvPr id="3" name="Content Placeholder 2"/>
+          <p:cNvSpPr>
+            <a:spLocks noGrp="1"/>
+          </p:cNvSpPr>
+          <p:nvPr>
+            <p:ph idx="1"/>
+          </p:nvPr>
+        </p:nvSpPr>
+        <p:spPr/>
+        <p:txBody>
+          <a:bodyPr/>
+          <a:lstStyle/>
+          <a:p>
+            <a:endParaRPr lang="en-US"/>
+          </a:p>
+        </p:txBody>
+      </p:sp>
+      <p:pic>
+        <p:nvPicPr>
+          <p:cNvPr id="1026" name="Picture 2"/>
+          <p:cNvPicPr>
+            <a:picLocks noChangeAspect="1" noChangeArrowheads="1"/>
+          </p:cNvPicPr>
+          <p:nvPr/>
+        </p:nvPicPr>
+        <p:blipFill>
+          <a:blip r:embed="rId2" cstate="print"/>
+          <a:srcRect/>
+          <a:stretch>
+            <a:fillRect/>
+          </a:stretch>
+        </p:blipFill>
+        <p:spPr bwMode="auto">
+          <a:xfrm>
+            <a:off x="2552700" y="204788"/>
+            <a:ext cx="4038600" cy="6448425"/>
+          </a:xfrm>
+          <a:prstGeom prst="rect">
+            <a:avLst/>
+          </a:prstGeom>
+          <a:noFill/>
+          <a:ln w="9525">
+            <a:noFill/>
+            <a:miter lim="800000"/>
+            <a:headEnd/>
+            <a:tailEnd/>
+          </a:ln>
+        </p:spPr>
+      </p:pic>
     </p:spTree>
   </p:cSld>
   <p:clrMapOvr>
@@ -4233,6 +4259,77 @@
 </file>
 
 <file path=ppt/slides/slide7.xml><?xml version="1.0" encoding="utf-8"?>
+<p:sld xmlns:a="http://schemas.openxmlformats.org/drawingml/2006/main" xmlns:r="http://schemas.openxmlformats.org/officeDocument/2006/relationships" xmlns:p="http://schemas.openxmlformats.org/presentationml/2006/main">
+  <p:cSld>
+    <p:spTree>
+      <p:nvGrpSpPr>
+        <p:cNvPr id="1" name=""/>
+        <p:cNvGrpSpPr/>
+        <p:nvPr/>
+      </p:nvGrpSpPr>
+      <p:grpSpPr>
+        <a:xfrm>
+          <a:off x="0" y="0"/>
+          <a:ext cx="0" cy="0"/>
+          <a:chOff x="0" y="0"/>
+          <a:chExt cx="0" cy="0"/>
+        </a:xfrm>
+      </p:grpSpPr>
+      <p:sp>
+        <p:nvSpPr>
+          <p:cNvPr id="4" name="Title 3"/>
+          <p:cNvSpPr>
+            <a:spLocks noGrp="1"/>
+          </p:cNvSpPr>
+          <p:nvPr>
+            <p:ph type="title"/>
+          </p:nvPr>
+        </p:nvSpPr>
+        <p:spPr/>
+        <p:txBody>
+          <a:bodyPr/>
+          <a:lstStyle/>
+          <a:p>
+            <a:r>
+              <a:rPr lang="en-US" smtClean="0"/>
+              <a:t>Comparing </a:t>
+            </a:r>
+            <a:r>
+              <a:rPr lang="en-US" dirty="0" smtClean="0"/>
+              <a:t>Trace data from RPT and TPTP</a:t>
+            </a:r>
+            <a:endParaRPr lang="en-US" dirty="0"/>
+          </a:p>
+        </p:txBody>
+      </p:sp>
+      <p:sp>
+        <p:nvSpPr>
+          <p:cNvPr id="5" name="Text Placeholder 4"/>
+          <p:cNvSpPr>
+            <a:spLocks noGrp="1"/>
+          </p:cNvSpPr>
+          <p:nvPr>
+            <p:ph type="body" idx="1"/>
+          </p:nvPr>
+        </p:nvSpPr>
+        <p:spPr/>
+        <p:txBody>
+          <a:bodyPr/>
+          <a:lstStyle/>
+          <a:p>
+            <a:endParaRPr lang="en-US" dirty="0"/>
+          </a:p>
+        </p:txBody>
+      </p:sp>
+    </p:spTree>
+  </p:cSld>
+  <p:clrMapOvr>
+    <a:masterClrMapping/>
+  </p:clrMapOvr>
+</p:sld>
+</file>
+
+<file path=ppt/slides/slide8.xml><?xml version="1.0" encoding="utf-8"?>
 <p:sld xmlns:a="http://schemas.openxmlformats.org/drawingml/2006/main" xmlns:r="http://schemas.openxmlformats.org/officeDocument/2006/relationships" xmlns:p="http://schemas.openxmlformats.org/presentationml/2006/main">
   <p:cSld>
     <p:spTree>

--- a/papers/DRCPA/docs/PerfTest - Implementation.pptx
+++ b/papers/DRCPA/docs/PerfTest - Implementation.pptx
@@ -5,17 +5,30 @@
     <p:sldMasterId id="2147483648" r:id="rId1"/>
   </p:sldMasterIdLst>
   <p:notesMasterIdLst>
-    <p:notesMasterId r:id="rId10"/>
+    <p:notesMasterId r:id="rId23"/>
   </p:notesMasterIdLst>
   <p:sldIdLst>
     <p:sldId id="256" r:id="rId2"/>
     <p:sldId id="348" r:id="rId3"/>
-    <p:sldId id="349" r:id="rId4"/>
-    <p:sldId id="350" r:id="rId5"/>
-    <p:sldId id="268" r:id="rId6"/>
-    <p:sldId id="353" r:id="rId7"/>
-    <p:sldId id="351" r:id="rId8"/>
-    <p:sldId id="352" r:id="rId9"/>
+    <p:sldId id="362" r:id="rId4"/>
+    <p:sldId id="349" r:id="rId5"/>
+    <p:sldId id="358" r:id="rId6"/>
+    <p:sldId id="357" r:id="rId7"/>
+    <p:sldId id="356" r:id="rId8"/>
+    <p:sldId id="360" r:id="rId9"/>
+    <p:sldId id="355" r:id="rId10"/>
+    <p:sldId id="354" r:id="rId11"/>
+    <p:sldId id="350" r:id="rId12"/>
+    <p:sldId id="365" r:id="rId13"/>
+    <p:sldId id="366" r:id="rId14"/>
+    <p:sldId id="363" r:id="rId15"/>
+    <p:sldId id="364" r:id="rId16"/>
+    <p:sldId id="367" r:id="rId17"/>
+    <p:sldId id="359" r:id="rId18"/>
+    <p:sldId id="268" r:id="rId19"/>
+    <p:sldId id="361" r:id="rId20"/>
+    <p:sldId id="351" r:id="rId21"/>
+    <p:sldId id="352" r:id="rId22"/>
   </p:sldIdLst>
   <p:sldSz cx="9144000" cy="6858000" type="screen4x3"/>
   <p:notesSz cx="6858000" cy="9144000"/>
@@ -200,7 +213,7 @@
             <a:fld id="{23B74013-A8FD-4950-914A-947FD22947D7}" type="datetimeFigureOut">
               <a:rPr lang="en-US" smtClean="0"/>
               <a:pPr/>
-              <a:t>10/2/2009</a:t>
+              <a:t>10/7/2009</a:t>
             </a:fld>
             <a:endParaRPr lang="en-US"/>
           </a:p>
@@ -653,7 +666,7 @@
             <a:fld id="{C60591B3-B4ED-4C31-8AEF-63EEC6A32F51}" type="datetimeFigureOut">
               <a:rPr lang="en-US" smtClean="0"/>
               <a:pPr/>
-              <a:t>10/2/2009</a:t>
+              <a:t>10/7/2009</a:t>
             </a:fld>
             <a:endParaRPr lang="en-US"/>
           </a:p>
@@ -820,7 +833,7 @@
             <a:fld id="{C60591B3-B4ED-4C31-8AEF-63EEC6A32F51}" type="datetimeFigureOut">
               <a:rPr lang="en-US" smtClean="0"/>
               <a:pPr/>
-              <a:t>10/2/2009</a:t>
+              <a:t>10/7/2009</a:t>
             </a:fld>
             <a:endParaRPr lang="en-US"/>
           </a:p>
@@ -997,7 +1010,7 @@
             <a:fld id="{C60591B3-B4ED-4C31-8AEF-63EEC6A32F51}" type="datetimeFigureOut">
               <a:rPr lang="en-US" smtClean="0"/>
               <a:pPr/>
-              <a:t>10/2/2009</a:t>
+              <a:t>10/7/2009</a:t>
             </a:fld>
             <a:endParaRPr lang="en-US"/>
           </a:p>
@@ -1164,7 +1177,7 @@
             <a:fld id="{C60591B3-B4ED-4C31-8AEF-63EEC6A32F51}" type="datetimeFigureOut">
               <a:rPr lang="en-US" smtClean="0"/>
               <a:pPr/>
-              <a:t>10/2/2009</a:t>
+              <a:t>10/7/2009</a:t>
             </a:fld>
             <a:endParaRPr lang="en-US"/>
           </a:p>
@@ -1412,7 +1425,7 @@
             <a:fld id="{C60591B3-B4ED-4C31-8AEF-63EEC6A32F51}" type="datetimeFigureOut">
               <a:rPr lang="en-US" smtClean="0"/>
               <a:pPr/>
-              <a:t>10/2/2009</a:t>
+              <a:t>10/7/2009</a:t>
             </a:fld>
             <a:endParaRPr lang="en-US"/>
           </a:p>
@@ -1697,7 +1710,7 @@
             <a:fld id="{C60591B3-B4ED-4C31-8AEF-63EEC6A32F51}" type="datetimeFigureOut">
               <a:rPr lang="en-US" smtClean="0"/>
               <a:pPr/>
-              <a:t>10/2/2009</a:t>
+              <a:t>10/7/2009</a:t>
             </a:fld>
             <a:endParaRPr lang="en-US"/>
           </a:p>
@@ -2116,7 +2129,7 @@
             <a:fld id="{C60591B3-B4ED-4C31-8AEF-63EEC6A32F51}" type="datetimeFigureOut">
               <a:rPr lang="en-US" smtClean="0"/>
               <a:pPr/>
-              <a:t>10/2/2009</a:t>
+              <a:t>10/7/2009</a:t>
             </a:fld>
             <a:endParaRPr lang="en-US"/>
           </a:p>
@@ -2231,7 +2244,7 @@
             <a:fld id="{C60591B3-B4ED-4C31-8AEF-63EEC6A32F51}" type="datetimeFigureOut">
               <a:rPr lang="en-US" smtClean="0"/>
               <a:pPr/>
-              <a:t>10/2/2009</a:t>
+              <a:t>10/7/2009</a:t>
             </a:fld>
             <a:endParaRPr lang="en-US"/>
           </a:p>
@@ -2323,7 +2336,7 @@
             <a:fld id="{C60591B3-B4ED-4C31-8AEF-63EEC6A32F51}" type="datetimeFigureOut">
               <a:rPr lang="en-US" smtClean="0"/>
               <a:pPr/>
-              <a:t>10/2/2009</a:t>
+              <a:t>10/7/2009</a:t>
             </a:fld>
             <a:endParaRPr lang="en-US"/>
           </a:p>
@@ -2597,7 +2610,7 @@
             <a:fld id="{C60591B3-B4ED-4C31-8AEF-63EEC6A32F51}" type="datetimeFigureOut">
               <a:rPr lang="en-US" smtClean="0"/>
               <a:pPr/>
-              <a:t>10/2/2009</a:t>
+              <a:t>10/7/2009</a:t>
             </a:fld>
             <a:endParaRPr lang="en-US"/>
           </a:p>
@@ -2847,7 +2860,7 @@
             <a:fld id="{C60591B3-B4ED-4C31-8AEF-63EEC6A32F51}" type="datetimeFigureOut">
               <a:rPr lang="en-US" smtClean="0"/>
               <a:pPr/>
-              <a:t>10/2/2009</a:t>
+              <a:t>10/7/2009</a:t>
             </a:fld>
             <a:endParaRPr lang="en-US"/>
           </a:p>
@@ -3057,7 +3070,7 @@
             <a:fld id="{C60591B3-B4ED-4C31-8AEF-63EEC6A32F51}" type="datetimeFigureOut">
               <a:rPr lang="en-US" smtClean="0"/>
               <a:pPr/>
-              <a:t>10/2/2009</a:t>
+              <a:t>10/7/2009</a:t>
             </a:fld>
             <a:endParaRPr lang="en-US"/>
           </a:p>
@@ -3556,9 +3569,1647 @@
             <a:fld id="{EF74E5B8-5EBF-4590-9750-B797EEFF6E32}" type="datetime1">
               <a:rPr lang="en-US" smtClean="0"/>
               <a:pPr/>
-              <a:t>10/2/2009</a:t>
+              <a:t>10/7/2009</a:t>
             </a:fld>
             <a:endParaRPr lang="en-US" dirty="0"/>
+          </a:p>
+        </p:txBody>
+      </p:sp>
+    </p:spTree>
+  </p:cSld>
+  <p:clrMapOvr>
+    <a:masterClrMapping/>
+  </p:clrMapOvr>
+</p:sld>
+</file>
+
+<file path=ppt/slides/slide10.xml><?xml version="1.0" encoding="utf-8"?>
+<p:sld xmlns:a="http://schemas.openxmlformats.org/drawingml/2006/main" xmlns:r="http://schemas.openxmlformats.org/officeDocument/2006/relationships" xmlns:p="http://schemas.openxmlformats.org/presentationml/2006/main">
+  <p:cSld>
+    <p:spTree>
+      <p:nvGrpSpPr>
+        <p:cNvPr id="1" name=""/>
+        <p:cNvGrpSpPr/>
+        <p:nvPr/>
+      </p:nvGrpSpPr>
+      <p:grpSpPr>
+        <a:xfrm>
+          <a:off x="0" y="0"/>
+          <a:ext cx="0" cy="0"/>
+          <a:chOff x="0" y="0"/>
+          <a:chExt cx="0" cy="0"/>
+        </a:xfrm>
+      </p:grpSpPr>
+      <p:sp>
+        <p:nvSpPr>
+          <p:cNvPr id="2" name="Title 1"/>
+          <p:cNvSpPr>
+            <a:spLocks noGrp="1"/>
+          </p:cNvSpPr>
+          <p:nvPr>
+            <p:ph type="title"/>
+          </p:nvPr>
+        </p:nvSpPr>
+        <p:spPr/>
+        <p:txBody>
+          <a:bodyPr/>
+          <a:lstStyle/>
+          <a:p>
+            <a:r>
+              <a:rPr lang="en-US" dirty="0" smtClean="0"/>
+              <a:t>Loading Trace.dtd</a:t>
+            </a:r>
+            <a:endParaRPr lang="en-US" dirty="0"/>
+          </a:p>
+        </p:txBody>
+      </p:sp>
+      <p:sp>
+        <p:nvSpPr>
+          <p:cNvPr id="3" name="Content Placeholder 2"/>
+          <p:cNvSpPr>
+            <a:spLocks noGrp="1"/>
+          </p:cNvSpPr>
+          <p:nvPr>
+            <p:ph idx="1"/>
+          </p:nvPr>
+        </p:nvSpPr>
+        <p:spPr/>
+        <p:txBody>
+          <a:bodyPr/>
+          <a:lstStyle/>
+          <a:p>
+            <a:r>
+              <a:rPr lang="en-US" dirty="0" smtClean="0"/>
+              <a:t>XML Tag “</a:t>
+            </a:r>
+            <a:r>
+              <a:rPr lang="en-US" dirty="0" err="1" smtClean="0"/>
+              <a:t>traceStart</a:t>
+            </a:r>
+            <a:r>
+              <a:rPr lang="en-US" dirty="0" smtClean="0"/>
+              <a:t>”</a:t>
+            </a:r>
+          </a:p>
+          <a:p>
+            <a:pPr lvl="1"/>
+            <a:r>
+              <a:rPr lang="en-US" dirty="0" err="1" smtClean="0"/>
+              <a:t>Plugin</a:t>
+            </a:r>
+            <a:r>
+              <a:rPr lang="en-US" dirty="0" smtClean="0"/>
+              <a:t>: </a:t>
+            </a:r>
+            <a:r>
+              <a:rPr lang="en-US" dirty="0" err="1" smtClean="0"/>
+              <a:t>org.eclipse.hyades.models.trace</a:t>
+            </a:r>
+            <a:endParaRPr lang="en-US" dirty="0" smtClean="0"/>
+          </a:p>
+          <a:p>
+            <a:pPr lvl="2"/>
+            <a:r>
+              <a:rPr lang="en-US" dirty="0" smtClean="0"/>
+              <a:t>Class name: </a:t>
+            </a:r>
+            <a:r>
+              <a:rPr lang="en-US" dirty="0" err="1" smtClean="0"/>
+              <a:t>org.eclipse.hyades.loaders.trace</a:t>
+            </a:r>
+            <a:r>
+              <a:rPr lang="en-US" dirty="0" smtClean="0"/>
+              <a:t>. </a:t>
+            </a:r>
+            <a:r>
+              <a:rPr lang="en-US" dirty="0" err="1" smtClean="0"/>
+              <a:t>TraceXMLLoadersFactory</a:t>
+            </a:r>
+            <a:endParaRPr lang="en-US" dirty="0"/>
+          </a:p>
+        </p:txBody>
+      </p:sp>
+    </p:spTree>
+  </p:cSld>
+  <p:clrMapOvr>
+    <a:masterClrMapping/>
+  </p:clrMapOvr>
+  <p:timing>
+    <p:tnLst>
+      <p:par>
+        <p:cTn id="1" dur="indefinite" restart="never" nodeType="tmRoot"/>
+      </p:par>
+    </p:tnLst>
+  </p:timing>
+</p:sld>
+</file>
+
+<file path=ppt/slides/slide11.xml><?xml version="1.0" encoding="utf-8"?>
+<p:sld xmlns:a="http://schemas.openxmlformats.org/drawingml/2006/main" xmlns:r="http://schemas.openxmlformats.org/officeDocument/2006/relationships" xmlns:p="http://schemas.openxmlformats.org/presentationml/2006/main">
+  <p:cSld>
+    <p:spTree>
+      <p:nvGrpSpPr>
+        <p:cNvPr id="1" name=""/>
+        <p:cNvGrpSpPr/>
+        <p:nvPr/>
+      </p:nvGrpSpPr>
+      <p:grpSpPr>
+        <a:xfrm>
+          <a:off x="0" y="0"/>
+          <a:ext cx="0" cy="0"/>
+          <a:chOff x="0" y="0"/>
+          <a:chExt cx="0" cy="0"/>
+        </a:xfrm>
+      </p:grpSpPr>
+      <p:sp>
+        <p:nvSpPr>
+          <p:cNvPr id="2" name="Title 1"/>
+          <p:cNvSpPr>
+            <a:spLocks noGrp="1"/>
+          </p:cNvSpPr>
+          <p:nvPr>
+            <p:ph type="title"/>
+          </p:nvPr>
+        </p:nvSpPr>
+        <p:spPr/>
+        <p:txBody>
+          <a:bodyPr/>
+          <a:lstStyle/>
+          <a:p>
+            <a:r>
+              <a:rPr lang="en-US" dirty="0" smtClean="0"/>
+              <a:t>Loading Trace.dtd (Cont’d)</a:t>
+            </a:r>
+            <a:endParaRPr lang="en-US" dirty="0"/>
+          </a:p>
+        </p:txBody>
+      </p:sp>
+      <p:sp>
+        <p:nvSpPr>
+          <p:cNvPr id="3" name="Content Placeholder 2"/>
+          <p:cNvSpPr>
+            <a:spLocks noGrp="1"/>
+          </p:cNvSpPr>
+          <p:nvPr>
+            <p:ph idx="1"/>
+          </p:nvPr>
+        </p:nvSpPr>
+        <p:spPr/>
+        <p:txBody>
+          <a:bodyPr>
+            <a:normAutofit fontScale="70000" lnSpcReduction="20000"/>
+          </a:bodyPr>
+          <a:lstStyle/>
+          <a:p>
+            <a:r>
+              <a:rPr lang="en-US" dirty="0" err="1" smtClean="0"/>
+              <a:t>org.eclipse.hyades.models.hierarchy</a:t>
+            </a:r>
+            <a:endParaRPr lang="en-US" dirty="0" smtClean="0"/>
+          </a:p>
+          <a:p>
+            <a:pPr lvl="1"/>
+            <a:r>
+              <a:rPr lang="en-US" dirty="0" err="1" smtClean="0"/>
+              <a:t>org.eclipse.hyades.loaders.util.XMLLoader</a:t>
+            </a:r>
+            <a:endParaRPr lang="en-US" dirty="0" smtClean="0"/>
+          </a:p>
+          <a:p>
+            <a:pPr lvl="1"/>
+            <a:r>
+              <a:rPr lang="en-US" dirty="0" err="1" smtClean="0"/>
+              <a:t>org.xml.sax.SAXParseException</a:t>
+            </a:r>
+            <a:endParaRPr lang="en-US" dirty="0" smtClean="0"/>
+          </a:p>
+          <a:p>
+            <a:pPr lvl="1"/>
+            <a:r>
+              <a:rPr lang="en-US" b="1" dirty="0" smtClean="0"/>
+              <a:t>import </a:t>
+            </a:r>
+            <a:r>
+              <a:rPr lang="en-US" b="1" dirty="0" err="1" smtClean="0"/>
+              <a:t>javax.xml.parsers.ParserConfigurationException</a:t>
+            </a:r>
+            <a:r>
+              <a:rPr lang="en-US" b="1" dirty="0" smtClean="0"/>
+              <a:t>;</a:t>
+            </a:r>
+          </a:p>
+          <a:p>
+            <a:pPr lvl="1"/>
+            <a:r>
+              <a:rPr lang="en-US" b="1" dirty="0" smtClean="0"/>
+              <a:t>import </a:t>
+            </a:r>
+            <a:r>
+              <a:rPr lang="en-US" b="1" dirty="0" err="1" smtClean="0"/>
+              <a:t>javax.xml.parsers.SAXParser</a:t>
+            </a:r>
+            <a:r>
+              <a:rPr lang="en-US" b="1" dirty="0" smtClean="0"/>
+              <a:t>;</a:t>
+            </a:r>
+          </a:p>
+          <a:p>
+            <a:pPr lvl="1"/>
+            <a:r>
+              <a:rPr lang="en-US" b="1" dirty="0" smtClean="0"/>
+              <a:t>import </a:t>
+            </a:r>
+            <a:r>
+              <a:rPr lang="en-US" b="1" dirty="0" err="1" smtClean="0"/>
+              <a:t>javax.xml.parsers.SAXParserFactory</a:t>
+            </a:r>
+            <a:r>
+              <a:rPr lang="en-US" b="1" dirty="0" smtClean="0"/>
+              <a:t>;</a:t>
+            </a:r>
+          </a:p>
+          <a:p>
+            <a:pPr lvl="1"/>
+            <a:r>
+              <a:rPr lang="en-US" b="1" dirty="0" smtClean="0"/>
+              <a:t>import </a:t>
+            </a:r>
+            <a:r>
+              <a:rPr lang="en-US" b="1" dirty="0" err="1" smtClean="0"/>
+              <a:t>org.eclipse.hyades.models.hierarchy.util.ModelDebugger</a:t>
+            </a:r>
+            <a:r>
+              <a:rPr lang="en-US" b="1" dirty="0" smtClean="0"/>
+              <a:t>;</a:t>
+            </a:r>
+          </a:p>
+          <a:p>
+            <a:pPr lvl="1"/>
+            <a:r>
+              <a:rPr lang="en-US" b="1" dirty="0" smtClean="0"/>
+              <a:t>import </a:t>
+            </a:r>
+            <a:r>
+              <a:rPr lang="en-US" b="1" dirty="0" err="1" smtClean="0"/>
+              <a:t>org.xml.sax.Attributes</a:t>
+            </a:r>
+            <a:r>
+              <a:rPr lang="en-US" b="1" dirty="0" smtClean="0"/>
+              <a:t>;</a:t>
+            </a:r>
+          </a:p>
+          <a:p>
+            <a:pPr lvl="1"/>
+            <a:r>
+              <a:rPr lang="en-US" b="1" dirty="0" smtClean="0"/>
+              <a:t>import </a:t>
+            </a:r>
+            <a:r>
+              <a:rPr lang="en-US" b="1" dirty="0" err="1" smtClean="0"/>
+              <a:t>org.xml.sax.InputSource</a:t>
+            </a:r>
+            <a:r>
+              <a:rPr lang="en-US" b="1" dirty="0" smtClean="0"/>
+              <a:t>;</a:t>
+            </a:r>
+          </a:p>
+          <a:p>
+            <a:pPr lvl="1"/>
+            <a:r>
+              <a:rPr lang="en-US" b="1" dirty="0" smtClean="0"/>
+              <a:t>import </a:t>
+            </a:r>
+            <a:r>
+              <a:rPr lang="en-US" b="1" dirty="0" err="1" smtClean="0"/>
+              <a:t>org.xml.sax.Locator</a:t>
+            </a:r>
+            <a:r>
+              <a:rPr lang="en-US" b="1" dirty="0" smtClean="0"/>
+              <a:t>;</a:t>
+            </a:r>
+          </a:p>
+          <a:p>
+            <a:pPr lvl="1"/>
+            <a:r>
+              <a:rPr lang="en-US" b="1" dirty="0" smtClean="0"/>
+              <a:t>import </a:t>
+            </a:r>
+            <a:r>
+              <a:rPr lang="en-US" b="1" dirty="0" err="1" smtClean="0"/>
+              <a:t>org.xml.sax.SAXException</a:t>
+            </a:r>
+            <a:r>
+              <a:rPr lang="en-US" b="1" dirty="0" smtClean="0"/>
+              <a:t>;</a:t>
+            </a:r>
+          </a:p>
+          <a:p>
+            <a:pPr lvl="1"/>
+            <a:r>
+              <a:rPr lang="en-US" b="1" dirty="0" smtClean="0"/>
+              <a:t>import </a:t>
+            </a:r>
+            <a:r>
+              <a:rPr lang="en-US" b="1" dirty="0" err="1" smtClean="0"/>
+              <a:t>org.xml.sax.SAXParseException</a:t>
+            </a:r>
+            <a:r>
+              <a:rPr lang="en-US" b="1" dirty="0" smtClean="0"/>
+              <a:t>;</a:t>
+            </a:r>
+          </a:p>
+          <a:p>
+            <a:pPr lvl="1"/>
+            <a:r>
+              <a:rPr lang="en-US" b="1" dirty="0" smtClean="0"/>
+              <a:t>import </a:t>
+            </a:r>
+            <a:r>
+              <a:rPr lang="en-US" b="1" dirty="0" err="1" smtClean="0"/>
+              <a:t>org.xml.sax.helpers.DefaultHandler</a:t>
+            </a:r>
+            <a:r>
+              <a:rPr lang="en-US" b="1" dirty="0" smtClean="0"/>
+              <a:t>;</a:t>
+            </a:r>
+            <a:endParaRPr lang="en-US" dirty="0" smtClean="0"/>
+          </a:p>
+          <a:p>
+            <a:pPr lvl="1"/>
+            <a:endParaRPr lang="en-US" dirty="0"/>
+          </a:p>
+        </p:txBody>
+      </p:sp>
+    </p:spTree>
+  </p:cSld>
+  <p:clrMapOvr>
+    <a:masterClrMapping/>
+  </p:clrMapOvr>
+</p:sld>
+</file>
+
+<file path=ppt/slides/slide12.xml><?xml version="1.0" encoding="utf-8"?>
+<p:sld xmlns:a="http://schemas.openxmlformats.org/drawingml/2006/main" xmlns:r="http://schemas.openxmlformats.org/officeDocument/2006/relationships" xmlns:p="http://schemas.openxmlformats.org/presentationml/2006/main">
+  <p:cSld>
+    <p:spTree>
+      <p:nvGrpSpPr>
+        <p:cNvPr id="1" name=""/>
+        <p:cNvGrpSpPr/>
+        <p:nvPr/>
+      </p:nvGrpSpPr>
+      <p:grpSpPr>
+        <a:xfrm>
+          <a:off x="0" y="0"/>
+          <a:ext cx="0" cy="0"/>
+          <a:chOff x="0" y="0"/>
+          <a:chExt cx="0" cy="0"/>
+        </a:xfrm>
+      </p:grpSpPr>
+      <p:sp>
+        <p:nvSpPr>
+          <p:cNvPr id="2" name="Title 1"/>
+          <p:cNvSpPr>
+            <a:spLocks noGrp="1"/>
+          </p:cNvSpPr>
+          <p:nvPr>
+            <p:ph type="title"/>
+          </p:nvPr>
+        </p:nvSpPr>
+        <p:spPr/>
+        <p:txBody>
+          <a:bodyPr/>
+          <a:lstStyle/>
+          <a:p>
+            <a:r>
+              <a:rPr lang="en-US" dirty="0" smtClean="0"/>
+              <a:t>Importing Trace Files (from NUO)</a:t>
+            </a:r>
+            <a:endParaRPr lang="en-US" dirty="0"/>
+          </a:p>
+        </p:txBody>
+      </p:sp>
+      <p:sp>
+        <p:nvSpPr>
+          <p:cNvPr id="3" name="Content Placeholder 2"/>
+          <p:cNvSpPr>
+            <a:spLocks noGrp="1"/>
+          </p:cNvSpPr>
+          <p:nvPr>
+            <p:ph idx="1"/>
+          </p:nvPr>
+        </p:nvSpPr>
+        <p:spPr/>
+        <p:txBody>
+          <a:bodyPr/>
+          <a:lstStyle/>
+          <a:p>
+            <a:endParaRPr lang="en-US"/>
+          </a:p>
+        </p:txBody>
+      </p:sp>
+      <p:pic>
+        <p:nvPicPr>
+          <p:cNvPr id="3074" name="Picture 2"/>
+          <p:cNvPicPr>
+            <a:picLocks noChangeAspect="1" noChangeArrowheads="1"/>
+          </p:cNvPicPr>
+          <p:nvPr/>
+        </p:nvPicPr>
+        <p:blipFill>
+          <a:blip r:embed="rId2" cstate="print"/>
+          <a:srcRect/>
+          <a:stretch>
+            <a:fillRect/>
+          </a:stretch>
+        </p:blipFill>
+        <p:spPr bwMode="auto">
+          <a:xfrm>
+            <a:off x="2057400" y="1600200"/>
+            <a:ext cx="4476750" cy="4362450"/>
+          </a:xfrm>
+          <a:prstGeom prst="rect">
+            <a:avLst/>
+          </a:prstGeom>
+          <a:noFill/>
+          <a:ln w="9525">
+            <a:noFill/>
+            <a:miter lim="800000"/>
+            <a:headEnd/>
+            <a:tailEnd/>
+          </a:ln>
+        </p:spPr>
+      </p:pic>
+    </p:spTree>
+  </p:cSld>
+  <p:clrMapOvr>
+    <a:masterClrMapping/>
+  </p:clrMapOvr>
+</p:sld>
+</file>
+
+<file path=ppt/slides/slide13.xml><?xml version="1.0" encoding="utf-8"?>
+<p:sld xmlns:a="http://schemas.openxmlformats.org/drawingml/2006/main" xmlns:r="http://schemas.openxmlformats.org/officeDocument/2006/relationships" xmlns:p="http://schemas.openxmlformats.org/presentationml/2006/main">
+  <p:cSld>
+    <p:spTree>
+      <p:nvGrpSpPr>
+        <p:cNvPr id="1" name=""/>
+        <p:cNvGrpSpPr/>
+        <p:nvPr/>
+      </p:nvGrpSpPr>
+      <p:grpSpPr>
+        <a:xfrm>
+          <a:off x="0" y="0"/>
+          <a:ext cx="0" cy="0"/>
+          <a:chOff x="0" y="0"/>
+          <a:chExt cx="0" cy="0"/>
+        </a:xfrm>
+      </p:grpSpPr>
+      <p:sp>
+        <p:nvSpPr>
+          <p:cNvPr id="2" name="Title 1"/>
+          <p:cNvSpPr>
+            <a:spLocks noGrp="1"/>
+          </p:cNvSpPr>
+          <p:nvPr>
+            <p:ph type="title"/>
+          </p:nvPr>
+        </p:nvSpPr>
+        <p:spPr/>
+        <p:txBody>
+          <a:bodyPr/>
+          <a:lstStyle/>
+          <a:p>
+            <a:r>
+              <a:rPr lang="en-US" dirty="0" smtClean="0"/>
+              <a:t>Importing Trace Files (from NUO)</a:t>
+            </a:r>
+            <a:endParaRPr lang="en-US" dirty="0"/>
+          </a:p>
+        </p:txBody>
+      </p:sp>
+      <p:sp>
+        <p:nvSpPr>
+          <p:cNvPr id="3" name="Content Placeholder 2"/>
+          <p:cNvSpPr>
+            <a:spLocks noGrp="1"/>
+          </p:cNvSpPr>
+          <p:nvPr>
+            <p:ph idx="1"/>
+          </p:nvPr>
+        </p:nvSpPr>
+        <p:spPr/>
+        <p:txBody>
+          <a:bodyPr/>
+          <a:lstStyle/>
+          <a:p>
+            <a:endParaRPr lang="en-US"/>
+          </a:p>
+        </p:txBody>
+      </p:sp>
+      <p:pic>
+        <p:nvPicPr>
+          <p:cNvPr id="4098" name="Picture 2"/>
+          <p:cNvPicPr>
+            <a:picLocks noChangeAspect="1" noChangeArrowheads="1"/>
+          </p:cNvPicPr>
+          <p:nvPr/>
+        </p:nvPicPr>
+        <p:blipFill>
+          <a:blip r:embed="rId2" cstate="print"/>
+          <a:srcRect/>
+          <a:stretch>
+            <a:fillRect/>
+          </a:stretch>
+        </p:blipFill>
+        <p:spPr bwMode="auto">
+          <a:xfrm>
+            <a:off x="2209800" y="1600200"/>
+            <a:ext cx="4476750" cy="3905250"/>
+          </a:xfrm>
+          <a:prstGeom prst="rect">
+            <a:avLst/>
+          </a:prstGeom>
+          <a:noFill/>
+          <a:ln w="9525">
+            <a:noFill/>
+            <a:miter lim="800000"/>
+            <a:headEnd/>
+            <a:tailEnd/>
+          </a:ln>
+        </p:spPr>
+      </p:pic>
+    </p:spTree>
+  </p:cSld>
+  <p:clrMapOvr>
+    <a:masterClrMapping/>
+  </p:clrMapOvr>
+</p:sld>
+</file>
+
+<file path=ppt/slides/slide14.xml><?xml version="1.0" encoding="utf-8"?>
+<p:sld xmlns:a="http://schemas.openxmlformats.org/drawingml/2006/main" xmlns:r="http://schemas.openxmlformats.org/officeDocument/2006/relationships" xmlns:p="http://schemas.openxmlformats.org/presentationml/2006/main">
+  <p:cSld>
+    <p:spTree>
+      <p:nvGrpSpPr>
+        <p:cNvPr id="1" name=""/>
+        <p:cNvGrpSpPr/>
+        <p:nvPr/>
+      </p:nvGrpSpPr>
+      <p:grpSpPr>
+        <a:xfrm>
+          <a:off x="0" y="0"/>
+          <a:ext cx="0" cy="0"/>
+          <a:chOff x="0" y="0"/>
+          <a:chExt cx="0" cy="0"/>
+        </a:xfrm>
+      </p:grpSpPr>
+      <p:sp>
+        <p:nvSpPr>
+          <p:cNvPr id="2" name="Title 1"/>
+          <p:cNvSpPr>
+            <a:spLocks noGrp="1"/>
+          </p:cNvSpPr>
+          <p:nvPr>
+            <p:ph type="title"/>
+          </p:nvPr>
+        </p:nvSpPr>
+        <p:spPr/>
+        <p:txBody>
+          <a:bodyPr/>
+          <a:lstStyle/>
+          <a:p>
+            <a:r>
+              <a:rPr lang="en-US" dirty="0" smtClean="0"/>
+              <a:t>Transaction Console (from NUO)</a:t>
+            </a:r>
+            <a:endParaRPr lang="en-US" dirty="0"/>
+          </a:p>
+        </p:txBody>
+      </p:sp>
+      <p:sp>
+        <p:nvSpPr>
+          <p:cNvPr id="3" name="Content Placeholder 2"/>
+          <p:cNvSpPr>
+            <a:spLocks noGrp="1"/>
+          </p:cNvSpPr>
+          <p:nvPr>
+            <p:ph idx="1"/>
+          </p:nvPr>
+        </p:nvSpPr>
+        <p:spPr/>
+        <p:txBody>
+          <a:bodyPr/>
+          <a:lstStyle/>
+          <a:p>
+            <a:endParaRPr lang="en-US"/>
+          </a:p>
+        </p:txBody>
+      </p:sp>
+      <p:pic>
+        <p:nvPicPr>
+          <p:cNvPr id="1026" name="Picture 2"/>
+          <p:cNvPicPr>
+            <a:picLocks noChangeAspect="1" noChangeArrowheads="1"/>
+          </p:cNvPicPr>
+          <p:nvPr/>
+        </p:nvPicPr>
+        <p:blipFill>
+          <a:blip r:embed="rId2" cstate="print"/>
+          <a:srcRect/>
+          <a:stretch>
+            <a:fillRect/>
+          </a:stretch>
+        </p:blipFill>
+        <p:spPr bwMode="auto">
+          <a:xfrm>
+            <a:off x="761999" y="1752600"/>
+            <a:ext cx="7978209" cy="3657600"/>
+          </a:xfrm>
+          <a:prstGeom prst="rect">
+            <a:avLst/>
+          </a:prstGeom>
+          <a:noFill/>
+          <a:ln w="9525">
+            <a:noFill/>
+            <a:miter lim="800000"/>
+            <a:headEnd/>
+            <a:tailEnd/>
+          </a:ln>
+        </p:spPr>
+      </p:pic>
+    </p:spTree>
+  </p:cSld>
+  <p:clrMapOvr>
+    <a:masterClrMapping/>
+  </p:clrMapOvr>
+</p:sld>
+</file>
+
+<file path=ppt/slides/slide15.xml><?xml version="1.0" encoding="utf-8"?>
+<p:sld xmlns:a="http://schemas.openxmlformats.org/drawingml/2006/main" xmlns:r="http://schemas.openxmlformats.org/officeDocument/2006/relationships" xmlns:p="http://schemas.openxmlformats.org/presentationml/2006/main">
+  <p:cSld>
+    <p:spTree>
+      <p:nvGrpSpPr>
+        <p:cNvPr id="1" name=""/>
+        <p:cNvGrpSpPr/>
+        <p:nvPr/>
+      </p:nvGrpSpPr>
+      <p:grpSpPr>
+        <a:xfrm>
+          <a:off x="0" y="0"/>
+          <a:ext cx="0" cy="0"/>
+          <a:chOff x="0" y="0"/>
+          <a:chExt cx="0" cy="0"/>
+        </a:xfrm>
+      </p:grpSpPr>
+      <p:sp>
+        <p:nvSpPr>
+          <p:cNvPr id="2" name="Title 1"/>
+          <p:cNvSpPr>
+            <a:spLocks noGrp="1"/>
+          </p:cNvSpPr>
+          <p:nvPr>
+            <p:ph type="title"/>
+          </p:nvPr>
+        </p:nvSpPr>
+        <p:spPr/>
+        <p:txBody>
+          <a:bodyPr/>
+          <a:lstStyle/>
+          <a:p>
+            <a:r>
+              <a:rPr lang="en-US" dirty="0" smtClean="0"/>
+              <a:t>Transaction (from NUO)</a:t>
+            </a:r>
+            <a:endParaRPr lang="en-US" dirty="0"/>
+          </a:p>
+        </p:txBody>
+      </p:sp>
+      <p:sp>
+        <p:nvSpPr>
+          <p:cNvPr id="3" name="Content Placeholder 2"/>
+          <p:cNvSpPr>
+            <a:spLocks noGrp="1"/>
+          </p:cNvSpPr>
+          <p:nvPr>
+            <p:ph idx="1"/>
+          </p:nvPr>
+        </p:nvSpPr>
+        <p:spPr/>
+        <p:txBody>
+          <a:bodyPr/>
+          <a:lstStyle/>
+          <a:p>
+            <a:endParaRPr lang="en-US"/>
+          </a:p>
+        </p:txBody>
+      </p:sp>
+      <p:pic>
+        <p:nvPicPr>
+          <p:cNvPr id="2050" name="Picture 2"/>
+          <p:cNvPicPr>
+            <a:picLocks noChangeAspect="1" noChangeArrowheads="1"/>
+          </p:cNvPicPr>
+          <p:nvPr/>
+        </p:nvPicPr>
+        <p:blipFill>
+          <a:blip r:embed="rId2" cstate="print"/>
+          <a:srcRect/>
+          <a:stretch>
+            <a:fillRect/>
+          </a:stretch>
+        </p:blipFill>
+        <p:spPr bwMode="auto">
+          <a:xfrm>
+            <a:off x="457200" y="1600200"/>
+            <a:ext cx="8169102" cy="3733800"/>
+          </a:xfrm>
+          <a:prstGeom prst="rect">
+            <a:avLst/>
+          </a:prstGeom>
+          <a:noFill/>
+          <a:ln w="9525">
+            <a:noFill/>
+            <a:miter lim="800000"/>
+            <a:headEnd/>
+            <a:tailEnd/>
+          </a:ln>
+        </p:spPr>
+      </p:pic>
+    </p:spTree>
+  </p:cSld>
+  <p:clrMapOvr>
+    <a:masterClrMapping/>
+  </p:clrMapOvr>
+</p:sld>
+</file>
+
+<file path=ppt/slides/slide16.xml><?xml version="1.0" encoding="utf-8"?>
+<p:sld xmlns:a="http://schemas.openxmlformats.org/drawingml/2006/main" xmlns:r="http://schemas.openxmlformats.org/officeDocument/2006/relationships" xmlns:p="http://schemas.openxmlformats.org/presentationml/2006/main">
+  <p:cSld>
+    <p:spTree>
+      <p:nvGrpSpPr>
+        <p:cNvPr id="1" name=""/>
+        <p:cNvGrpSpPr/>
+        <p:nvPr/>
+      </p:nvGrpSpPr>
+      <p:grpSpPr>
+        <a:xfrm>
+          <a:off x="0" y="0"/>
+          <a:ext cx="0" cy="0"/>
+          <a:chOff x="0" y="0"/>
+          <a:chExt cx="0" cy="0"/>
+        </a:xfrm>
+      </p:grpSpPr>
+      <p:sp>
+        <p:nvSpPr>
+          <p:cNvPr id="2" name="Title 1"/>
+          <p:cNvSpPr>
+            <a:spLocks noGrp="1"/>
+          </p:cNvSpPr>
+          <p:nvPr>
+            <p:ph type="title"/>
+          </p:nvPr>
+        </p:nvSpPr>
+        <p:spPr/>
+        <p:txBody>
+          <a:bodyPr/>
+          <a:lstStyle/>
+          <a:p>
+            <a:r>
+              <a:rPr lang="en-US" dirty="0" smtClean="0"/>
+              <a:t>File extensions</a:t>
+            </a:r>
+            <a:endParaRPr lang="en-US" dirty="0"/>
+          </a:p>
+        </p:txBody>
+      </p:sp>
+      <p:graphicFrame>
+        <p:nvGraphicFramePr>
+          <p:cNvPr id="9" name="Content Placeholder 8"/>
+          <p:cNvGraphicFramePr>
+            <a:graphicFrameLocks noGrp="1"/>
+          </p:cNvGraphicFramePr>
+          <p:nvPr>
+            <p:ph idx="1"/>
+          </p:nvPr>
+        </p:nvGraphicFramePr>
+        <p:xfrm>
+          <a:off x="466531" y="2537927"/>
+          <a:ext cx="8238930" cy="365760"/>
+        </p:xfrm>
+        <a:graphic>
+          <a:graphicData uri="http://schemas.openxmlformats.org/drawingml/2006/table">
+            <a:tbl>
+              <a:tblPr/>
+              <a:tblGrid>
+                <a:gridCol w="8238930"/>
+              </a:tblGrid>
+              <a:tr h="0">
+                <a:tc>
+                  <a:txBody>
+                    <a:bodyPr/>
+                    <a:lstStyle/>
+                    <a:p>
+                      <a:endParaRPr lang="en-US" dirty="0"/>
+                    </a:p>
+                  </a:txBody>
+                  <a:tcPr>
+                    <a:lnL w="12700" cmpd="sng">
+                      <a:solidFill>
+                        <a:schemeClr val="tx1"/>
+                      </a:solidFill>
+                      <a:prstDash val="solid"/>
+                    </a:lnL>
+                    <a:lnR w="12700" cmpd="sng">
+                      <a:solidFill>
+                        <a:schemeClr val="tx1"/>
+                      </a:solidFill>
+                      <a:prstDash val="solid"/>
+                    </a:lnR>
+                    <a:lnT w="12700" cmpd="sng">
+                      <a:solidFill>
+                        <a:schemeClr val="tx1"/>
+                      </a:solidFill>
+                      <a:prstDash val="solid"/>
+                    </a:lnT>
+                    <a:lnB w="12700" cmpd="sng">
+                      <a:solidFill>
+                        <a:schemeClr val="tx1"/>
+                      </a:solidFill>
+                      <a:prstDash val="solid"/>
+                    </a:lnB>
+                  </a:tcPr>
+                </a:tc>
+              </a:tr>
+            </a:tbl>
+          </a:graphicData>
+        </a:graphic>
+      </p:graphicFrame>
+      <p:graphicFrame>
+        <p:nvGraphicFramePr>
+          <p:cNvPr id="8" name="Table 7"/>
+          <p:cNvGraphicFramePr>
+            <a:graphicFrameLocks noGrp="1"/>
+          </p:cNvGraphicFramePr>
+          <p:nvPr/>
+        </p:nvGraphicFramePr>
+        <p:xfrm>
+          <a:off x="457200" y="1600200"/>
+          <a:ext cx="8229600" cy="4800598"/>
+        </p:xfrm>
+        <a:graphic>
+          <a:graphicData uri="http://schemas.openxmlformats.org/drawingml/2006/table">
+            <a:tbl>
+              <a:tblPr firstRow="1" bandRow="1">
+                <a:tableStyleId>{5C22544A-7EE6-4342-B048-85BDC9FD1C3A}</a:tableStyleId>
+              </a:tblPr>
+              <a:tblGrid>
+                <a:gridCol w="1676400"/>
+                <a:gridCol w="6553200"/>
+              </a:tblGrid>
+              <a:tr h="537197">
+                <a:tc>
+                  <a:txBody>
+                    <a:bodyPr/>
+                    <a:lstStyle/>
+                    <a:p>
+                      <a:r>
+                        <a:rPr lang="en-US" dirty="0" smtClean="0"/>
+                        <a:t>Extension</a:t>
+                      </a:r>
+                      <a:endParaRPr lang="en-US" dirty="0"/>
+                    </a:p>
+                  </a:txBody>
+                  <a:tcPr/>
+                </a:tc>
+                <a:tc>
+                  <a:txBody>
+                    <a:bodyPr/>
+                    <a:lstStyle/>
+                    <a:p>
+                      <a:r>
+                        <a:rPr lang="en-US" dirty="0" smtClean="0"/>
+                        <a:t>Description</a:t>
+                      </a:r>
+                      <a:endParaRPr lang="en-US" dirty="0"/>
+                    </a:p>
+                  </a:txBody>
+                  <a:tcPr/>
+                </a:tc>
+              </a:tr>
+              <a:tr h="503022">
+                <a:tc>
+                  <a:txBody>
+                    <a:bodyPr/>
+                    <a:lstStyle/>
+                    <a:p>
+                      <a:r>
+                        <a:rPr lang="en-US" dirty="0" err="1" smtClean="0"/>
+                        <a:t>executiondlr</a:t>
+                      </a:r>
+                      <a:endParaRPr lang="en-US" dirty="0" smtClean="0"/>
+                    </a:p>
+                  </a:txBody>
+                  <a:tcPr/>
+                </a:tc>
+                <a:tc>
+                  <a:txBody>
+                    <a:bodyPr/>
+                    <a:lstStyle/>
+                    <a:p>
+                      <a:endParaRPr lang="en-US" dirty="0"/>
+                    </a:p>
+                  </a:txBody>
+                  <a:tcPr/>
+                </a:tc>
+              </a:tr>
+              <a:tr h="537197">
+                <a:tc>
+                  <a:txBody>
+                    <a:bodyPr/>
+                    <a:lstStyle/>
+                    <a:p>
+                      <a:pPr marL="0" marR="0" indent="0" algn="l" defTabSz="914400" rtl="0" eaLnBrk="1" fontAlgn="auto" latinLnBrk="0" hangingPunct="1">
+                        <a:lnSpc>
+                          <a:spcPct val="100000"/>
+                        </a:lnSpc>
+                        <a:spcBef>
+                          <a:spcPts val="0"/>
+                        </a:spcBef>
+                        <a:spcAft>
+                          <a:spcPts val="0"/>
+                        </a:spcAft>
+                        <a:buClrTx/>
+                        <a:buSzTx/>
+                        <a:buFontTx/>
+                        <a:buNone/>
+                        <a:tabLst/>
+                        <a:defRPr/>
+                      </a:pPr>
+                      <a:r>
+                        <a:rPr lang="en-US" dirty="0" err="1" smtClean="0"/>
+                        <a:t>Trcadlr</a:t>
+                      </a:r>
+                      <a:endParaRPr lang="en-US" dirty="0" smtClean="0"/>
+                    </a:p>
+                  </a:txBody>
+                  <a:tcPr/>
+                </a:tc>
+                <a:tc>
+                  <a:txBody>
+                    <a:bodyPr/>
+                    <a:lstStyle/>
+                    <a:p>
+                      <a:endParaRPr lang="en-US" dirty="0"/>
+                    </a:p>
+                  </a:txBody>
+                  <a:tcPr/>
+                </a:tc>
+              </a:tr>
+              <a:tr h="537197">
+                <a:tc>
+                  <a:txBody>
+                    <a:bodyPr/>
+                    <a:lstStyle/>
+                    <a:p>
+                      <a:pPr marL="0" marR="0" indent="0" algn="l" defTabSz="914400" rtl="0" eaLnBrk="1" fontAlgn="auto" latinLnBrk="0" hangingPunct="1">
+                        <a:lnSpc>
+                          <a:spcPct val="100000"/>
+                        </a:lnSpc>
+                        <a:spcBef>
+                          <a:spcPts val="0"/>
+                        </a:spcBef>
+                        <a:spcAft>
+                          <a:spcPts val="0"/>
+                        </a:spcAft>
+                        <a:buClrTx/>
+                        <a:buSzTx/>
+                        <a:buFontTx/>
+                        <a:buNone/>
+                        <a:tabLst/>
+                        <a:defRPr/>
+                      </a:pPr>
+                      <a:r>
+                        <a:rPr lang="en-US" dirty="0" err="1" smtClean="0"/>
+                        <a:t>Trcaxmi</a:t>
+                      </a:r>
+                      <a:endParaRPr lang="en-US" dirty="0" smtClean="0"/>
+                    </a:p>
+                  </a:txBody>
+                  <a:tcPr/>
+                </a:tc>
+                <a:tc>
+                  <a:txBody>
+                    <a:bodyPr/>
+                    <a:lstStyle/>
+                    <a:p>
+                      <a:r>
+                        <a:rPr lang="en-US" dirty="0" smtClean="0"/>
+                        <a:t>Trace Agent</a:t>
+                      </a:r>
+                      <a:endParaRPr lang="en-US" dirty="0"/>
+                    </a:p>
+                  </a:txBody>
+                  <a:tcPr/>
+                </a:tc>
+              </a:tr>
+              <a:tr h="537197">
+                <a:tc>
+                  <a:txBody>
+                    <a:bodyPr/>
+                    <a:lstStyle/>
+                    <a:p>
+                      <a:pPr marL="0" marR="0" indent="0" algn="l" defTabSz="914400" rtl="0" eaLnBrk="1" fontAlgn="auto" latinLnBrk="0" hangingPunct="1">
+                        <a:lnSpc>
+                          <a:spcPct val="100000"/>
+                        </a:lnSpc>
+                        <a:spcBef>
+                          <a:spcPts val="0"/>
+                        </a:spcBef>
+                        <a:spcAft>
+                          <a:spcPts val="0"/>
+                        </a:spcAft>
+                        <a:buClrTx/>
+                        <a:buSzTx/>
+                        <a:buFontTx/>
+                        <a:buNone/>
+                        <a:tabLst/>
+                        <a:defRPr/>
+                      </a:pPr>
+                      <a:r>
+                        <a:rPr lang="en-US" dirty="0" err="1" smtClean="0"/>
+                        <a:t>Trciovxmi</a:t>
+                      </a:r>
+                      <a:endParaRPr lang="en-US" dirty="0" smtClean="0"/>
+                    </a:p>
+                  </a:txBody>
+                  <a:tcPr/>
+                </a:tc>
+                <a:tc>
+                  <a:txBody>
+                    <a:bodyPr/>
+                    <a:lstStyle/>
+                    <a:p>
+                      <a:endParaRPr lang="en-US" dirty="0"/>
+                    </a:p>
+                  </a:txBody>
+                  <a:tcPr/>
+                </a:tc>
+              </a:tr>
+              <a:tr h="537197">
+                <a:tc>
+                  <a:txBody>
+                    <a:bodyPr/>
+                    <a:lstStyle/>
+                    <a:p>
+                      <a:pPr marL="0" marR="0" indent="0" algn="l" defTabSz="914400" rtl="0" eaLnBrk="1" fontAlgn="auto" latinLnBrk="0" hangingPunct="1">
+                        <a:lnSpc>
+                          <a:spcPct val="100000"/>
+                        </a:lnSpc>
+                        <a:spcBef>
+                          <a:spcPts val="0"/>
+                        </a:spcBef>
+                        <a:spcAft>
+                          <a:spcPts val="0"/>
+                        </a:spcAft>
+                        <a:buClrTx/>
+                        <a:buSzTx/>
+                        <a:buFontTx/>
+                        <a:buNone/>
+                        <a:tabLst/>
+                        <a:defRPr/>
+                      </a:pPr>
+                      <a:r>
+                        <a:rPr lang="en-US" dirty="0" err="1" smtClean="0"/>
+                        <a:t>Trcmxmi</a:t>
+                      </a:r>
+                      <a:endParaRPr lang="en-US" dirty="0" smtClean="0"/>
+                    </a:p>
+                  </a:txBody>
+                  <a:tcPr/>
+                </a:tc>
+                <a:tc>
+                  <a:txBody>
+                    <a:bodyPr/>
+                    <a:lstStyle/>
+                    <a:p>
+                      <a:r>
+                        <a:rPr lang="en-US" dirty="0" smtClean="0"/>
+                        <a:t>Trace</a:t>
+                      </a:r>
+                      <a:r>
+                        <a:rPr lang="en-US" baseline="0" dirty="0" smtClean="0"/>
+                        <a:t> Monitor</a:t>
+                      </a:r>
+                      <a:endParaRPr lang="en-US" dirty="0"/>
+                    </a:p>
+                  </a:txBody>
+                  <a:tcPr/>
+                </a:tc>
+              </a:tr>
+              <a:tr h="537197">
+                <a:tc>
+                  <a:txBody>
+                    <a:bodyPr/>
+                    <a:lstStyle/>
+                    <a:p>
+                      <a:r>
+                        <a:rPr lang="en-US" dirty="0" err="1" smtClean="0"/>
+                        <a:t>Trcnxmi</a:t>
+                      </a:r>
+                      <a:endParaRPr lang="en-US" dirty="0"/>
+                    </a:p>
+                  </a:txBody>
+                  <a:tcPr/>
+                </a:tc>
+                <a:tc>
+                  <a:txBody>
+                    <a:bodyPr/>
+                    <a:lstStyle/>
+                    <a:p>
+                      <a:r>
+                        <a:rPr lang="en-US" dirty="0" smtClean="0"/>
+                        <a:t>Trace Node</a:t>
+                      </a:r>
+                      <a:endParaRPr lang="en-US" dirty="0"/>
+                    </a:p>
+                  </a:txBody>
+                  <a:tcPr/>
+                </a:tc>
+              </a:tr>
+              <a:tr h="537197">
+                <a:tc>
+                  <a:txBody>
+                    <a:bodyPr/>
+                    <a:lstStyle/>
+                    <a:p>
+                      <a:pPr marL="0" marR="0" indent="0" algn="l" defTabSz="914400" rtl="0" eaLnBrk="1" fontAlgn="auto" latinLnBrk="0" hangingPunct="1">
+                        <a:lnSpc>
+                          <a:spcPct val="100000"/>
+                        </a:lnSpc>
+                        <a:spcBef>
+                          <a:spcPts val="0"/>
+                        </a:spcBef>
+                        <a:spcAft>
+                          <a:spcPts val="0"/>
+                        </a:spcAft>
+                        <a:buClrTx/>
+                        <a:buSzTx/>
+                        <a:buFontTx/>
+                        <a:buNone/>
+                        <a:tabLst/>
+                        <a:defRPr/>
+                      </a:pPr>
+                      <a:r>
+                        <a:rPr lang="en-US" dirty="0" err="1" smtClean="0"/>
+                        <a:t>Trcpxmi</a:t>
+                      </a:r>
+                      <a:endParaRPr lang="en-US" dirty="0" smtClean="0"/>
+                    </a:p>
+                  </a:txBody>
+                  <a:tcPr/>
+                </a:tc>
+                <a:tc>
+                  <a:txBody>
+                    <a:bodyPr/>
+                    <a:lstStyle/>
+                    <a:p>
+                      <a:r>
+                        <a:rPr lang="en-US" dirty="0" smtClean="0"/>
+                        <a:t>Trace Process</a:t>
+                      </a:r>
+                      <a:endParaRPr lang="en-US" dirty="0"/>
+                    </a:p>
+                  </a:txBody>
+                  <a:tcPr/>
+                </a:tc>
+              </a:tr>
+              <a:tr h="537197">
+                <a:tc>
+                  <a:txBody>
+                    <a:bodyPr/>
+                    <a:lstStyle/>
+                    <a:p>
+                      <a:pPr marL="0" marR="0" indent="0" algn="l" defTabSz="914400" rtl="0" eaLnBrk="1" fontAlgn="auto" latinLnBrk="0" hangingPunct="1">
+                        <a:lnSpc>
+                          <a:spcPct val="100000"/>
+                        </a:lnSpc>
+                        <a:spcBef>
+                          <a:spcPts val="0"/>
+                        </a:spcBef>
+                        <a:spcAft>
+                          <a:spcPts val="0"/>
+                        </a:spcAft>
+                        <a:buClrTx/>
+                        <a:buSzTx/>
+                        <a:buFontTx/>
+                        <a:buNone/>
+                        <a:tabLst/>
+                        <a:defRPr/>
+                      </a:pPr>
+                      <a:r>
+                        <a:rPr lang="en-US" dirty="0" err="1" smtClean="0"/>
+                        <a:t>trcxml</a:t>
+                      </a:r>
+                      <a:endParaRPr lang="en-US" dirty="0" smtClean="0"/>
+                    </a:p>
+                  </a:txBody>
+                  <a:tcPr/>
+                </a:tc>
+                <a:tc>
+                  <a:txBody>
+                    <a:bodyPr/>
+                    <a:lstStyle/>
+                    <a:p>
+                      <a:r>
+                        <a:rPr lang="en-US" dirty="0" smtClean="0"/>
+                        <a:t>(Manual) </a:t>
+                      </a:r>
+                      <a:r>
+                        <a:rPr lang="en-US" smtClean="0"/>
+                        <a:t>Trace File</a:t>
+                      </a:r>
+                      <a:endParaRPr lang="en-US" dirty="0"/>
+                    </a:p>
+                  </a:txBody>
+                  <a:tcPr/>
+                </a:tc>
+              </a:tr>
+            </a:tbl>
+          </a:graphicData>
+        </a:graphic>
+      </p:graphicFrame>
+    </p:spTree>
+  </p:cSld>
+  <p:clrMapOvr>
+    <a:masterClrMapping/>
+  </p:clrMapOvr>
+</p:sld>
+</file>
+
+<file path=ppt/slides/slide17.xml><?xml version="1.0" encoding="utf-8"?>
+<p:sld xmlns:a="http://schemas.openxmlformats.org/drawingml/2006/main" xmlns:r="http://schemas.openxmlformats.org/officeDocument/2006/relationships" xmlns:p="http://schemas.openxmlformats.org/presentationml/2006/main">
+  <p:cSld>
+    <p:spTree>
+      <p:nvGrpSpPr>
+        <p:cNvPr id="1" name=""/>
+        <p:cNvGrpSpPr/>
+        <p:nvPr/>
+      </p:nvGrpSpPr>
+      <p:grpSpPr>
+        <a:xfrm>
+          <a:off x="0" y="0"/>
+          <a:ext cx="0" cy="0"/>
+          <a:chOff x="0" y="0"/>
+          <a:chExt cx="0" cy="0"/>
+        </a:xfrm>
+      </p:grpSpPr>
+      <p:sp>
+        <p:nvSpPr>
+          <p:cNvPr id="2" name="Title 1"/>
+          <p:cNvSpPr>
+            <a:spLocks noGrp="1"/>
+          </p:cNvSpPr>
+          <p:nvPr>
+            <p:ph type="title"/>
+          </p:nvPr>
+        </p:nvSpPr>
+        <p:spPr/>
+        <p:txBody>
+          <a:bodyPr/>
+          <a:lstStyle/>
+          <a:p>
+            <a:r>
+              <a:rPr lang="en-US" dirty="0" smtClean="0"/>
+              <a:t>Analyzing Trace Files</a:t>
+            </a:r>
+            <a:endParaRPr lang="en-US" dirty="0"/>
+          </a:p>
+        </p:txBody>
+      </p:sp>
+      <p:sp>
+        <p:nvSpPr>
+          <p:cNvPr id="3" name="Content Placeholder 2"/>
+          <p:cNvSpPr>
+            <a:spLocks noGrp="1"/>
+          </p:cNvSpPr>
+          <p:nvPr>
+            <p:ph idx="1"/>
+          </p:nvPr>
+        </p:nvSpPr>
+        <p:spPr/>
+        <p:txBody>
+          <a:bodyPr/>
+          <a:lstStyle/>
+          <a:p>
+            <a:r>
+              <a:rPr lang="en-US" dirty="0" smtClean="0"/>
+              <a:t>How? What</a:t>
+            </a:r>
+            <a:r>
+              <a:rPr lang="en-US" dirty="0" smtClean="0"/>
+              <a:t>? TODO</a:t>
+            </a:r>
+            <a:endParaRPr lang="en-US" dirty="0"/>
+          </a:p>
+        </p:txBody>
+      </p:sp>
+    </p:spTree>
+  </p:cSld>
+  <p:clrMapOvr>
+    <a:masterClrMapping/>
+  </p:clrMapOvr>
+</p:sld>
+</file>
+
+<file path=ppt/slides/slide18.xml><?xml version="1.0" encoding="utf-8"?>
+<p:sld xmlns:a="http://schemas.openxmlformats.org/drawingml/2006/main" xmlns:r="http://schemas.openxmlformats.org/officeDocument/2006/relationships" xmlns:p="http://schemas.openxmlformats.org/presentationml/2006/main">
+  <p:cSld>
+    <p:spTree>
+      <p:nvGrpSpPr>
+        <p:cNvPr id="1" name=""/>
+        <p:cNvGrpSpPr/>
+        <p:nvPr/>
+      </p:nvGrpSpPr>
+      <p:grpSpPr>
+        <a:xfrm>
+          <a:off x="0" y="0"/>
+          <a:ext cx="0" cy="0"/>
+          <a:chOff x="0" y="0"/>
+          <a:chExt cx="0" cy="0"/>
+        </a:xfrm>
+      </p:grpSpPr>
+      <p:sp>
+        <p:nvSpPr>
+          <p:cNvPr id="2" name="Title 1"/>
+          <p:cNvSpPr>
+            <a:spLocks noGrp="1"/>
+          </p:cNvSpPr>
+          <p:nvPr>
+            <p:ph type="title"/>
+          </p:nvPr>
+        </p:nvSpPr>
+        <p:spPr/>
+        <p:txBody>
+          <a:bodyPr/>
+          <a:lstStyle/>
+          <a:p>
+            <a:r>
+              <a:rPr lang="en-US" dirty="0" smtClean="0"/>
+              <a:t>References</a:t>
+            </a:r>
+            <a:endParaRPr lang="en-US" dirty="0"/>
+          </a:p>
+        </p:txBody>
+      </p:sp>
+      <p:sp>
+        <p:nvSpPr>
+          <p:cNvPr id="3" name="Content Placeholder 2"/>
+          <p:cNvSpPr>
+            <a:spLocks noGrp="1"/>
+          </p:cNvSpPr>
+          <p:nvPr>
+            <p:ph idx="1"/>
+          </p:nvPr>
+        </p:nvSpPr>
+        <p:spPr/>
+        <p:txBody>
+          <a:bodyPr>
+            <a:normAutofit/>
+          </a:bodyPr>
+          <a:lstStyle/>
+          <a:p>
+            <a:r>
+              <a:rPr lang="en-US" sz="2400" dirty="0" smtClean="0"/>
+              <a:t>TPTP 4.5.0 </a:t>
+            </a:r>
+            <a:r>
+              <a:rPr lang="en-US" sz="2400" dirty="0" err="1" smtClean="0"/>
+              <a:t>Javadoc</a:t>
+            </a:r>
+            <a:endParaRPr lang="en-US" sz="2400" dirty="0" smtClean="0"/>
+          </a:p>
+          <a:p>
+            <a:pPr lvl="1"/>
+            <a:r>
+              <a:rPr lang="en-US" sz="2000" dirty="0" smtClean="0"/>
+              <a:t>Monitoring Tools</a:t>
+            </a:r>
+          </a:p>
+          <a:p>
+            <a:pPr lvl="2"/>
+            <a:r>
+              <a:rPr lang="en-US" sz="1600" dirty="0" smtClean="0">
+                <a:hlinkClick r:id="rId2"/>
+              </a:rPr>
+              <a:t>http://</a:t>
+            </a:r>
+            <a:r>
+              <a:rPr lang="en-US" sz="1600" dirty="0" smtClean="0">
+                <a:hlinkClick r:id="rId2"/>
+              </a:rPr>
+              <a:t>archive.eclipse.org/tptp/4.5.0/javadoc/Monitoring_Tools/public/index.html</a:t>
+            </a:r>
+            <a:endParaRPr lang="en-US" sz="1600" dirty="0" smtClean="0"/>
+          </a:p>
+          <a:p>
+            <a:pPr lvl="1"/>
+            <a:r>
+              <a:rPr lang="en-US" sz="2000" dirty="0" err="1" smtClean="0"/>
+              <a:t>Plaform</a:t>
+            </a:r>
+            <a:endParaRPr lang="en-US" sz="2000" dirty="0" smtClean="0"/>
+          </a:p>
+          <a:p>
+            <a:pPr lvl="2"/>
+            <a:r>
+              <a:rPr lang="en-US" sz="1600" dirty="0" smtClean="0">
+                <a:hlinkClick r:id="rId3"/>
+              </a:rPr>
+              <a:t>http://</a:t>
+            </a:r>
+            <a:r>
+              <a:rPr lang="en-US" sz="1600" dirty="0" smtClean="0">
+                <a:hlinkClick r:id="rId3"/>
+              </a:rPr>
+              <a:t>archive.eclipse.org/tptp/4.5.0/javadoc/Platform/public/index.html</a:t>
+            </a:r>
+            <a:r>
+              <a:rPr lang="en-US" sz="1600" dirty="0" smtClean="0"/>
+              <a:t> </a:t>
+            </a:r>
+          </a:p>
+          <a:p>
+            <a:pPr lvl="1"/>
+            <a:r>
+              <a:rPr lang="en-US" sz="2000" dirty="0" smtClean="0"/>
+              <a:t>Testing Tools</a:t>
+            </a:r>
+          </a:p>
+          <a:p>
+            <a:pPr lvl="2"/>
+            <a:r>
+              <a:rPr lang="en-US" sz="1600" dirty="0" smtClean="0">
+                <a:hlinkClick r:id="rId4"/>
+              </a:rPr>
+              <a:t>http://</a:t>
+            </a:r>
+            <a:r>
+              <a:rPr lang="en-US" sz="1600" dirty="0" smtClean="0">
+                <a:hlinkClick r:id="rId4"/>
+              </a:rPr>
+              <a:t>archive.eclipse.org/tptp/4.5.0/javadoc/Testing_Tools/public/index.html</a:t>
+            </a:r>
+            <a:r>
+              <a:rPr lang="en-US" sz="1600" dirty="0" smtClean="0"/>
+              <a:t> </a:t>
+            </a:r>
+            <a:endParaRPr lang="en-US" sz="1600" dirty="0" smtClean="0"/>
+          </a:p>
+          <a:p>
+            <a:pPr lvl="1"/>
+            <a:r>
+              <a:rPr lang="en-US" sz="2000" dirty="0" smtClean="0"/>
+              <a:t>Tracing and Profiling Tools</a:t>
+            </a:r>
+            <a:endParaRPr lang="en-US" sz="2000" dirty="0" smtClean="0"/>
+          </a:p>
+          <a:p>
+            <a:pPr lvl="2"/>
+            <a:r>
+              <a:rPr lang="en-US" sz="1600" dirty="0" smtClean="0">
+                <a:hlinkClick r:id="rId5"/>
+              </a:rPr>
+              <a:t>http</a:t>
+            </a:r>
+            <a:r>
+              <a:rPr lang="en-US" sz="1600" dirty="0" smtClean="0">
+                <a:hlinkClick r:id="rId5"/>
+              </a:rPr>
+              <a:t>://</a:t>
+            </a:r>
+            <a:r>
+              <a:rPr lang="en-US" sz="1600" dirty="0" smtClean="0">
+                <a:hlinkClick r:id="rId5"/>
+              </a:rPr>
+              <a:t>archive.eclipse.org/tptp/4.5.0/javadoc/Tracing_and_Profiling_Tools/public/index.html</a:t>
+            </a:r>
+            <a:endParaRPr lang="en-US" sz="1600" dirty="0" smtClean="0"/>
+          </a:p>
+          <a:p>
+            <a:pPr lvl="1"/>
+            <a:endParaRPr lang="en-US" sz="2000" dirty="0" smtClean="0"/>
+          </a:p>
+        </p:txBody>
+      </p:sp>
+    </p:spTree>
+  </p:cSld>
+  <p:clrMapOvr>
+    <a:masterClrMapping/>
+  </p:clrMapOvr>
+</p:sld>
+</file>
+
+<file path=ppt/slides/slide19.xml><?xml version="1.0" encoding="utf-8"?>
+<p:sld xmlns:a="http://schemas.openxmlformats.org/drawingml/2006/main" xmlns:r="http://schemas.openxmlformats.org/officeDocument/2006/relationships" xmlns:p="http://schemas.openxmlformats.org/presentationml/2006/main">
+  <p:cSld>
+    <p:spTree>
+      <p:nvGrpSpPr>
+        <p:cNvPr id="1" name=""/>
+        <p:cNvGrpSpPr/>
+        <p:nvPr/>
+      </p:nvGrpSpPr>
+      <p:grpSpPr>
+        <a:xfrm>
+          <a:off x="0" y="0"/>
+          <a:ext cx="0" cy="0"/>
+          <a:chOff x="0" y="0"/>
+          <a:chExt cx="0" cy="0"/>
+        </a:xfrm>
+      </p:grpSpPr>
+      <p:sp>
+        <p:nvSpPr>
+          <p:cNvPr id="2" name="Title 1"/>
+          <p:cNvSpPr>
+            <a:spLocks noGrp="1"/>
+          </p:cNvSpPr>
+          <p:nvPr>
+            <p:ph type="title"/>
+          </p:nvPr>
+        </p:nvSpPr>
+        <p:spPr/>
+        <p:txBody>
+          <a:bodyPr/>
+          <a:lstStyle/>
+          <a:p>
+            <a:r>
+              <a:rPr lang="en-US" dirty="0" smtClean="0"/>
+              <a:t>References (Cont’d)</a:t>
+            </a:r>
+            <a:endParaRPr lang="en-US" dirty="0"/>
+          </a:p>
+        </p:txBody>
+      </p:sp>
+      <p:sp>
+        <p:nvSpPr>
+          <p:cNvPr id="3" name="Content Placeholder 2"/>
+          <p:cNvSpPr>
+            <a:spLocks noGrp="1"/>
+          </p:cNvSpPr>
+          <p:nvPr>
+            <p:ph idx="1"/>
+          </p:nvPr>
+        </p:nvSpPr>
+        <p:spPr/>
+        <p:txBody>
+          <a:bodyPr/>
+          <a:lstStyle/>
+          <a:p>
+            <a:r>
+              <a:rPr lang="en-US" sz="2400" dirty="0" smtClean="0"/>
+              <a:t>Document Object Model (DOM) Level 3 Core Specification</a:t>
+            </a:r>
+          </a:p>
+          <a:p>
+            <a:pPr lvl="1"/>
+            <a:r>
+              <a:rPr lang="en-US" sz="2000" dirty="0" smtClean="0">
+                <a:hlinkClick r:id="rId2"/>
+              </a:rPr>
+              <a:t>http://www.w3.org/TR/2004/REC-DOM-Level-3-Core-20040407/</a:t>
+            </a:r>
+            <a:endParaRPr lang="en-US" sz="2000" dirty="0" smtClean="0"/>
+          </a:p>
+          <a:p>
+            <a:r>
+              <a:rPr lang="en-US" sz="2400" dirty="0" smtClean="0"/>
+              <a:t>org.w3g.dom </a:t>
+            </a:r>
+            <a:r>
+              <a:rPr lang="en-US" sz="2400" dirty="0" err="1" smtClean="0"/>
+              <a:t>Javadoc</a:t>
+            </a:r>
+            <a:r>
+              <a:rPr lang="en-US" sz="2400" dirty="0" smtClean="0"/>
+              <a:t> </a:t>
+            </a:r>
+          </a:p>
+          <a:p>
+            <a:pPr lvl="1"/>
+            <a:r>
+              <a:rPr lang="en-US" sz="2000" dirty="0" smtClean="0">
+                <a:hlinkClick r:id="rId3"/>
+              </a:rPr>
+              <a:t>http://</a:t>
+            </a:r>
+            <a:r>
+              <a:rPr lang="en-US" sz="2000" dirty="0" smtClean="0">
+                <a:hlinkClick r:id="rId3"/>
+              </a:rPr>
+              <a:t>java.sun.com/javase/6/docs/api/org/w3c/dom/package-summary.html</a:t>
+            </a:r>
+            <a:endParaRPr lang="en-US" sz="2000" dirty="0" smtClean="0"/>
           </a:p>
         </p:txBody>
       </p:sp>
@@ -3627,7 +5278,245 @@
           <a:p>
             <a:r>
               <a:rPr lang="en-US" dirty="0" smtClean="0"/>
-              <a:t>Prerequisites</a:t>
+              <a:t>Analyzing TPTP Source Code</a:t>
+            </a:r>
+            <a:endParaRPr lang="en-US" dirty="0"/>
+          </a:p>
+        </p:txBody>
+      </p:sp>
+    </p:spTree>
+  </p:cSld>
+  <p:clrMapOvr>
+    <a:masterClrMapping/>
+  </p:clrMapOvr>
+</p:sld>
+</file>
+
+<file path=ppt/slides/slide20.xml><?xml version="1.0" encoding="utf-8"?>
+<p:sld xmlns:a="http://schemas.openxmlformats.org/drawingml/2006/main" xmlns:r="http://schemas.openxmlformats.org/officeDocument/2006/relationships" xmlns:p="http://schemas.openxmlformats.org/presentationml/2006/main">
+  <p:cSld>
+    <p:spTree>
+      <p:nvGrpSpPr>
+        <p:cNvPr id="1" name=""/>
+        <p:cNvGrpSpPr/>
+        <p:nvPr/>
+      </p:nvGrpSpPr>
+      <p:grpSpPr>
+        <a:xfrm>
+          <a:off x="0" y="0"/>
+          <a:ext cx="0" cy="0"/>
+          <a:chOff x="0" y="0"/>
+          <a:chExt cx="0" cy="0"/>
+        </a:xfrm>
+      </p:grpSpPr>
+      <p:sp>
+        <p:nvSpPr>
+          <p:cNvPr id="4" name="Title 3"/>
+          <p:cNvSpPr>
+            <a:spLocks noGrp="1"/>
+          </p:cNvSpPr>
+          <p:nvPr>
+            <p:ph type="title"/>
+          </p:nvPr>
+        </p:nvSpPr>
+        <p:spPr/>
+        <p:txBody>
+          <a:bodyPr/>
+          <a:lstStyle/>
+          <a:p>
+            <a:r>
+              <a:rPr lang="en-US" smtClean="0"/>
+              <a:t>Comparing </a:t>
+            </a:r>
+            <a:r>
+              <a:rPr lang="en-US" dirty="0" smtClean="0"/>
+              <a:t>Trace data from RPT and TPTP</a:t>
+            </a:r>
+            <a:endParaRPr lang="en-US" dirty="0"/>
+          </a:p>
+        </p:txBody>
+      </p:sp>
+      <p:sp>
+        <p:nvSpPr>
+          <p:cNvPr id="5" name="Text Placeholder 4"/>
+          <p:cNvSpPr>
+            <a:spLocks noGrp="1"/>
+          </p:cNvSpPr>
+          <p:nvPr>
+            <p:ph type="body" idx="1"/>
+          </p:nvPr>
+        </p:nvSpPr>
+        <p:spPr/>
+        <p:txBody>
+          <a:bodyPr/>
+          <a:lstStyle/>
+          <a:p>
+            <a:endParaRPr lang="en-US" dirty="0"/>
+          </a:p>
+        </p:txBody>
+      </p:sp>
+    </p:spTree>
+  </p:cSld>
+  <p:clrMapOvr>
+    <a:masterClrMapping/>
+  </p:clrMapOvr>
+</p:sld>
+</file>
+
+<file path=ppt/slides/slide21.xml><?xml version="1.0" encoding="utf-8"?>
+<p:sld xmlns:a="http://schemas.openxmlformats.org/drawingml/2006/main" xmlns:r="http://schemas.openxmlformats.org/officeDocument/2006/relationships" xmlns:p="http://schemas.openxmlformats.org/presentationml/2006/main">
+  <p:cSld>
+    <p:spTree>
+      <p:nvGrpSpPr>
+        <p:cNvPr id="1" name=""/>
+        <p:cNvGrpSpPr/>
+        <p:nvPr/>
+      </p:nvGrpSpPr>
+      <p:grpSpPr>
+        <a:xfrm>
+          <a:off x="0" y="0"/>
+          <a:ext cx="0" cy="0"/>
+          <a:chOff x="0" y="0"/>
+          <a:chExt cx="0" cy="0"/>
+        </a:xfrm>
+      </p:grpSpPr>
+      <p:sp>
+        <p:nvSpPr>
+          <p:cNvPr id="2" name="Title 1"/>
+          <p:cNvSpPr>
+            <a:spLocks noGrp="1"/>
+          </p:cNvSpPr>
+          <p:nvPr>
+            <p:ph type="title"/>
+          </p:nvPr>
+        </p:nvSpPr>
+        <p:spPr/>
+        <p:txBody>
+          <a:bodyPr/>
+          <a:lstStyle/>
+          <a:p>
+            <a:endParaRPr lang="en-US"/>
+          </a:p>
+        </p:txBody>
+      </p:sp>
+      <p:sp>
+        <p:nvSpPr>
+          <p:cNvPr id="3" name="Content Placeholder 2"/>
+          <p:cNvSpPr>
+            <a:spLocks noGrp="1"/>
+          </p:cNvSpPr>
+          <p:nvPr>
+            <p:ph idx="1"/>
+          </p:nvPr>
+        </p:nvSpPr>
+        <p:spPr/>
+        <p:txBody>
+          <a:bodyPr>
+            <a:normAutofit fontScale="70000" lnSpcReduction="20000"/>
+          </a:bodyPr>
+          <a:lstStyle/>
+          <a:p>
+            <a:pPr marL="514350" indent="-514350">
+              <a:buFont typeface="+mj-lt"/>
+              <a:buAutoNum type="arabicPeriod"/>
+            </a:pPr>
+            <a:r>
+              <a:rPr lang="en-US" dirty="0" smtClean="0"/>
+              <a:t>Start the Plant web application (AppSrv02, 9083, 9063)</a:t>
+            </a:r>
+          </a:p>
+          <a:p>
+            <a:pPr marL="514350" indent="-514350">
+              <a:buFont typeface="+mj-lt"/>
+              <a:buAutoNum type="arabicPeriod"/>
+            </a:pPr>
+            <a:r>
+              <a:rPr lang="en-US" dirty="0" smtClean="0"/>
+              <a:t>Setup the environment for RPT profiling </a:t>
+            </a:r>
+          </a:p>
+          <a:p>
+            <a:pPr marL="514350" indent="-514350">
+              <a:buFont typeface="+mj-lt"/>
+              <a:buAutoNum type="arabicPeriod"/>
+            </a:pPr>
+            <a:r>
+              <a:rPr lang="en-US" dirty="0" smtClean="0"/>
+              <a:t>Create a performance test suite for the Plant web application.</a:t>
+            </a:r>
+          </a:p>
+          <a:p>
+            <a:pPr marL="514350" indent="-514350">
+              <a:buFont typeface="+mj-lt"/>
+              <a:buAutoNum type="arabicPeriod"/>
+            </a:pPr>
+            <a:r>
+              <a:rPr lang="en-US" dirty="0" smtClean="0"/>
+              <a:t>Run the performance test suite by RPT while collecting profiling data by RPT. The profiling data is stored in a local </a:t>
+            </a:r>
+            <a:r>
+              <a:rPr lang="en-US" dirty="0" err="1" smtClean="0"/>
+              <a:t>trcxml</a:t>
+            </a:r>
+            <a:r>
+              <a:rPr lang="en-US" dirty="0" smtClean="0"/>
+              <a:t> file (t1_rpt.trcxml)</a:t>
+            </a:r>
+          </a:p>
+          <a:p>
+            <a:pPr marL="514350" indent="-514350">
+              <a:buFont typeface="+mj-lt"/>
+              <a:buAutoNum type="arabicPeriod"/>
+            </a:pPr>
+            <a:r>
+              <a:rPr lang="en-US" dirty="0" smtClean="0"/>
+              <a:t>Restart the Plant web application (after </a:t>
+            </a:r>
+            <a:r>
+              <a:rPr lang="en-US" dirty="0" err="1" smtClean="0"/>
+              <a:t>uninstrumentation</a:t>
+            </a:r>
+            <a:r>
+              <a:rPr lang="en-US" dirty="0" smtClean="0"/>
+              <a:t>)</a:t>
+            </a:r>
+          </a:p>
+          <a:p>
+            <a:pPr marL="514350" indent="-514350">
+              <a:buFont typeface="+mj-lt"/>
+              <a:buAutoNum type="arabicPeriod"/>
+            </a:pPr>
+            <a:r>
+              <a:rPr lang="en-US" dirty="0" smtClean="0"/>
+              <a:t>Setup the environment for TPTP profiling </a:t>
+            </a:r>
+          </a:p>
+          <a:p>
+            <a:pPr marL="514350" indent="-514350">
+              <a:buFont typeface="+mj-lt"/>
+              <a:buAutoNum type="arabicPeriod"/>
+            </a:pPr>
+            <a:r>
+              <a:rPr lang="en-US" dirty="0" smtClean="0"/>
+              <a:t>Run the performance test suite by RPT while collecting profiling data by TPTP. The profiling data is stored in a local </a:t>
+            </a:r>
+            <a:r>
+              <a:rPr lang="en-US" dirty="0" err="1" smtClean="0"/>
+              <a:t>trcxml</a:t>
+            </a:r>
+            <a:r>
+              <a:rPr lang="en-US" dirty="0" smtClean="0"/>
+              <a:t> file (t1_tptp.trcxml)</a:t>
+            </a:r>
+          </a:p>
+          <a:p>
+            <a:pPr marL="514350" indent="-514350">
+              <a:buFont typeface="+mj-lt"/>
+              <a:buAutoNum type="arabicPeriod"/>
+            </a:pPr>
+            <a:r>
+              <a:rPr lang="en-US" dirty="0" smtClean="0"/>
+              <a:t>Compare t1_rpt.trcxml and t1_tptp.trcxml to figure out the difference.</a:t>
             </a:r>
             <a:endParaRPr lang="en-US" dirty="0"/>
           </a:p>
@@ -3670,148 +5559,76 @@
         </p:nvSpPr>
         <p:spPr/>
         <p:txBody>
-          <a:bodyPr/>
-          <a:lstStyle/>
-          <a:p>
-            <a:r>
-              <a:rPr lang="en-US" dirty="0" smtClean="0"/>
-              <a:t>TPTP Source Code</a:t>
-            </a:r>
-            <a:endParaRPr lang="en-US" dirty="0"/>
-          </a:p>
-        </p:txBody>
-      </p:sp>
-      <p:sp>
-        <p:nvSpPr>
-          <p:cNvPr id="5" name="Content Placeholder 4"/>
-          <p:cNvSpPr>
-            <a:spLocks noGrp="1"/>
-          </p:cNvSpPr>
-          <p:nvPr>
-            <p:ph idx="1"/>
-          </p:nvPr>
-        </p:nvSpPr>
-        <p:spPr/>
-        <p:txBody>
           <a:bodyPr>
             <a:normAutofit/>
           </a:bodyPr>
           <a:lstStyle/>
           <a:p>
-            <a:endParaRPr lang="en-US" sz="2400" dirty="0" smtClean="0"/>
-          </a:p>
-          <a:p>
-            <a:r>
-              <a:rPr lang="en-US" sz="2400" dirty="0" err="1" smtClean="0"/>
-              <a:t>Plugin</a:t>
-            </a:r>
+            <a:r>
+              <a:rPr lang="en-US" dirty="0" smtClean="0"/>
+              <a:t>TPTP </a:t>
+            </a:r>
+            <a:r>
+              <a:rPr lang="en-US" dirty="0" smtClean="0"/>
+              <a:t>CVS Repository</a:t>
+            </a:r>
+            <a:endParaRPr lang="en-US" dirty="0"/>
+          </a:p>
+        </p:txBody>
+      </p:sp>
+      <p:sp>
+        <p:nvSpPr>
+          <p:cNvPr id="5" name="Content Placeholder 4"/>
+          <p:cNvSpPr>
+            <a:spLocks noGrp="1"/>
+          </p:cNvSpPr>
+          <p:nvPr>
+            <p:ph idx="1"/>
+          </p:nvPr>
+        </p:nvSpPr>
+        <p:spPr/>
+        <p:txBody>
+          <a:bodyPr/>
+          <a:lstStyle/>
+          <a:p>
             <a:r>
               <a:rPr lang="en-US" sz="2400" dirty="0" smtClean="0"/>
-              <a:t>: /</a:t>
-            </a:r>
-            <a:r>
-              <a:rPr lang="en-US" sz="2400" dirty="0" err="1" smtClean="0"/>
-              <a:t>org.eclipse.hyades.trace.ui</a:t>
-            </a:r>
-            <a:endParaRPr lang="en-US" sz="2400" dirty="0" smtClean="0"/>
+              <a:t>TPTP (The Latest Source) CVS Repository</a:t>
+            </a:r>
           </a:p>
           <a:p>
             <a:pPr lvl="1"/>
             <a:r>
               <a:rPr lang="en-US" sz="2000" dirty="0" smtClean="0"/>
-              <a:t>Class name: </a:t>
-            </a:r>
-            <a:r>
-              <a:rPr lang="en-US" sz="2000" dirty="0" err="1" smtClean="0">
-                <a:latin typeface="Courier New" pitchFamily="49" charset="0"/>
-                <a:cs typeface="Courier New" pitchFamily="49" charset="0"/>
-              </a:rPr>
-              <a:t>org.eclipse.hyades.trace.internal.ui.PDProjectExplorer</a:t>
+              <a:t>:</a:t>
+            </a:r>
+            <a:r>
+              <a:rPr lang="en-US" sz="2000" dirty="0" err="1" smtClean="0"/>
+              <a:t>pserver:anonymous@dev.eclipse.org</a:t>
             </a:r>
             <a:r>
               <a:rPr lang="en-US" sz="2000" dirty="0" smtClean="0"/>
-              <a:t> </a:t>
-            </a:r>
-            <a:r>
-              <a:rPr lang="en-US" sz="2000" dirty="0" smtClean="0">
-                <a:solidFill>
-                  <a:schemeClr val="accent5">
-                    <a:lumMod val="75000"/>
-                  </a:schemeClr>
-                </a:solidFill>
-              </a:rPr>
-              <a:t>(“Profiling Monitor” </a:t>
-            </a:r>
-            <a:r>
-              <a:rPr lang="en-US" sz="2000" dirty="0" err="1" smtClean="0">
-                <a:solidFill>
-                  <a:schemeClr val="accent5">
-                    <a:lumMod val="75000"/>
-                  </a:schemeClr>
-                </a:solidFill>
-              </a:rPr>
-              <a:t>viewpart</a:t>
-            </a:r>
-            <a:r>
-              <a:rPr lang="en-US" sz="2000" dirty="0" smtClean="0">
-                <a:solidFill>
-                  <a:schemeClr val="accent5">
-                    <a:lumMod val="75000"/>
-                  </a:schemeClr>
-                </a:solidFill>
-              </a:rPr>
-              <a:t>)</a:t>
-            </a:r>
-          </a:p>
-          <a:p>
-            <a:r>
-              <a:rPr lang="en-US" sz="2400" dirty="0" err="1" smtClean="0"/>
-              <a:t>Plugin</a:t>
-            </a:r>
-            <a:r>
-              <a:rPr lang="en-US" sz="2400" dirty="0" smtClean="0"/>
-              <a:t>: /</a:t>
-            </a:r>
-            <a:r>
-              <a:rPr lang="en-US" sz="2400" dirty="0" err="1" smtClean="0"/>
-              <a:t>org.eclipse.hyades.trace.ui</a:t>
-            </a:r>
-            <a:endParaRPr lang="en-US" sz="2400" dirty="0" smtClean="0"/>
-          </a:p>
-          <a:p>
-            <a:pPr lvl="1"/>
+              <a:t>:/</a:t>
+            </a:r>
+            <a:r>
+              <a:rPr lang="en-US" sz="2000" dirty="0" err="1" smtClean="0"/>
+              <a:t>cvsroot</a:t>
+            </a:r>
             <a:r>
               <a:rPr lang="en-US" sz="2000" dirty="0" smtClean="0"/>
-              <a:t>Class name: </a:t>
-            </a:r>
-            <a:r>
-              <a:rPr lang="en-US" sz="2000" dirty="0" err="1" smtClean="0">
-                <a:latin typeface="Courier New" pitchFamily="49" charset="0"/>
-                <a:cs typeface="Courier New" pitchFamily="49" charset="0"/>
-              </a:rPr>
-              <a:t>org.eclipse.hyades.trace.ui.internal.wizard</a:t>
-            </a:r>
-            <a:r>
-              <a:rPr lang="en-US" sz="2000" dirty="0" smtClean="0">
-                <a:latin typeface="Courier New" pitchFamily="49" charset="0"/>
-                <a:cs typeface="Courier New" pitchFamily="49" charset="0"/>
-              </a:rPr>
-              <a:t>. ImportTracePage1 </a:t>
-            </a:r>
-            <a:r>
-              <a:rPr lang="en-US" sz="2000" dirty="0" smtClean="0">
-                <a:solidFill>
-                  <a:schemeClr val="accent5">
-                    <a:lumMod val="75000"/>
-                  </a:schemeClr>
-                </a:solidFill>
-              </a:rPr>
-              <a:t>(“Profiling File” wizard page) </a:t>
-            </a:r>
-          </a:p>
-          <a:p>
-            <a:pPr lvl="1"/>
-            <a:endParaRPr lang="en-US" sz="2000" dirty="0"/>
+              <a:t>/</a:t>
+            </a:r>
+            <a:r>
+              <a:rPr lang="en-US" sz="2000" dirty="0" err="1" smtClean="0"/>
+              <a:t>tptp</a:t>
+            </a:r>
+            <a:endParaRPr lang="en-US" sz="2000" dirty="0" smtClean="0"/>
+          </a:p>
+          <a:p>
+            <a:pPr>
+              <a:buNone/>
+            </a:pPr>
+            <a:endParaRPr lang="en-US" dirty="0"/>
           </a:p>
         </p:txBody>
       </p:sp>
@@ -3842,7 +5659,7 @@
       </p:grpSpPr>
       <p:sp>
         <p:nvSpPr>
-          <p:cNvPr id="2" name="Title 1"/>
+          <p:cNvPr id="4" name="Title 3"/>
           <p:cNvSpPr>
             <a:spLocks noGrp="1"/>
           </p:cNvSpPr>
@@ -3855,13 +5672,17 @@
           <a:bodyPr/>
           <a:lstStyle/>
           <a:p>
-            <a:endParaRPr lang="en-US"/>
-          </a:p>
-        </p:txBody>
-      </p:sp>
-      <p:sp>
-        <p:nvSpPr>
-          <p:cNvPr id="3" name="Content Placeholder 2"/>
+            <a:r>
+              <a:rPr lang="en-US" dirty="0" smtClean="0"/>
+              <a:t>TPTP UI</a:t>
+            </a:r>
+            <a:endParaRPr lang="en-US" dirty="0"/>
+          </a:p>
+        </p:txBody>
+      </p:sp>
+      <p:sp>
+        <p:nvSpPr>
+          <p:cNvPr id="5" name="Content Placeholder 4"/>
           <p:cNvSpPr>
             <a:spLocks noGrp="1"/>
           </p:cNvSpPr>
@@ -3872,189 +5693,110 @@
         <p:spPr/>
         <p:txBody>
           <a:bodyPr>
-            <a:normAutofit fontScale="70000" lnSpcReduction="20000"/>
+            <a:normAutofit/>
           </a:bodyPr>
           <a:lstStyle/>
           <a:p>
             <a:r>
-              <a:rPr lang="en-US" dirty="0" err="1" smtClean="0"/>
-              <a:t>org.eclipse.hyades.models.hierarchy</a:t>
-            </a:r>
-            <a:endParaRPr lang="en-US" dirty="0" smtClean="0"/>
+              <a:rPr lang="en-US" sz="2400" dirty="0" err="1" smtClean="0"/>
+              <a:t>Plugin</a:t>
+            </a:r>
+            <a:r>
+              <a:rPr lang="en-US" sz="2400" dirty="0" smtClean="0"/>
+              <a:t>: /</a:t>
+            </a:r>
+            <a:r>
+              <a:rPr lang="en-US" sz="2400" dirty="0" err="1" smtClean="0"/>
+              <a:t>org.eclipse.hyades.trace.ui</a:t>
+            </a:r>
+            <a:endParaRPr lang="en-US" sz="2400" dirty="0" smtClean="0"/>
           </a:p>
           <a:p>
             <a:pPr lvl="1"/>
             <a:r>
-              <a:rPr lang="en-US" dirty="0" err="1" smtClean="0"/>
-              <a:t>org.eclipse.hyades.loaders.util.XMLLoader</a:t>
-            </a:r>
-            <a:endParaRPr lang="en-US" dirty="0" smtClean="0"/>
+              <a:rPr lang="en-US" sz="2000" dirty="0" smtClean="0"/>
+              <a:t>Class name: </a:t>
+            </a:r>
+            <a:r>
+              <a:rPr lang="en-US" sz="2000" dirty="0" err="1" smtClean="0">
+                <a:latin typeface="Courier New" pitchFamily="49" charset="0"/>
+                <a:cs typeface="Courier New" pitchFamily="49" charset="0"/>
+              </a:rPr>
+              <a:t>org.eclipse.hyades.trace.internal.ui.PDProjectExplorer</a:t>
+            </a:r>
+            <a:r>
+              <a:rPr lang="en-US" sz="2000" dirty="0" smtClean="0"/>
+              <a:t> </a:t>
+            </a:r>
+            <a:r>
+              <a:rPr lang="en-US" sz="2000" dirty="0" smtClean="0">
+                <a:solidFill>
+                  <a:schemeClr val="accent5">
+                    <a:lumMod val="75000"/>
+                  </a:schemeClr>
+                </a:solidFill>
+              </a:rPr>
+              <a:t>(“Profiling Monitor” </a:t>
+            </a:r>
+            <a:r>
+              <a:rPr lang="en-US" sz="2000" dirty="0" err="1" smtClean="0">
+                <a:solidFill>
+                  <a:schemeClr val="accent5">
+                    <a:lumMod val="75000"/>
+                  </a:schemeClr>
+                </a:solidFill>
+              </a:rPr>
+              <a:t>viewpart</a:t>
+            </a:r>
+            <a:r>
+              <a:rPr lang="en-US" sz="2000" dirty="0" smtClean="0">
+                <a:solidFill>
+                  <a:schemeClr val="accent5">
+                    <a:lumMod val="75000"/>
+                  </a:schemeClr>
+                </a:solidFill>
+              </a:rPr>
+              <a:t>)</a:t>
+            </a:r>
           </a:p>
           <a:p>
             <a:pPr lvl="1"/>
-            <a:r>
-              <a:rPr lang="en-US" dirty="0" err="1" smtClean="0"/>
-              <a:t>org.xml.sax.SAXParseException</a:t>
-            </a:r>
-            <a:endParaRPr lang="en-US" dirty="0" smtClean="0"/>
-          </a:p>
-          <a:p>
-            <a:pPr lvl="1"/>
-            <a:r>
-              <a:rPr lang="en-US" b="1" dirty="0" smtClean="0"/>
-              <a:t>import </a:t>
-            </a:r>
-            <a:r>
-              <a:rPr lang="en-US" b="1" dirty="0" err="1" smtClean="0"/>
-              <a:t>javax.xml.parsers.ParserConfigurationException</a:t>
-            </a:r>
-            <a:r>
-              <a:rPr lang="en-US" b="1" dirty="0" smtClean="0"/>
-              <a:t>;</a:t>
-            </a:r>
-          </a:p>
-          <a:p>
-            <a:pPr lvl="1"/>
-            <a:r>
-              <a:rPr lang="en-US" b="1" dirty="0" smtClean="0"/>
-              <a:t>import </a:t>
-            </a:r>
-            <a:r>
-              <a:rPr lang="en-US" b="1" dirty="0" err="1" smtClean="0"/>
-              <a:t>javax.xml.parsers.SAXParser</a:t>
-            </a:r>
-            <a:r>
-              <a:rPr lang="en-US" b="1" dirty="0" smtClean="0"/>
-              <a:t>;</a:t>
-            </a:r>
-          </a:p>
-          <a:p>
-            <a:pPr lvl="1"/>
-            <a:r>
-              <a:rPr lang="en-US" b="1" dirty="0" smtClean="0"/>
-              <a:t>import </a:t>
-            </a:r>
-            <a:r>
-              <a:rPr lang="en-US" b="1" dirty="0" err="1" smtClean="0"/>
-              <a:t>javax.xml.parsers.SAXParserFactory</a:t>
-            </a:r>
-            <a:r>
-              <a:rPr lang="en-US" b="1" dirty="0" smtClean="0"/>
-              <a:t>;</a:t>
-            </a:r>
-          </a:p>
-          <a:p>
-            <a:pPr lvl="1"/>
-            <a:r>
-              <a:rPr lang="en-US" b="1" dirty="0" smtClean="0"/>
-              <a:t>import </a:t>
-            </a:r>
-            <a:r>
-              <a:rPr lang="en-US" b="1" dirty="0" err="1" smtClean="0"/>
-              <a:t>org.eclipse.hyades.models.hierarchy.util.ModelDebugger</a:t>
-            </a:r>
-            <a:r>
-              <a:rPr lang="en-US" b="1" dirty="0" smtClean="0"/>
-              <a:t>;</a:t>
-            </a:r>
-          </a:p>
-          <a:p>
-            <a:pPr lvl="1"/>
-            <a:r>
-              <a:rPr lang="en-US" b="1" dirty="0" smtClean="0"/>
-              <a:t>import </a:t>
-            </a:r>
-            <a:r>
-              <a:rPr lang="en-US" b="1" dirty="0" err="1" smtClean="0"/>
-              <a:t>org.xml.sax.Attributes</a:t>
-            </a:r>
-            <a:r>
-              <a:rPr lang="en-US" b="1" dirty="0" smtClean="0"/>
-              <a:t>;</a:t>
-            </a:r>
-          </a:p>
-          <a:p>
-            <a:pPr lvl="1"/>
-            <a:r>
-              <a:rPr lang="en-US" b="1" dirty="0" smtClean="0"/>
-              <a:t>import </a:t>
-            </a:r>
-            <a:r>
-              <a:rPr lang="en-US" b="1" dirty="0" err="1" smtClean="0"/>
-              <a:t>org.xml.sax.InputSource</a:t>
-            </a:r>
-            <a:r>
-              <a:rPr lang="en-US" b="1" dirty="0" smtClean="0"/>
-              <a:t>;</a:t>
-            </a:r>
-          </a:p>
-          <a:p>
-            <a:pPr lvl="1"/>
-            <a:r>
-              <a:rPr lang="en-US" b="1" dirty="0" smtClean="0"/>
-              <a:t>import </a:t>
-            </a:r>
-            <a:r>
-              <a:rPr lang="en-US" b="1" dirty="0" err="1" smtClean="0"/>
-              <a:t>org.xml.sax.Locator</a:t>
-            </a:r>
-            <a:r>
-              <a:rPr lang="en-US" b="1" dirty="0" smtClean="0"/>
-              <a:t>;</a:t>
-            </a:r>
-          </a:p>
-          <a:p>
-            <a:pPr lvl="1"/>
-            <a:r>
-              <a:rPr lang="en-US" b="1" dirty="0" smtClean="0"/>
-              <a:t>import </a:t>
-            </a:r>
-            <a:r>
-              <a:rPr lang="en-US" b="1" dirty="0" err="1" smtClean="0"/>
-              <a:t>org.xml.sax.SAXException</a:t>
-            </a:r>
-            <a:r>
-              <a:rPr lang="en-US" b="1" dirty="0" smtClean="0"/>
-              <a:t>;</a:t>
-            </a:r>
-          </a:p>
-          <a:p>
-            <a:pPr lvl="1"/>
-            <a:r>
-              <a:rPr lang="en-US" b="1" dirty="0" smtClean="0"/>
-              <a:t>import </a:t>
-            </a:r>
-            <a:r>
-              <a:rPr lang="en-US" b="1" dirty="0" err="1" smtClean="0"/>
-              <a:t>org.xml.sax.SAXParseException</a:t>
-            </a:r>
-            <a:r>
-              <a:rPr lang="en-US" b="1" dirty="0" smtClean="0"/>
-              <a:t>;</a:t>
-            </a:r>
-          </a:p>
-          <a:p>
-            <a:pPr lvl="1"/>
-            <a:r>
-              <a:rPr lang="en-US" b="1" dirty="0" smtClean="0"/>
-              <a:t>import </a:t>
-            </a:r>
-            <a:r>
-              <a:rPr lang="en-US" b="1" dirty="0" err="1" smtClean="0"/>
-              <a:t>org.xml.sax.helpers.DefaultHandler</a:t>
-            </a:r>
-            <a:r>
-              <a:rPr lang="en-US" b="1" dirty="0" smtClean="0"/>
-              <a:t>;</a:t>
-            </a:r>
-            <a:endParaRPr lang="en-US" dirty="0" smtClean="0"/>
-          </a:p>
-          <a:p>
-            <a:pPr lvl="1"/>
-            <a:endParaRPr lang="en-US" dirty="0"/>
-          </a:p>
-        </p:txBody>
-      </p:sp>
+            <a:endParaRPr lang="en-US" sz="2000" dirty="0"/>
+          </a:p>
+        </p:txBody>
+      </p:sp>
+      <p:pic>
+        <p:nvPicPr>
+          <p:cNvPr id="6" name="Picture 2"/>
+          <p:cNvPicPr>
+            <a:picLocks noChangeAspect="1" noChangeArrowheads="1"/>
+          </p:cNvPicPr>
+          <p:nvPr/>
+        </p:nvPicPr>
+        <p:blipFill>
+          <a:blip r:embed="rId2" cstate="print"/>
+          <a:srcRect/>
+          <a:stretch>
+            <a:fillRect/>
+          </a:stretch>
+        </p:blipFill>
+        <p:spPr bwMode="auto">
+          <a:xfrm>
+            <a:off x="1752600" y="3200400"/>
+            <a:ext cx="4646054" cy="1981200"/>
+          </a:xfrm>
+          <a:prstGeom prst="rect">
+            <a:avLst/>
+          </a:prstGeom>
+          <a:noFill/>
+          <a:ln w="9525">
+            <a:noFill/>
+            <a:miter lim="800000"/>
+            <a:headEnd/>
+            <a:tailEnd/>
+          </a:ln>
+        </p:spPr>
+      </p:pic>
     </p:spTree>
   </p:cSld>
   <p:clrMapOvr>
@@ -4082,7 +5824,7 @@
       </p:grpSpPr>
       <p:sp>
         <p:nvSpPr>
-          <p:cNvPr id="2" name="Title 1"/>
+          <p:cNvPr id="4" name="Title 3"/>
           <p:cNvSpPr>
             <a:spLocks noGrp="1"/>
           </p:cNvSpPr>
@@ -4097,7 +5839,7 @@
           <a:p>
             <a:r>
               <a:rPr lang="en-US" dirty="0" smtClean="0"/>
-              <a:t>References</a:t>
+              <a:t>TPTP UI</a:t>
             </a:r>
             <a:endParaRPr lang="en-US" dirty="0"/>
           </a:p>
@@ -4105,7 +5847,7 @@
       </p:sp>
       <p:sp>
         <p:nvSpPr>
-          <p:cNvPr id="3" name="Content Placeholder 2"/>
+          <p:cNvPr id="5" name="Content Placeholder 4"/>
           <p:cNvSpPr>
             <a:spLocks noGrp="1"/>
           </p:cNvSpPr>
@@ -4121,40 +5863,88 @@
           <a:lstStyle/>
           <a:p>
             <a:r>
+              <a:rPr lang="en-US" sz="2400" dirty="0" err="1" smtClean="0"/>
+              <a:t>Plugin</a:t>
+            </a:r>
+            <a:r>
               <a:rPr lang="en-US" sz="2400" dirty="0" smtClean="0"/>
-              <a:t>TPTP CVS Repository</a:t>
-            </a:r>
+              <a:t>: /</a:t>
+            </a:r>
+            <a:r>
+              <a:rPr lang="en-US" sz="2400" dirty="0" err="1" smtClean="0"/>
+              <a:t>org.eclipse.hyades.trace.ui</a:t>
+            </a:r>
+            <a:endParaRPr lang="en-US" sz="2400" dirty="0" smtClean="0"/>
           </a:p>
           <a:p>
             <a:pPr lvl="1"/>
             <a:r>
               <a:rPr lang="en-US" sz="2000" dirty="0" smtClean="0"/>
-              <a:t>:</a:t>
-            </a:r>
-            <a:r>
-              <a:rPr lang="en-US" sz="2000" dirty="0" err="1" smtClean="0"/>
-              <a:t>pserver:anonymous@dev.eclipse.org</a:t>
-            </a:r>
-            <a:r>
-              <a:rPr lang="en-US" sz="2000" dirty="0" smtClean="0"/>
-              <a:t>:/</a:t>
-            </a:r>
-            <a:r>
-              <a:rPr lang="en-US" sz="2000" dirty="0" err="1" smtClean="0"/>
-              <a:t>cvsroot</a:t>
-            </a:r>
-            <a:r>
-              <a:rPr lang="en-US" sz="2000" dirty="0" smtClean="0"/>
-              <a:t>/</a:t>
-            </a:r>
-            <a:r>
-              <a:rPr lang="en-US" sz="2000" dirty="0" err="1" smtClean="0"/>
-              <a:t>tptp</a:t>
-            </a:r>
+              <a:t>Class name: </a:t>
+            </a:r>
+            <a:r>
+              <a:rPr lang="en-US" sz="2000" dirty="0" err="1" smtClean="0">
+                <a:latin typeface="Courier New" pitchFamily="49" charset="0"/>
+                <a:cs typeface="Courier New" pitchFamily="49" charset="0"/>
+              </a:rPr>
+              <a:t>org.eclipse.hyades.trace.ui.internal.wizard</a:t>
+            </a:r>
+            <a:r>
+              <a:rPr lang="en-US" sz="2000" dirty="0" smtClean="0">
+                <a:latin typeface="Courier New" pitchFamily="49" charset="0"/>
+                <a:cs typeface="Courier New" pitchFamily="49" charset="0"/>
+              </a:rPr>
+              <a:t>. ImportTracePage1 </a:t>
+            </a:r>
+            <a:r>
+              <a:rPr lang="en-US" sz="2000" dirty="0" smtClean="0">
+                <a:solidFill>
+                  <a:schemeClr val="accent5">
+                    <a:lumMod val="75000"/>
+                  </a:schemeClr>
+                </a:solidFill>
+              </a:rPr>
+              <a:t>(“Profiling File” wizard page) </a:t>
+            </a:r>
+          </a:p>
+          <a:p>
+            <a:pPr lvl="1"/>
             <a:endParaRPr lang="en-US" sz="2000" dirty="0"/>
           </a:p>
         </p:txBody>
       </p:sp>
+      <p:pic>
+        <p:nvPicPr>
+          <p:cNvPr id="4098" name="Picture 2"/>
+          <p:cNvPicPr>
+            <a:picLocks noChangeAspect="1" noChangeArrowheads="1"/>
+          </p:cNvPicPr>
+          <p:nvPr/>
+        </p:nvPicPr>
+        <p:blipFill>
+          <a:blip r:embed="rId2" cstate="print"/>
+          <a:srcRect/>
+          <a:stretch>
+            <a:fillRect/>
+          </a:stretch>
+        </p:blipFill>
+        <p:spPr bwMode="auto">
+          <a:xfrm>
+            <a:off x="2514600" y="3168869"/>
+            <a:ext cx="4114800" cy="3689131"/>
+          </a:xfrm>
+          <a:prstGeom prst="rect">
+            <a:avLst/>
+          </a:prstGeom>
+          <a:noFill/>
+          <a:ln w="9525">
+            <a:noFill/>
+            <a:miter lim="800000"/>
+            <a:headEnd/>
+            <a:tailEnd/>
+          </a:ln>
+        </p:spPr>
+      </p:pic>
     </p:spTree>
   </p:cSld>
   <p:clrMapOvr>
@@ -4195,7 +5985,11 @@
           <a:bodyPr/>
           <a:lstStyle/>
           <a:p>
-            <a:endParaRPr lang="en-US"/>
+            <a:r>
+              <a:rPr lang="en-US" dirty="0" smtClean="0"/>
+              <a:t>TPTP UI </a:t>
+            </a:r>
+            <a:endParaRPr lang="en-US" dirty="0"/>
           </a:p>
         </p:txBody>
       </p:sp>
@@ -4220,7 +6014,7 @@
       </p:sp>
       <p:pic>
         <p:nvPicPr>
-          <p:cNvPr id="1026" name="Picture 2"/>
+          <p:cNvPr id="3075" name="Picture 3"/>
           <p:cNvPicPr>
             <a:picLocks noChangeAspect="1" noChangeArrowheads="1"/>
           </p:cNvPicPr>
@@ -4235,8 +6029,8 @@
         </p:blipFill>
         <p:spPr bwMode="auto">
           <a:xfrm>
-            <a:off x="2552700" y="204788"/>
-            <a:ext cx="4038600" cy="6448425"/>
+            <a:off x="2679101" y="1143001"/>
+            <a:ext cx="3728648" cy="5267324"/>
           </a:xfrm>
           <a:prstGeom prst="rect">
             <a:avLst/>
@@ -4277,7 +6071,7 @@
       </p:grpSpPr>
       <p:sp>
         <p:nvSpPr>
-          <p:cNvPr id="4" name="Title 3"/>
+          <p:cNvPr id="2" name="Title 1"/>
           <p:cNvSpPr>
             <a:spLocks noGrp="1"/>
           </p:cNvSpPr>
@@ -4291,12 +6085,8 @@
           <a:lstStyle/>
           <a:p>
             <a:r>
-              <a:rPr lang="en-US" smtClean="0"/>
-              <a:t>Comparing </a:t>
-            </a:r>
-            <a:r>
               <a:rPr lang="en-US" dirty="0" smtClean="0"/>
-              <a:t>Trace data from RPT and TPTP</a:t>
+              <a:t>Trace.dtd</a:t>
             </a:r>
             <a:endParaRPr lang="en-US" dirty="0"/>
           </a:p>
@@ -4304,23 +6094,79 @@
       </p:sp>
       <p:sp>
         <p:nvSpPr>
-          <p:cNvPr id="5" name="Text Placeholder 4"/>
-          <p:cNvSpPr>
-            <a:spLocks noGrp="1"/>
-          </p:cNvSpPr>
-          <p:nvPr>
-            <p:ph type="body" idx="1"/>
-          </p:nvPr>
-        </p:nvSpPr>
-        <p:spPr/>
-        <p:txBody>
-          <a:bodyPr/>
-          <a:lstStyle/>
+          <p:cNvPr id="3" name="Content Placeholder 2"/>
+          <p:cNvSpPr>
+            <a:spLocks noGrp="1"/>
+          </p:cNvSpPr>
+          <p:nvPr>
+            <p:ph idx="1"/>
+          </p:nvPr>
+        </p:nvSpPr>
+        <p:spPr/>
+        <p:txBody>
+          <a:bodyPr/>
+          <a:lstStyle/>
+          <a:p>
+            <a:r>
+              <a:rPr lang="en-US" dirty="0" smtClean="0">
+                <a:hlinkClick r:id="rId2"/>
+              </a:rPr>
+              <a:t>http://www.eclipse.org/tptp/platform/documents/resources/profilingspec/trace.dtd.html</a:t>
+            </a:r>
+            <a:endParaRPr lang="en-US" dirty="0" smtClean="0"/>
+          </a:p>
+          <a:p>
+            <a:endParaRPr lang="en-US" dirty="0" smtClean="0"/>
+          </a:p>
+          <a:p>
+            <a:endParaRPr lang="en-US" dirty="0" smtClean="0"/>
+          </a:p>
+          <a:p>
+            <a:pPr>
+              <a:buNone/>
+            </a:pPr>
+            <a:r>
+              <a:rPr lang="en-US" dirty="0" smtClean="0"/>
+              <a:t>…</a:t>
+            </a:r>
+          </a:p>
           <a:p>
             <a:endParaRPr lang="en-US" dirty="0"/>
           </a:p>
         </p:txBody>
       </p:sp>
+      <p:pic>
+        <p:nvPicPr>
+          <p:cNvPr id="2050" name="Picture 2"/>
+          <p:cNvPicPr>
+            <a:picLocks noChangeAspect="1" noChangeArrowheads="1"/>
+          </p:cNvPicPr>
+          <p:nvPr/>
+        </p:nvPicPr>
+        <p:blipFill>
+          <a:blip r:embed="rId3" cstate="print"/>
+          <a:srcRect/>
+          <a:stretch>
+            <a:fillRect/>
+          </a:stretch>
+        </p:blipFill>
+        <p:spPr bwMode="auto">
+          <a:xfrm>
+            <a:off x="457200" y="2667000"/>
+            <a:ext cx="8486775" cy="1400175"/>
+          </a:xfrm>
+          <a:prstGeom prst="rect">
+            <a:avLst/>
+          </a:prstGeom>
+          <a:noFill/>
+          <a:ln w="9525">
+            <a:noFill/>
+            <a:miter lim="800000"/>
+            <a:headEnd/>
+            <a:tailEnd/>
+          </a:ln>
+        </p:spPr>
+      </p:pic>
     </p:spTree>
   </p:cSld>
   <p:clrMapOvr>
@@ -4361,7 +6207,15 @@
           <a:bodyPr/>
           <a:lstStyle/>
           <a:p>
-            <a:endParaRPr lang="en-US"/>
+            <a:r>
+              <a:rPr lang="en-US" dirty="0" smtClean="0"/>
+              <a:t>An Example of </a:t>
+            </a:r>
+            <a:r>
+              <a:rPr lang="en-US" dirty="0" smtClean="0"/>
+              <a:t>Trace File</a:t>
+            </a:r>
+            <a:endParaRPr lang="en-US" dirty="0"/>
           </a:p>
         </p:txBody>
       </p:sp>
@@ -4377,122 +6231,399 @@
         </p:nvSpPr>
         <p:spPr/>
         <p:txBody>
-          <a:bodyPr>
-            <a:normAutofit fontScale="70000" lnSpcReduction="20000"/>
-          </a:bodyPr>
-          <a:lstStyle/>
-          <a:p>
-            <a:pPr marL="514350" indent="-514350">
-              <a:buFont typeface="+mj-lt"/>
-              <a:buAutoNum type="arabicPeriod"/>
-            </a:pPr>
-            <a:r>
-              <a:rPr lang="en-US" dirty="0" smtClean="0"/>
-              <a:t>Start the Plant web application (AppSrv02, 9083, 9063)</a:t>
-            </a:r>
-          </a:p>
-          <a:p>
-            <a:pPr marL="514350" indent="-514350">
-              <a:buFont typeface="+mj-lt"/>
-              <a:buAutoNum type="arabicPeriod"/>
-            </a:pPr>
-            <a:r>
-              <a:rPr lang="en-US" dirty="0" smtClean="0"/>
-              <a:t>Setup the environment for RPT profiling </a:t>
-            </a:r>
-          </a:p>
-          <a:p>
-            <a:pPr marL="514350" indent="-514350">
-              <a:buFont typeface="+mj-lt"/>
-              <a:buAutoNum type="arabicPeriod"/>
-            </a:pPr>
-            <a:r>
-              <a:rPr lang="en-US" dirty="0" smtClean="0"/>
-              <a:t>Create a performance test suite for the Plant web application.</a:t>
-            </a:r>
-          </a:p>
-          <a:p>
-            <a:pPr marL="514350" indent="-514350">
-              <a:buFont typeface="+mj-lt"/>
-              <a:buAutoNum type="arabicPeriod"/>
-            </a:pPr>
-            <a:r>
-              <a:rPr lang="en-US" dirty="0" smtClean="0"/>
-              <a:t>Run the performance test suite by RPT while collecting profiling data by RPT. The profiling data is stored in a local </a:t>
-            </a:r>
-            <a:r>
-              <a:rPr lang="en-US" dirty="0" err="1" smtClean="0"/>
-              <a:t>trcxml</a:t>
-            </a:r>
-            <a:r>
-              <a:rPr lang="en-US" dirty="0" smtClean="0"/>
-              <a:t> file (t1_rpt.trcxml)</a:t>
-            </a:r>
-          </a:p>
-          <a:p>
-            <a:pPr marL="514350" indent="-514350">
-              <a:buFont typeface="+mj-lt"/>
-              <a:buAutoNum type="arabicPeriod"/>
-            </a:pPr>
-            <a:r>
-              <a:rPr lang="en-US" dirty="0" smtClean="0"/>
-              <a:t>Restart the Plant web application (after </a:t>
-            </a:r>
-            <a:r>
-              <a:rPr lang="en-US" dirty="0" err="1" smtClean="0"/>
-              <a:t>uninstrumentation</a:t>
-            </a:r>
-            <a:r>
-              <a:rPr lang="en-US" dirty="0" smtClean="0"/>
-              <a:t>)</a:t>
-            </a:r>
-          </a:p>
-          <a:p>
-            <a:pPr marL="514350" indent="-514350">
-              <a:buFont typeface="+mj-lt"/>
-              <a:buAutoNum type="arabicPeriod"/>
-            </a:pPr>
-            <a:r>
-              <a:rPr lang="en-US" dirty="0" smtClean="0"/>
-              <a:t>Setup the environment for TPTP profiling </a:t>
-            </a:r>
-          </a:p>
-          <a:p>
-            <a:pPr marL="514350" indent="-514350">
-              <a:buFont typeface="+mj-lt"/>
-              <a:buAutoNum type="arabicPeriod"/>
-            </a:pPr>
-            <a:r>
-              <a:rPr lang="en-US" dirty="0" smtClean="0"/>
-              <a:t>Run the performance test suite by RPT while collecting profiling data by TPTP. The profiling data is stored in a local </a:t>
-            </a:r>
-            <a:r>
-              <a:rPr lang="en-US" dirty="0" err="1" smtClean="0"/>
-              <a:t>trcxml</a:t>
-            </a:r>
-            <a:r>
-              <a:rPr lang="en-US" dirty="0" smtClean="0"/>
-              <a:t> file (t1_tptp.trcxml)</a:t>
-            </a:r>
-          </a:p>
-          <a:p>
-            <a:pPr marL="514350" indent="-514350">
-              <a:buFont typeface="+mj-lt"/>
-              <a:buAutoNum type="arabicPeriod"/>
-            </a:pPr>
-            <a:r>
-              <a:rPr lang="en-US" dirty="0" smtClean="0"/>
-              <a:t>Compare t1_rpt.trcxml and t1_tptp.trcxml to figure out the difference.</a:t>
-            </a:r>
-            <a:endParaRPr lang="en-US" dirty="0"/>
-          </a:p>
-        </p:txBody>
-      </p:sp>
+          <a:bodyPr/>
+          <a:lstStyle/>
+          <a:p>
+            <a:endParaRPr lang="en-US"/>
+          </a:p>
+        </p:txBody>
+      </p:sp>
+      <p:pic>
+        <p:nvPicPr>
+          <p:cNvPr id="5122" name="Picture 2"/>
+          <p:cNvPicPr>
+            <a:picLocks noChangeAspect="1" noChangeArrowheads="1"/>
+          </p:cNvPicPr>
+          <p:nvPr/>
+        </p:nvPicPr>
+        <p:blipFill>
+          <a:blip r:embed="rId2" cstate="print"/>
+          <a:srcRect/>
+          <a:stretch>
+            <a:fillRect/>
+          </a:stretch>
+        </p:blipFill>
+        <p:spPr bwMode="auto">
+          <a:xfrm>
+            <a:off x="457200" y="1600200"/>
+            <a:ext cx="8229600" cy="4155948"/>
+          </a:xfrm>
+          <a:prstGeom prst="rect">
+            <a:avLst/>
+          </a:prstGeom>
+          <a:noFill/>
+          <a:ln w="9525">
+            <a:noFill/>
+            <a:miter lim="800000"/>
+            <a:headEnd/>
+            <a:tailEnd/>
+          </a:ln>
+        </p:spPr>
+      </p:pic>
     </p:spTree>
   </p:cSld>
   <p:clrMapOvr>
     <a:masterClrMapping/>
   </p:clrMapOvr>
+</p:sld>
+</file>
+
+<file path=ppt/slides/slide9.xml><?xml version="1.0" encoding="utf-8"?>
+<p:sld xmlns:a="http://schemas.openxmlformats.org/drawingml/2006/main" xmlns:r="http://schemas.openxmlformats.org/officeDocument/2006/relationships" xmlns:p="http://schemas.openxmlformats.org/presentationml/2006/main">
+  <p:cSld>
+    <p:spTree>
+      <p:nvGrpSpPr>
+        <p:cNvPr id="1" name=""/>
+        <p:cNvGrpSpPr/>
+        <p:nvPr/>
+      </p:nvGrpSpPr>
+      <p:grpSpPr>
+        <a:xfrm>
+          <a:off x="0" y="0"/>
+          <a:ext cx="0" cy="0"/>
+          <a:chOff x="0" y="0"/>
+          <a:chExt cx="0" cy="0"/>
+        </a:xfrm>
+      </p:grpSpPr>
+      <p:sp>
+        <p:nvSpPr>
+          <p:cNvPr id="2" name="Title 1"/>
+          <p:cNvSpPr>
+            <a:spLocks noGrp="1"/>
+          </p:cNvSpPr>
+          <p:nvPr>
+            <p:ph type="title"/>
+          </p:nvPr>
+        </p:nvSpPr>
+        <p:spPr/>
+        <p:txBody>
+          <a:bodyPr/>
+          <a:lstStyle/>
+          <a:p>
+            <a:r>
+              <a:rPr lang="en-US" dirty="0" smtClean="0"/>
+              <a:t>Analyzing Trace files in EMF</a:t>
+            </a:r>
+            <a:endParaRPr lang="en-US" dirty="0"/>
+          </a:p>
+        </p:txBody>
+      </p:sp>
+      <p:pic>
+        <p:nvPicPr>
+          <p:cNvPr id="1029" name="Picture 5"/>
+          <p:cNvPicPr>
+            <a:picLocks noChangeAspect="1" noChangeArrowheads="1"/>
+          </p:cNvPicPr>
+          <p:nvPr/>
+        </p:nvPicPr>
+        <p:blipFill>
+          <a:blip r:embed="rId2" cstate="print"/>
+          <a:srcRect/>
+          <a:stretch>
+            <a:fillRect/>
+          </a:stretch>
+        </p:blipFill>
+        <p:spPr bwMode="auto">
+          <a:xfrm>
+            <a:off x="838200" y="1638300"/>
+            <a:ext cx="3495675" cy="3619500"/>
+          </a:xfrm>
+          <a:prstGeom prst="rect">
+            <a:avLst/>
+          </a:prstGeom>
+          <a:noFill/>
+          <a:ln w="9525">
+            <a:noFill/>
+            <a:miter lim="800000"/>
+            <a:headEnd/>
+            <a:tailEnd/>
+          </a:ln>
+        </p:spPr>
+      </p:pic>
+      <p:pic>
+        <p:nvPicPr>
+          <p:cNvPr id="1030" name="Picture 6"/>
+          <p:cNvPicPr>
+            <a:picLocks noChangeAspect="1" noChangeArrowheads="1"/>
+          </p:cNvPicPr>
+          <p:nvPr/>
+        </p:nvPicPr>
+        <p:blipFill>
+          <a:blip r:embed="rId3" cstate="print"/>
+          <a:srcRect/>
+          <a:stretch>
+            <a:fillRect/>
+          </a:stretch>
+        </p:blipFill>
+        <p:spPr bwMode="auto">
+          <a:xfrm>
+            <a:off x="4267200" y="1600200"/>
+            <a:ext cx="3486150" cy="3524250"/>
+          </a:xfrm>
+          <a:prstGeom prst="rect">
+            <a:avLst/>
+          </a:prstGeom>
+          <a:noFill/>
+          <a:ln w="9525">
+            <a:noFill/>
+            <a:miter lim="800000"/>
+            <a:headEnd/>
+            <a:tailEnd/>
+          </a:ln>
+        </p:spPr>
+      </p:pic>
+      <p:sp>
+        <p:nvSpPr>
+          <p:cNvPr id="9" name="Rounded Rectangle 8"/>
+          <p:cNvSpPr/>
+          <p:nvPr/>
+        </p:nvSpPr>
+        <p:spPr>
+          <a:xfrm>
+            <a:off x="2286000" y="4114800"/>
+            <a:ext cx="533400" cy="152400"/>
+          </a:xfrm>
+          <a:prstGeom prst="roundRect">
+            <a:avLst/>
+          </a:prstGeom>
+          <a:noFill/>
+          <a:ln w="12700">
+            <a:solidFill>
+              <a:srgbClr val="FF0000"/>
+            </a:solidFill>
+          </a:ln>
+        </p:spPr>
+        <p:style>
+          <a:lnRef idx="2">
+            <a:schemeClr val="accent1">
+              <a:shade val="50000"/>
+            </a:schemeClr>
+          </a:lnRef>
+          <a:fillRef idx="1">
+            <a:schemeClr val="accent1"/>
+          </a:fillRef>
+          <a:effectRef idx="0">
+            <a:schemeClr val="accent1"/>
+          </a:effectRef>
+          <a:fontRef idx="minor">
+            <a:schemeClr val="lt1"/>
+          </a:fontRef>
+        </p:style>
+        <p:txBody>
+          <a:bodyPr rtlCol="0" anchor="ctr"/>
+          <a:lstStyle/>
+          <a:p>
+            <a:pPr algn="ctr"/>
+            <a:endParaRPr lang="en-US"/>
+          </a:p>
+        </p:txBody>
+      </p:sp>
+      <p:sp>
+        <p:nvSpPr>
+          <p:cNvPr id="10" name="Rounded Rectangle 9"/>
+          <p:cNvSpPr/>
+          <p:nvPr/>
+        </p:nvSpPr>
+        <p:spPr>
+          <a:xfrm>
+            <a:off x="2286000" y="3657600"/>
+            <a:ext cx="381000" cy="152400"/>
+          </a:xfrm>
+          <a:prstGeom prst="roundRect">
+            <a:avLst/>
+          </a:prstGeom>
+          <a:noFill/>
+          <a:ln w="12700">
+            <a:solidFill>
+              <a:srgbClr val="FF0000"/>
+            </a:solidFill>
+          </a:ln>
+        </p:spPr>
+        <p:style>
+          <a:lnRef idx="2">
+            <a:schemeClr val="accent1">
+              <a:shade val="50000"/>
+            </a:schemeClr>
+          </a:lnRef>
+          <a:fillRef idx="1">
+            <a:schemeClr val="accent1"/>
+          </a:fillRef>
+          <a:effectRef idx="0">
+            <a:schemeClr val="accent1"/>
+          </a:effectRef>
+          <a:fontRef idx="minor">
+            <a:schemeClr val="lt1"/>
+          </a:fontRef>
+        </p:style>
+        <p:txBody>
+          <a:bodyPr rtlCol="0" anchor="ctr"/>
+          <a:lstStyle/>
+          <a:p>
+            <a:pPr algn="ctr"/>
+            <a:endParaRPr lang="en-US"/>
+          </a:p>
+        </p:txBody>
+      </p:sp>
+      <p:sp>
+        <p:nvSpPr>
+          <p:cNvPr id="13" name="Rounded Rectangle 12"/>
+          <p:cNvSpPr/>
+          <p:nvPr/>
+        </p:nvSpPr>
+        <p:spPr>
+          <a:xfrm>
+            <a:off x="5715000" y="2514600"/>
+            <a:ext cx="457200" cy="152400"/>
+          </a:xfrm>
+          <a:prstGeom prst="roundRect">
+            <a:avLst/>
+          </a:prstGeom>
+          <a:noFill/>
+          <a:ln w="12700">
+            <a:solidFill>
+              <a:srgbClr val="FF0000"/>
+            </a:solidFill>
+          </a:ln>
+        </p:spPr>
+        <p:style>
+          <a:lnRef idx="2">
+            <a:schemeClr val="accent1">
+              <a:shade val="50000"/>
+            </a:schemeClr>
+          </a:lnRef>
+          <a:fillRef idx="1">
+            <a:schemeClr val="accent1"/>
+          </a:fillRef>
+          <a:effectRef idx="0">
+            <a:schemeClr val="accent1"/>
+          </a:effectRef>
+          <a:fontRef idx="minor">
+            <a:schemeClr val="lt1"/>
+          </a:fontRef>
+        </p:style>
+        <p:txBody>
+          <a:bodyPr rtlCol="0" anchor="ctr"/>
+          <a:lstStyle/>
+          <a:p>
+            <a:pPr algn="ctr"/>
+            <a:endParaRPr lang="en-US"/>
+          </a:p>
+        </p:txBody>
+      </p:sp>
+      <p:sp>
+        <p:nvSpPr>
+          <p:cNvPr id="14" name="Rounded Rectangle 13"/>
+          <p:cNvSpPr/>
+          <p:nvPr/>
+        </p:nvSpPr>
+        <p:spPr>
+          <a:xfrm>
+            <a:off x="5715000" y="1600200"/>
+            <a:ext cx="381000" cy="152400"/>
+          </a:xfrm>
+          <a:prstGeom prst="roundRect">
+            <a:avLst/>
+          </a:prstGeom>
+          <a:noFill/>
+          <a:ln w="12700">
+            <a:solidFill>
+              <a:srgbClr val="FF0000"/>
+            </a:solidFill>
+          </a:ln>
+        </p:spPr>
+        <p:style>
+          <a:lnRef idx="2">
+            <a:schemeClr val="accent1">
+              <a:shade val="50000"/>
+            </a:schemeClr>
+          </a:lnRef>
+          <a:fillRef idx="1">
+            <a:schemeClr val="accent1"/>
+          </a:fillRef>
+          <a:effectRef idx="0">
+            <a:schemeClr val="accent1"/>
+          </a:effectRef>
+          <a:fontRef idx="minor">
+            <a:schemeClr val="lt1"/>
+          </a:fontRef>
+        </p:style>
+        <p:txBody>
+          <a:bodyPr rtlCol="0" anchor="ctr"/>
+          <a:lstStyle/>
+          <a:p>
+            <a:pPr algn="ctr"/>
+            <a:endParaRPr lang="en-US"/>
+          </a:p>
+        </p:txBody>
+      </p:sp>
+      <p:sp>
+        <p:nvSpPr>
+          <p:cNvPr id="15" name="Rounded Rectangle 14"/>
+          <p:cNvSpPr/>
+          <p:nvPr/>
+        </p:nvSpPr>
+        <p:spPr>
+          <a:xfrm>
+            <a:off x="5715000" y="2362200"/>
+            <a:ext cx="533400" cy="152400"/>
+          </a:xfrm>
+          <a:prstGeom prst="roundRect">
+            <a:avLst/>
+          </a:prstGeom>
+          <a:noFill/>
+          <a:ln w="12700">
+            <a:solidFill>
+              <a:srgbClr val="FF0000"/>
+            </a:solidFill>
+          </a:ln>
+        </p:spPr>
+        <p:style>
+          <a:lnRef idx="2">
+            <a:schemeClr val="accent1">
+              <a:shade val="50000"/>
+            </a:schemeClr>
+          </a:lnRef>
+          <a:fillRef idx="1">
+            <a:schemeClr val="accent1"/>
+          </a:fillRef>
+          <a:effectRef idx="0">
+            <a:schemeClr val="accent1"/>
+          </a:effectRef>
+          <a:fontRef idx="minor">
+            <a:schemeClr val="lt1"/>
+          </a:fontRef>
+        </p:style>
+        <p:txBody>
+          <a:bodyPr rtlCol="0" anchor="ctr"/>
+          <a:lstStyle/>
+          <a:p>
+            <a:pPr algn="ctr"/>
+            <a:endParaRPr lang="en-US"/>
+          </a:p>
+        </p:txBody>
+      </p:sp>
+    </p:spTree>
+  </p:cSld>
+  <p:clrMapOvr>
+    <a:masterClrMapping/>
+  </p:clrMapOvr>
+  <p:timing>
+    <p:tnLst>
+      <p:par>
+        <p:cTn id="1" dur="indefinite" restart="never" nodeType="tmRoot"/>
+      </p:par>
+    </p:tnLst>
+  </p:timing>
 </p:sld>
 </file>
 

--- a/papers/DRCPA/docs/PerfTest - Implementation.pptx
+++ b/papers/DRCPA/docs/PerfTest - Implementation.pptx
@@ -5,7 +5,7 @@
     <p:sldMasterId id="2147483648" r:id="rId1"/>
   </p:sldMasterIdLst>
   <p:notesMasterIdLst>
-    <p:notesMasterId r:id="rId23"/>
+    <p:notesMasterId r:id="rId25"/>
   </p:notesMasterIdLst>
   <p:sldIdLst>
     <p:sldId id="256" r:id="rId2"/>
@@ -25,10 +25,12 @@
     <p:sldId id="364" r:id="rId16"/>
     <p:sldId id="367" r:id="rId17"/>
     <p:sldId id="359" r:id="rId18"/>
-    <p:sldId id="268" r:id="rId19"/>
-    <p:sldId id="361" r:id="rId20"/>
-    <p:sldId id="351" r:id="rId21"/>
-    <p:sldId id="352" r:id="rId22"/>
+    <p:sldId id="368" r:id="rId19"/>
+    <p:sldId id="369" r:id="rId20"/>
+    <p:sldId id="268" r:id="rId21"/>
+    <p:sldId id="361" r:id="rId22"/>
+    <p:sldId id="351" r:id="rId23"/>
+    <p:sldId id="352" r:id="rId24"/>
   </p:sldIdLst>
   <p:sldSz cx="9144000" cy="6858000" type="screen4x3"/>
   <p:notesSz cx="6858000" cy="9144000"/>
@@ -4824,11 +4826,7 @@
                     <a:p>
                       <a:r>
                         <a:rPr lang="en-US" dirty="0" smtClean="0"/>
-                        <a:t>(Manual) </a:t>
-                      </a:r>
-                      <a:r>
-                        <a:rPr lang="en-US" smtClean="0"/>
-                        <a:t>Trace File</a:t>
+                        <a:t>(Manual) Trace File</a:t>
                       </a:r>
                       <a:endParaRPr lang="en-US" dirty="0"/>
                     </a:p>
@@ -4957,7 +4955,7 @@
           <a:p>
             <a:r>
               <a:rPr lang="en-US" dirty="0" smtClean="0"/>
-              <a:t>References</a:t>
+              <a:t>IPOT</a:t>
             </a:r>
             <a:endParaRPr lang="en-US" dirty="0"/>
           </a:p>
@@ -4976,130 +4974,19 @@
         <p:spPr/>
         <p:txBody>
           <a:bodyPr>
-            <a:normAutofit/>
+            <a:normAutofit lnSpcReduction="10000"/>
           </a:bodyPr>
           <a:lstStyle/>
           <a:p>
             <a:r>
-              <a:rPr lang="en-US" sz="2400" dirty="0" smtClean="0"/>
-              <a:t>TPTP 4.5.0 </a:t>
-            </a:r>
-            <a:r>
-              <a:rPr lang="en-US" sz="2400" dirty="0" err="1" smtClean="0"/>
-              <a:t>Javadoc</a:t>
-            </a:r>
-            <a:endParaRPr lang="en-US" sz="2400" dirty="0" smtClean="0"/>
-          </a:p>
-          <a:p>
-            <a:pPr lvl="1"/>
-            <a:r>
-              <a:rPr lang="en-US" sz="2000" dirty="0" smtClean="0"/>
-              <a:t>Monitoring Tools</a:t>
-            </a:r>
-          </a:p>
-          <a:p>
-            <a:pPr lvl="2"/>
-            <a:r>
-              <a:rPr lang="en-US" sz="1600" dirty="0" smtClean="0">
-                <a:hlinkClick r:id="rId2"/>
-              </a:rPr>
-              <a:t>http://</a:t>
-            </a:r>
-            <a:r>
-              <a:rPr lang="en-US" sz="1600" dirty="0" smtClean="0">
-                <a:hlinkClick r:id="rId2"/>
-              </a:rPr>
-              <a:t>archive.eclipse.org/tptp/4.5.0/javadoc/Monitoring_Tools/public/index.html</a:t>
-            </a:r>
-            <a:endParaRPr lang="en-US" sz="1600" dirty="0" smtClean="0"/>
-          </a:p>
-          <a:p>
-            <a:pPr lvl="1"/>
-            <a:r>
-              <a:rPr lang="en-US" sz="2000" dirty="0" err="1" smtClean="0"/>
-              <a:t>Plaform</a:t>
-            </a:r>
-            <a:endParaRPr lang="en-US" sz="2000" dirty="0" smtClean="0"/>
-          </a:p>
-          <a:p>
-            <a:pPr lvl="2"/>
-            <a:r>
-              <a:rPr lang="en-US" sz="1600" dirty="0" smtClean="0">
-                <a:hlinkClick r:id="rId3"/>
-              </a:rPr>
-              <a:t>http://</a:t>
-            </a:r>
-            <a:r>
-              <a:rPr lang="en-US" sz="1600" dirty="0" smtClean="0">
-                <a:hlinkClick r:id="rId3"/>
-              </a:rPr>
-              <a:t>archive.eclipse.org/tptp/4.5.0/javadoc/Platform/public/index.html</a:t>
-            </a:r>
-            <a:r>
-              <a:rPr lang="en-US" sz="1600" dirty="0" smtClean="0"/>
-              <a:t> </a:t>
-            </a:r>
-          </a:p>
-          <a:p>
-            <a:pPr lvl="1"/>
-            <a:r>
-              <a:rPr lang="en-US" sz="2000" dirty="0" smtClean="0"/>
-              <a:t>Testing Tools</a:t>
-            </a:r>
-          </a:p>
-          <a:p>
-            <a:pPr lvl="2"/>
-            <a:r>
-              <a:rPr lang="en-US" sz="1600" dirty="0" smtClean="0">
-                <a:hlinkClick r:id="rId4"/>
-              </a:rPr>
-              <a:t>http://</a:t>
-            </a:r>
-            <a:r>
-              <a:rPr lang="en-US" sz="1600" dirty="0" smtClean="0">
-                <a:hlinkClick r:id="rId4"/>
-              </a:rPr>
-              <a:t>archive.eclipse.org/tptp/4.5.0/javadoc/Testing_Tools/public/index.html</a:t>
-            </a:r>
-            <a:r>
-              <a:rPr lang="en-US" sz="1600" dirty="0" smtClean="0"/>
-              <a:t> </a:t>
-            </a:r>
-            <a:endParaRPr lang="en-US" sz="1600" dirty="0" smtClean="0"/>
-          </a:p>
-          <a:p>
-            <a:pPr lvl="1"/>
-            <a:r>
-              <a:rPr lang="en-US" sz="2000" dirty="0" smtClean="0"/>
-              <a:t>Tracing and Profiling Tools</a:t>
-            </a:r>
-            <a:endParaRPr lang="en-US" sz="2000" dirty="0" smtClean="0"/>
-          </a:p>
-          <a:p>
-            <a:pPr lvl="2"/>
-            <a:r>
-              <a:rPr lang="en-US" sz="1600" dirty="0" smtClean="0">
-                <a:hlinkClick r:id="rId5"/>
-              </a:rPr>
-              <a:t>http</a:t>
-            </a:r>
-            <a:r>
-              <a:rPr lang="en-US" sz="1600" dirty="0" smtClean="0">
-                <a:hlinkClick r:id="rId5"/>
-              </a:rPr>
-              <a:t>://</a:t>
-            </a:r>
-            <a:r>
-              <a:rPr lang="en-US" sz="1600" dirty="0" smtClean="0">
-                <a:hlinkClick r:id="rId5"/>
-              </a:rPr>
-              <a:t>archive.eclipse.org/tptp/4.5.0/javadoc/Tracing_and_Profiling_Tools/public/index.html</a:t>
-            </a:r>
-            <a:endParaRPr lang="en-US" sz="1600" dirty="0" smtClean="0"/>
-          </a:p>
-          <a:p>
-            <a:pPr lvl="1"/>
-            <a:endParaRPr lang="en-US" sz="2000" dirty="0" smtClean="0"/>
+              <a:rPr lang="en-US" dirty="0" smtClean="0"/>
+              <a:t>This tool identifies the root cause of poor performance observed during a test by round-trip response time decomposition. The response time is broken down into the times spent within each component in the system under test enabled by the included Tivoli ARM data collector. An updated Data Collection Infrastructure (DCI) version has been posted to run with Rational Performance Tester v6.1.2</a:t>
+            </a:r>
+            <a:r>
+              <a:rPr lang="en-US" dirty="0" smtClean="0"/>
+              <a:t>.</a:t>
+            </a:r>
+            <a:endParaRPr lang="en-US" dirty="0" smtClean="0"/>
           </a:p>
         </p:txBody>
       </p:sp>
@@ -5144,72 +5031,44 @@
           <a:lstStyle/>
           <a:p>
             <a:r>
+              <a:rPr lang="en-US" smtClean="0"/>
+              <a:t>IPOT</a:t>
+            </a:r>
+            <a:endParaRPr lang="en-US"/>
+          </a:p>
+        </p:txBody>
+      </p:sp>
+      <p:sp>
+        <p:nvSpPr>
+          <p:cNvPr id="3" name="Content Placeholder 2"/>
+          <p:cNvSpPr>
+            <a:spLocks noGrp="1"/>
+          </p:cNvSpPr>
+          <p:nvPr>
+            <p:ph idx="1"/>
+          </p:nvPr>
+        </p:nvSpPr>
+        <p:spPr/>
+        <p:txBody>
+          <a:bodyPr/>
+          <a:lstStyle/>
+          <a:p>
+            <a:r>
               <a:rPr lang="en-US" dirty="0" smtClean="0"/>
-              <a:t>References (Cont’d)</a:t>
+              <a:t>Demo</a:t>
+            </a:r>
+          </a:p>
+          <a:p>
+            <a:pPr lvl="1"/>
+            <a:r>
+              <a:rPr lang="en-US" dirty="0" smtClean="0"/>
+              <a:t>http</a:t>
+            </a:r>
+            <a:r>
+              <a:rPr lang="en-US" dirty="0" smtClean="0"/>
+              <a:t>://www3.software.ibm.com/ibmdl/pub/software/rational/web/demos/ipot_demo.html</a:t>
             </a:r>
             <a:endParaRPr lang="en-US" dirty="0"/>
-          </a:p>
-        </p:txBody>
-      </p:sp>
-      <p:sp>
-        <p:nvSpPr>
-          <p:cNvPr id="3" name="Content Placeholder 2"/>
-          <p:cNvSpPr>
-            <a:spLocks noGrp="1"/>
-          </p:cNvSpPr>
-          <p:nvPr>
-            <p:ph idx="1"/>
-          </p:nvPr>
-        </p:nvSpPr>
-        <p:spPr/>
-        <p:txBody>
-          <a:bodyPr/>
-          <a:lstStyle/>
-          <a:p>
-            <a:r>
-              <a:rPr lang="en-US" sz="2400" dirty="0" smtClean="0"/>
-              <a:t>Document Object Model (DOM) Level 3 Core Specification</a:t>
-            </a:r>
-          </a:p>
-          <a:p>
-            <a:pPr lvl="1"/>
-            <a:r>
-              <a:rPr lang="en-US" sz="2000" dirty="0" smtClean="0">
-                <a:hlinkClick r:id="rId2"/>
-              </a:rPr>
-              <a:t>http://www.w3.org/TR/2004/REC-DOM-Level-3-Core-20040407/</a:t>
-            </a:r>
-            <a:endParaRPr lang="en-US" sz="2000" dirty="0" smtClean="0"/>
-          </a:p>
-          <a:p>
-            <a:r>
-              <a:rPr lang="en-US" sz="2400" dirty="0" smtClean="0"/>
-              <a:t>org.w3g.dom </a:t>
-            </a:r>
-            <a:r>
-              <a:rPr lang="en-US" sz="2400" dirty="0" err="1" smtClean="0"/>
-              <a:t>Javadoc</a:t>
-            </a:r>
-            <a:r>
-              <a:rPr lang="en-US" sz="2400" dirty="0" smtClean="0"/>
-              <a:t> </a:t>
-            </a:r>
-          </a:p>
-          <a:p>
-            <a:pPr lvl="1"/>
-            <a:r>
-              <a:rPr lang="en-US" sz="2000" dirty="0" smtClean="0">
-                <a:hlinkClick r:id="rId3"/>
-              </a:rPr>
-              <a:t>http://</a:t>
-            </a:r>
-            <a:r>
-              <a:rPr lang="en-US" sz="2000" dirty="0" smtClean="0">
-                <a:hlinkClick r:id="rId3"/>
-              </a:rPr>
-              <a:t>java.sun.com/javase/6/docs/api/org/w3c/dom/package-summary.html</a:t>
-            </a:r>
-            <a:endParaRPr lang="en-US" sz="2000" dirty="0" smtClean="0"/>
           </a:p>
         </p:txBody>
       </p:sp>
@@ -5311,7 +5170,7 @@
       </p:grpSpPr>
       <p:sp>
         <p:nvSpPr>
-          <p:cNvPr id="4" name="Title 3"/>
+          <p:cNvPr id="2" name="Title 1"/>
           <p:cNvSpPr>
             <a:spLocks noGrp="1"/>
           </p:cNvSpPr>
@@ -5325,12 +5184,8 @@
           <a:lstStyle/>
           <a:p>
             <a:r>
-              <a:rPr lang="en-US" smtClean="0"/>
-              <a:t>Comparing </a:t>
-            </a:r>
-            <a:r>
               <a:rPr lang="en-US" dirty="0" smtClean="0"/>
-              <a:t>Trace data from RPT and TPTP</a:t>
+              <a:t>References</a:t>
             </a:r>
             <a:endParaRPr lang="en-US" dirty="0"/>
           </a:p>
@@ -5338,20 +5193,141 @@
       </p:sp>
       <p:sp>
         <p:nvSpPr>
-          <p:cNvPr id="5" name="Text Placeholder 4"/>
-          <p:cNvSpPr>
-            <a:spLocks noGrp="1"/>
-          </p:cNvSpPr>
-          <p:nvPr>
-            <p:ph type="body" idx="1"/>
-          </p:nvPr>
-        </p:nvSpPr>
-        <p:spPr/>
-        <p:txBody>
-          <a:bodyPr/>
-          <a:lstStyle/>
-          <a:p>
-            <a:endParaRPr lang="en-US" dirty="0"/>
+          <p:cNvPr id="3" name="Content Placeholder 2"/>
+          <p:cNvSpPr>
+            <a:spLocks noGrp="1"/>
+          </p:cNvSpPr>
+          <p:nvPr>
+            <p:ph idx="1"/>
+          </p:nvPr>
+        </p:nvSpPr>
+        <p:spPr/>
+        <p:txBody>
+          <a:bodyPr>
+            <a:normAutofit/>
+          </a:bodyPr>
+          <a:lstStyle/>
+          <a:p>
+            <a:r>
+              <a:rPr lang="en-US" sz="2400" dirty="0" smtClean="0"/>
+              <a:t>TPTP 4.5.0 </a:t>
+            </a:r>
+            <a:r>
+              <a:rPr lang="en-US" sz="2400" dirty="0" err="1" smtClean="0"/>
+              <a:t>Javadoc</a:t>
+            </a:r>
+            <a:endParaRPr lang="en-US" sz="2400" dirty="0" smtClean="0"/>
+          </a:p>
+          <a:p>
+            <a:pPr lvl="1"/>
+            <a:r>
+              <a:rPr lang="en-US" sz="2000" dirty="0" smtClean="0"/>
+              <a:t>Monitoring Tools</a:t>
+            </a:r>
+          </a:p>
+          <a:p>
+            <a:pPr lvl="2"/>
+            <a:r>
+              <a:rPr lang="en-US" sz="1600" dirty="0" smtClean="0">
+                <a:hlinkClick r:id="rId2"/>
+              </a:rPr>
+              <a:t>http://</a:t>
+            </a:r>
+            <a:r>
+              <a:rPr lang="en-US" sz="1600" dirty="0" smtClean="0">
+                <a:hlinkClick r:id="rId2"/>
+              </a:rPr>
+              <a:t>archive.eclipse.org/tptp/4.5.0/javadoc/Monitoring_Tools/public/index.html</a:t>
+            </a:r>
+            <a:endParaRPr lang="en-US" sz="1600" dirty="0" smtClean="0"/>
+          </a:p>
+          <a:p>
+            <a:pPr lvl="1"/>
+            <a:r>
+              <a:rPr lang="en-US" sz="2000" dirty="0" err="1" smtClean="0"/>
+              <a:t>Plaform</a:t>
+            </a:r>
+            <a:endParaRPr lang="en-US" sz="2000" dirty="0" smtClean="0"/>
+          </a:p>
+          <a:p>
+            <a:pPr lvl="2"/>
+            <a:r>
+              <a:rPr lang="en-US" sz="1600" dirty="0" smtClean="0">
+                <a:hlinkClick r:id="rId3"/>
+              </a:rPr>
+              <a:t>http://</a:t>
+            </a:r>
+            <a:r>
+              <a:rPr lang="en-US" sz="1600" dirty="0" smtClean="0">
+                <a:hlinkClick r:id="rId3"/>
+              </a:rPr>
+              <a:t>archive.eclipse.org/tptp/4.5.0/javadoc/Platform/public/index.html</a:t>
+            </a:r>
+            <a:r>
+              <a:rPr lang="en-US" sz="1600" dirty="0" smtClean="0"/>
+              <a:t> </a:t>
+            </a:r>
+          </a:p>
+          <a:p>
+            <a:pPr lvl="1"/>
+            <a:r>
+              <a:rPr lang="en-US" sz="2000" dirty="0" smtClean="0"/>
+              <a:t>Testing Tools</a:t>
+            </a:r>
+          </a:p>
+          <a:p>
+            <a:pPr lvl="2"/>
+            <a:r>
+              <a:rPr lang="en-US" sz="1600" dirty="0" smtClean="0">
+                <a:hlinkClick r:id="rId4"/>
+              </a:rPr>
+              <a:t>http://</a:t>
+            </a:r>
+            <a:r>
+              <a:rPr lang="en-US" sz="1600" dirty="0" smtClean="0">
+                <a:hlinkClick r:id="rId4"/>
+              </a:rPr>
+              <a:t>archive.eclipse.org/tptp/4.5.0/javadoc/Testing_Tools/public/index.html</a:t>
+            </a:r>
+            <a:r>
+              <a:rPr lang="en-US" sz="1600" dirty="0" smtClean="0"/>
+              <a:t> </a:t>
+            </a:r>
+            <a:endParaRPr lang="en-US" sz="1600" dirty="0" smtClean="0"/>
+          </a:p>
+          <a:p>
+            <a:pPr lvl="1"/>
+            <a:r>
+              <a:rPr lang="en-US" sz="2000" dirty="0" smtClean="0"/>
+              <a:t>Tracing and Profiling Tools</a:t>
+            </a:r>
+            <a:endParaRPr lang="en-US" sz="2000" dirty="0" smtClean="0"/>
+          </a:p>
+          <a:p>
+            <a:pPr lvl="2"/>
+            <a:r>
+              <a:rPr lang="en-US" sz="1600" dirty="0" smtClean="0">
+                <a:hlinkClick r:id="rId5"/>
+              </a:rPr>
+              <a:t>http</a:t>
+            </a:r>
+            <a:r>
+              <a:rPr lang="en-US" sz="1600" dirty="0" smtClean="0">
+                <a:hlinkClick r:id="rId5"/>
+              </a:rPr>
+              <a:t>://</a:t>
+            </a:r>
+            <a:r>
+              <a:rPr lang="en-US" sz="1600" dirty="0" smtClean="0">
+                <a:hlinkClick r:id="rId5"/>
+              </a:rPr>
+              <a:t>archive.eclipse.org/tptp/4.5.0/javadoc/Tracing_and_Profiling_Tools/public/index.html</a:t>
+            </a:r>
+            <a:endParaRPr lang="en-US" sz="1600" dirty="0" smtClean="0"/>
+          </a:p>
+          <a:p>
+            <a:pPr lvl="1"/>
+            <a:endParaRPr lang="en-US" sz="2000" dirty="0" smtClean="0"/>
           </a:p>
         </p:txBody>
       </p:sp>
@@ -5364,6 +5340,187 @@
 </file>
 
 <file path=ppt/slides/slide21.xml><?xml version="1.0" encoding="utf-8"?>
+<p:sld xmlns:a="http://schemas.openxmlformats.org/drawingml/2006/main" xmlns:r="http://schemas.openxmlformats.org/officeDocument/2006/relationships" xmlns:p="http://schemas.openxmlformats.org/presentationml/2006/main">
+  <p:cSld>
+    <p:spTree>
+      <p:nvGrpSpPr>
+        <p:cNvPr id="1" name=""/>
+        <p:cNvGrpSpPr/>
+        <p:nvPr/>
+      </p:nvGrpSpPr>
+      <p:grpSpPr>
+        <a:xfrm>
+          <a:off x="0" y="0"/>
+          <a:ext cx="0" cy="0"/>
+          <a:chOff x="0" y="0"/>
+          <a:chExt cx="0" cy="0"/>
+        </a:xfrm>
+      </p:grpSpPr>
+      <p:sp>
+        <p:nvSpPr>
+          <p:cNvPr id="2" name="Title 1"/>
+          <p:cNvSpPr>
+            <a:spLocks noGrp="1"/>
+          </p:cNvSpPr>
+          <p:nvPr>
+            <p:ph type="title"/>
+          </p:nvPr>
+        </p:nvSpPr>
+        <p:spPr/>
+        <p:txBody>
+          <a:bodyPr/>
+          <a:lstStyle/>
+          <a:p>
+            <a:r>
+              <a:rPr lang="en-US" dirty="0" smtClean="0"/>
+              <a:t>References (Cont’d)</a:t>
+            </a:r>
+            <a:endParaRPr lang="en-US" dirty="0"/>
+          </a:p>
+        </p:txBody>
+      </p:sp>
+      <p:sp>
+        <p:nvSpPr>
+          <p:cNvPr id="3" name="Content Placeholder 2"/>
+          <p:cNvSpPr>
+            <a:spLocks noGrp="1"/>
+          </p:cNvSpPr>
+          <p:nvPr>
+            <p:ph idx="1"/>
+          </p:nvPr>
+        </p:nvSpPr>
+        <p:spPr/>
+        <p:txBody>
+          <a:bodyPr/>
+          <a:lstStyle/>
+          <a:p>
+            <a:r>
+              <a:rPr lang="en-US" sz="2400" dirty="0" smtClean="0"/>
+              <a:t>Document Object Model (DOM) Level 3 Core Specification</a:t>
+            </a:r>
+          </a:p>
+          <a:p>
+            <a:pPr lvl="1"/>
+            <a:r>
+              <a:rPr lang="en-US" sz="2000" dirty="0" smtClean="0">
+                <a:hlinkClick r:id="rId2"/>
+              </a:rPr>
+              <a:t>http://www.w3.org/TR/2004/REC-DOM-Level-3-Core-20040407/</a:t>
+            </a:r>
+            <a:endParaRPr lang="en-US" sz="2000" dirty="0" smtClean="0"/>
+          </a:p>
+          <a:p>
+            <a:r>
+              <a:rPr lang="en-US" sz="2400" dirty="0" smtClean="0"/>
+              <a:t>org.w3g.dom </a:t>
+            </a:r>
+            <a:r>
+              <a:rPr lang="en-US" sz="2400" dirty="0" err="1" smtClean="0"/>
+              <a:t>Javadoc</a:t>
+            </a:r>
+            <a:r>
+              <a:rPr lang="en-US" sz="2400" dirty="0" smtClean="0"/>
+              <a:t> </a:t>
+            </a:r>
+          </a:p>
+          <a:p>
+            <a:pPr lvl="1"/>
+            <a:r>
+              <a:rPr lang="en-US" sz="2000" dirty="0" smtClean="0">
+                <a:hlinkClick r:id="rId3"/>
+              </a:rPr>
+              <a:t>http://</a:t>
+            </a:r>
+            <a:r>
+              <a:rPr lang="en-US" sz="2000" dirty="0" smtClean="0">
+                <a:hlinkClick r:id="rId3"/>
+              </a:rPr>
+              <a:t>java.sun.com/javase/6/docs/api/org/w3c/dom/package-summary.html</a:t>
+            </a:r>
+            <a:endParaRPr lang="en-US" sz="2000" dirty="0" smtClean="0"/>
+          </a:p>
+        </p:txBody>
+      </p:sp>
+    </p:spTree>
+  </p:cSld>
+  <p:clrMapOvr>
+    <a:masterClrMapping/>
+  </p:clrMapOvr>
+</p:sld>
+</file>
+
+<file path=ppt/slides/slide22.xml><?xml version="1.0" encoding="utf-8"?>
+<p:sld xmlns:a="http://schemas.openxmlformats.org/drawingml/2006/main" xmlns:r="http://schemas.openxmlformats.org/officeDocument/2006/relationships" xmlns:p="http://schemas.openxmlformats.org/presentationml/2006/main">
+  <p:cSld>
+    <p:spTree>
+      <p:nvGrpSpPr>
+        <p:cNvPr id="1" name=""/>
+        <p:cNvGrpSpPr/>
+        <p:nvPr/>
+      </p:nvGrpSpPr>
+      <p:grpSpPr>
+        <a:xfrm>
+          <a:off x="0" y="0"/>
+          <a:ext cx="0" cy="0"/>
+          <a:chOff x="0" y="0"/>
+          <a:chExt cx="0" cy="0"/>
+        </a:xfrm>
+      </p:grpSpPr>
+      <p:sp>
+        <p:nvSpPr>
+          <p:cNvPr id="4" name="Title 3"/>
+          <p:cNvSpPr>
+            <a:spLocks noGrp="1"/>
+          </p:cNvSpPr>
+          <p:nvPr>
+            <p:ph type="title"/>
+          </p:nvPr>
+        </p:nvSpPr>
+        <p:spPr/>
+        <p:txBody>
+          <a:bodyPr/>
+          <a:lstStyle/>
+          <a:p>
+            <a:r>
+              <a:rPr lang="en-US" smtClean="0"/>
+              <a:t>Comparing </a:t>
+            </a:r>
+            <a:r>
+              <a:rPr lang="en-US" dirty="0" smtClean="0"/>
+              <a:t>Trace data from RPT and TPTP</a:t>
+            </a:r>
+            <a:endParaRPr lang="en-US" dirty="0"/>
+          </a:p>
+        </p:txBody>
+      </p:sp>
+      <p:sp>
+        <p:nvSpPr>
+          <p:cNvPr id="5" name="Text Placeholder 4"/>
+          <p:cNvSpPr>
+            <a:spLocks noGrp="1"/>
+          </p:cNvSpPr>
+          <p:nvPr>
+            <p:ph type="body" idx="1"/>
+          </p:nvPr>
+        </p:nvSpPr>
+        <p:spPr/>
+        <p:txBody>
+          <a:bodyPr/>
+          <a:lstStyle/>
+          <a:p>
+            <a:endParaRPr lang="en-US" dirty="0"/>
+          </a:p>
+        </p:txBody>
+      </p:sp>
+    </p:spTree>
+  </p:cSld>
+  <p:clrMapOvr>
+    <a:masterClrMapping/>
+  </p:clrMapOvr>
+</p:sld>
+</file>
+
+<file path=ppt/slides/slide23.xml><?xml version="1.0" encoding="utf-8"?>
 <p:sld xmlns:a="http://schemas.openxmlformats.org/drawingml/2006/main" xmlns:r="http://schemas.openxmlformats.org/officeDocument/2006/relationships" xmlns:p="http://schemas.openxmlformats.org/presentationml/2006/main">
   <p:cSld>
     <p:spTree>

--- a/papers/DRCPA/docs/PerfTest - Implementation.pptx
+++ b/papers/DRCPA/docs/PerfTest - Implementation.pptx
@@ -5031,10 +5031,10 @@
           <a:lstStyle/>
           <a:p>
             <a:r>
-              <a:rPr lang="en-US" smtClean="0"/>
+              <a:rPr lang="en-US" dirty="0" smtClean="0"/>
               <a:t>IPOT</a:t>
             </a:r>
-            <a:endParaRPr lang="en-US"/>
+            <a:endParaRPr lang="en-US" dirty="0"/>
           </a:p>
         </p:txBody>
       </p:sp>
